--- a/Система AB тестування.pptx
+++ b/Система AB тестування.pptx
@@ -12,8 +12,8 @@
   </p:handoutMasterIdLst>
   <p:sldIdLst>
     <p:sldId id="256" r:id="rId3"/>
-    <p:sldId id="277" r:id="rId4"/>
-    <p:sldId id="262" r:id="rId5"/>
+    <p:sldId id="262" r:id="rId4"/>
+    <p:sldId id="277" r:id="rId5"/>
     <p:sldId id="271" r:id="rId6"/>
     <p:sldId id="283" r:id="rId7"/>
     <p:sldId id="281" r:id="rId8"/>
@@ -258,7 +258,7 @@
             <a:fld id="{4A48B867-C0E9-4677-A1E6-26A91062B287}" type="datetimeFigureOut">
               <a:rPr lang="ru-RU" smtClean="0"/>
               <a:pPr/>
-              <a:t>26.11.2017</a:t>
+              <a:t>30.11.2017</a:t>
             </a:fld>
             <a:endParaRPr lang="ru-RU" dirty="0"/>
           </a:p>
@@ -425,7 +425,7 @@
             <a:fld id="{EC13577B-6902-467D-A26C-08A0DD5E4E03}" type="datetimeFigureOut">
               <a:rPr lang="ru-RU" smtClean="0"/>
               <a:pPr/>
-              <a:t>26.11.2017</a:t>
+              <a:t>30.11.2017</a:t>
             </a:fld>
             <a:endParaRPr lang="ru-RU" dirty="0"/>
           </a:p>
@@ -926,7 +926,7 @@
             <a:fld id="{8BEEBAAA-29B5-4AF5-BC5F-7E580C29002D}" type="datetimeFigureOut">
               <a:rPr lang="ru-RU" smtClean="0"/>
               <a:pPr/>
-              <a:t>26.11.2017</a:t>
+              <a:t>30.11.2017</a:t>
             </a:fld>
             <a:endParaRPr lang="ru-RU" dirty="0"/>
           </a:p>
@@ -1142,7 +1142,7 @@
             <a:fld id="{8BEEBAAA-29B5-4AF5-BC5F-7E580C29002D}" type="datetimeFigureOut">
               <a:rPr lang="ru-RU" smtClean="0"/>
               <a:pPr/>
-              <a:t>26.11.2017</a:t>
+              <a:t>30.11.2017</a:t>
             </a:fld>
             <a:endParaRPr lang="ru-RU" dirty="0"/>
           </a:p>
@@ -1368,7 +1368,7 @@
             <a:fld id="{8BEEBAAA-29B5-4AF5-BC5F-7E580C29002D}" type="datetimeFigureOut">
               <a:rPr lang="ru-RU" smtClean="0"/>
               <a:pPr/>
-              <a:t>26.11.2017</a:t>
+              <a:t>30.11.2017</a:t>
             </a:fld>
             <a:endParaRPr lang="ru-RU" dirty="0"/>
           </a:p>
@@ -1584,7 +1584,7 @@
             <a:fld id="{8BEEBAAA-29B5-4AF5-BC5F-7E580C29002D}" type="datetimeFigureOut">
               <a:rPr lang="ru-RU" smtClean="0"/>
               <a:pPr/>
-              <a:t>26.11.2017</a:t>
+              <a:t>30.11.2017</a:t>
             </a:fld>
             <a:endParaRPr lang="ru-RU" dirty="0"/>
           </a:p>
@@ -1877,7 +1877,7 @@
             <a:fld id="{8BEEBAAA-29B5-4AF5-BC5F-7E580C29002D}" type="datetimeFigureOut">
               <a:rPr lang="ru-RU" smtClean="0"/>
               <a:pPr/>
-              <a:t>26.11.2017</a:t>
+              <a:t>30.11.2017</a:t>
             </a:fld>
             <a:endParaRPr lang="ru-RU" dirty="0"/>
           </a:p>
@@ -2154,7 +2154,7 @@
             <a:fld id="{8BEEBAAA-29B5-4AF5-BC5F-7E580C29002D}" type="datetimeFigureOut">
               <a:rPr lang="ru-RU" smtClean="0"/>
               <a:pPr/>
-              <a:t>26.11.2017</a:t>
+              <a:t>30.11.2017</a:t>
             </a:fld>
             <a:endParaRPr lang="ru-RU" dirty="0"/>
           </a:p>
@@ -2566,7 +2566,7 @@
             <a:fld id="{8BEEBAAA-29B5-4AF5-BC5F-7E580C29002D}" type="datetimeFigureOut">
               <a:rPr lang="ru-RU" smtClean="0"/>
               <a:pPr/>
-              <a:t>26.11.2017</a:t>
+              <a:t>30.11.2017</a:t>
             </a:fld>
             <a:endParaRPr lang="ru-RU" dirty="0"/>
           </a:p>
@@ -2731,7 +2731,7 @@
             <a:fld id="{8BEEBAAA-29B5-4AF5-BC5F-7E580C29002D}" type="datetimeFigureOut">
               <a:rPr lang="ru-RU" smtClean="0"/>
               <a:pPr/>
-              <a:t>26.11.2017</a:t>
+              <a:t>30.11.2017</a:t>
             </a:fld>
             <a:endParaRPr lang="ru-RU" dirty="0"/>
           </a:p>
@@ -2874,7 +2874,7 @@
             <a:fld id="{8BEEBAAA-29B5-4AF5-BC5F-7E580C29002D}" type="datetimeFigureOut">
               <a:rPr lang="ru-RU" smtClean="0"/>
               <a:pPr/>
-              <a:t>26.11.2017</a:t>
+              <a:t>30.11.2017</a:t>
             </a:fld>
             <a:endParaRPr lang="ru-RU" dirty="0"/>
           </a:p>
@@ -3151,7 +3151,7 @@
             <a:fld id="{8BEEBAAA-29B5-4AF5-BC5F-7E580C29002D}" type="datetimeFigureOut">
               <a:rPr lang="ru-RU" smtClean="0"/>
               <a:pPr/>
-              <a:t>26.11.2017</a:t>
+              <a:t>30.11.2017</a:t>
             </a:fld>
             <a:endParaRPr lang="ru-RU" dirty="0"/>
           </a:p>
@@ -3405,7 +3405,7 @@
             <a:fld id="{8BEEBAAA-29B5-4AF5-BC5F-7E580C29002D}" type="datetimeFigureOut">
               <a:rPr lang="ru-RU" smtClean="0"/>
               <a:pPr/>
-              <a:t>26.11.2017</a:t>
+              <a:t>30.11.2017</a:t>
             </a:fld>
             <a:endParaRPr lang="ru-RU" dirty="0"/>
           </a:p>
@@ -3618,7 +3618,7 @@
             <a:fld id="{8BEEBAAA-29B5-4AF5-BC5F-7E580C29002D}" type="datetimeFigureOut">
               <a:rPr lang="ru-RU" smtClean="0"/>
               <a:pPr/>
-              <a:t>26.11.2017</a:t>
+              <a:t>30.11.2017</a:t>
             </a:fld>
             <a:endParaRPr lang="ru-RU" dirty="0"/>
           </a:p>
@@ -4204,6 +4204,13 @@
   <p:clrMapOvr>
     <a:masterClrMapping/>
   </p:clrMapOvr>
+  <p:timing>
+    <p:tnLst>
+      <p:par>
+        <p:cTn id="1" dur="indefinite" restart="never" nodeType="tmRoot"/>
+      </p:par>
+    </p:tnLst>
+  </p:timing>
 </p:sld>
 </file>
 
@@ -4276,7 +4283,7 @@
         <p:spPr>
           <a:xfrm>
             <a:off x="537321" y="1699121"/>
-            <a:ext cx="10749368" cy="2708434"/>
+            <a:ext cx="10749368" cy="2431435"/>
           </a:xfrm>
           <a:prstGeom prst="rect">
             <a:avLst/>
@@ -4332,7 +4339,19 @@
             </a:pPr>
             <a:r>
               <a:rPr lang="uk-UA" dirty="0" smtClean="0"/>
-              <a:t>Розглянуто архітектуру та технології, за допомогою яких було реалізовано систему.</a:t>
+              <a:t>Розглянуто </a:t>
+            </a:r>
+            <a:r>
+              <a:rPr lang="uk-UA" dirty="0" smtClean="0"/>
+              <a:t>архітектури  </a:t>
+            </a:r>
+            <a:r>
+              <a:rPr lang="uk-UA" dirty="0" smtClean="0"/>
+              <a:t>та технології</a:t>
+            </a:r>
+            <a:r>
+              <a:rPr lang="uk-UA" dirty="0" smtClean="0"/>
+              <a:t>, та обґрунтовано використання обраної для реалізації системи.</a:t>
             </a:r>
             <a:endParaRPr lang="uk-UA" dirty="0"/>
           </a:p>
@@ -4349,7 +4368,7 @@
             </a:pPr>
             <a:r>
               <a:rPr lang="uk-UA" dirty="0" smtClean="0"/>
-              <a:t>Описано етапи створення задачі </a:t>
+              <a:t>РЕАЛІЗОВАНО сценарій роботи системи </a:t>
             </a:r>
             <a:r>
               <a:rPr lang="en-US" dirty="0" smtClean="0"/>
@@ -4357,15 +4376,7 @@
             </a:r>
             <a:r>
               <a:rPr lang="uk-UA" dirty="0" smtClean="0"/>
-              <a:t>тестування, впровадження </a:t>
-            </a:r>
-            <a:r>
-              <a:rPr lang="uk-UA" dirty="0" err="1" smtClean="0"/>
-              <a:t>скрипту</a:t>
-            </a:r>
-            <a:r>
-              <a:rPr lang="uk-UA" dirty="0" smtClean="0"/>
-              <a:t> для тестування на сайт користувача та перегляду результатів.</a:t>
+              <a:t>тестування.</a:t>
             </a:r>
             <a:endParaRPr lang="uk-UA" dirty="0"/>
           </a:p>
@@ -4381,6 +4392,13 @@
   <p:clrMapOvr>
     <a:masterClrMapping/>
   </p:clrMapOvr>
+  <p:timing>
+    <p:tnLst>
+      <p:par>
+        <p:cTn id="1" dur="indefinite" restart="never" nodeType="tmRoot"/>
+      </p:par>
+    </p:tnLst>
+  </p:timing>
 </p:sld>
 </file>
 
@@ -4439,6 +4457,13 @@
   <p:clrMapOvr>
     <a:masterClrMapping/>
   </p:clrMapOvr>
+  <p:timing>
+    <p:tnLst>
+      <p:par>
+        <p:cTn id="1" dur="indefinite" restart="never" nodeType="tmRoot"/>
+      </p:par>
+    </p:tnLst>
+  </p:timing>
 </p:sld>
 </file>
 
@@ -4471,12 +4496,14 @@
         </p:nvSpPr>
         <p:spPr>
           <a:xfrm>
-            <a:off x="485976" y="0"/>
-            <a:ext cx="11307547" cy="1080938"/>
-          </a:xfrm>
-        </p:spPr>
-        <p:txBody>
-          <a:bodyPr/>
+            <a:off x="418389" y="-164383"/>
+            <a:ext cx="11308524" cy="1208868"/>
+          </a:xfrm>
+        </p:spPr>
+        <p:txBody>
+          <a:bodyPr>
+            <a:normAutofit fontScale="90000"/>
+          </a:bodyPr>
           <a:lstStyle/>
           <a:p>
             <a:pPr>
@@ -4485,569 +4512,209 @@
               </a:spcBef>
             </a:pPr>
             <a:r>
-              <a:rPr lang="uk-UA" dirty="0">
+              <a:rPr lang="ru-RU" dirty="0"/>
+              <a:t/>
+            </a:r>
+            <a:br>
+              <a:rPr lang="ru-RU" dirty="0"/>
+            </a:br>
+            <a:r>
+              <a:rPr lang="uk-UA" sz="4900" dirty="0" smtClean="0">
                 <a:solidFill>
                   <a:schemeClr val="bg1"/>
                 </a:solidFill>
               </a:rPr>
-              <a:t>Загальні задачі системи </a:t>
-            </a:r>
-            <a:r>
-              <a:rPr lang="en-US" dirty="0" smtClean="0">
-                <a:solidFill>
-                  <a:schemeClr val="bg1"/>
-                </a:solidFill>
-              </a:rPr>
-              <a:t>A/B </a:t>
-            </a:r>
-            <a:r>
-              <a:rPr lang="uk-UA" dirty="0" smtClean="0">
-                <a:solidFill>
-                  <a:schemeClr val="bg1"/>
-                </a:solidFill>
-              </a:rPr>
-              <a:t>тестування</a:t>
-            </a:r>
+              <a:t>Ціль</a:t>
+            </a:r>
+            <a:r>
+              <a:rPr lang="ru-RU" dirty="0"/>
+              <a:t/>
+            </a:r>
+            <a:br>
+              <a:rPr lang="ru-RU" dirty="0"/>
+            </a:br>
             <a:endParaRPr lang="ru-RU" sz="3600" b="0" i="0" dirty="0">
               <a:solidFill>
                 <a:schemeClr val="bg1"/>
               </a:solidFill>
               <a:latin typeface="Segoe UI Light"/>
+              <a:ea typeface="+mj-ea"/>
+              <a:cs typeface="+mj-cs"/>
             </a:endParaRPr>
           </a:p>
         </p:txBody>
       </p:sp>
-      <p:sp>
-        <p:nvSpPr>
-          <p:cNvPr id="5" name="Объект 2"/>
-          <p:cNvSpPr>
-            <a:spLocks noGrp="1"/>
-          </p:cNvSpPr>
+      <p:pic>
+        <p:nvPicPr>
+          <p:cNvPr id="6" name="Содержимое 5" descr="ab-test.png"/>
+          <p:cNvPicPr>
+            <a:picLocks noGrp="1" noChangeAspect="1"/>
+          </p:cNvPicPr>
           <p:nvPr>
             <p:ph idx="1"/>
           </p:nvPr>
-        </p:nvSpPr>
-        <p:spPr>
-          <a:xfrm>
-            <a:off x="747494" y="1810332"/>
-            <a:ext cx="8099611" cy="4397375"/>
-          </a:xfrm>
-        </p:spPr>
-        <p:txBody>
-          <a:bodyPr>
-            <a:normAutofit/>
-          </a:bodyPr>
-          <a:lstStyle/>
-          <a:p>
-            <a:pPr marL="0" lvl="0" indent="0">
-              <a:buNone/>
-            </a:pPr>
-            <a:endParaRPr lang="ru-RU" dirty="0"/>
-          </a:p>
-          <a:p>
-            <a:pPr marL="0" lvl="0" indent="0">
-              <a:buNone/>
-            </a:pPr>
-            <a:endParaRPr lang="ru-RU" dirty="0"/>
-          </a:p>
-          <a:p>
-            <a:pPr marL="0" lvl="0" indent="0">
-              <a:buNone/>
-            </a:pPr>
-            <a:endParaRPr lang="ru-RU" dirty="0"/>
-          </a:p>
-          <a:p>
-            <a:pPr marL="0" lvl="0" indent="0">
-              <a:buNone/>
-            </a:pPr>
-            <a:endParaRPr lang="ru-RU" sz="1600" dirty="0">
-              <a:solidFill>
-                <a:schemeClr val="bg1">
-                  <a:lumMod val="50000"/>
-                </a:schemeClr>
-              </a:solidFill>
-              <a:latin typeface="Segoe UI"/>
-              <a:ea typeface="+mn-ea"/>
-              <a:cs typeface="+mn-cs"/>
-            </a:endParaRPr>
-          </a:p>
-        </p:txBody>
-      </p:sp>
-      <p:sp>
-        <p:nvSpPr>
-          <p:cNvPr id="3" name="Прямоугольник 2"/>
-          <p:cNvSpPr/>
+        </p:nvPicPr>
+        <p:blipFill>
+          <a:blip r:embed="rId2" cstate="print"/>
+          <a:stretch>
+            <a:fillRect/>
+          </a:stretch>
+        </p:blipFill>
+        <p:spPr>
+          <a:xfrm>
+            <a:off x="8863" y="1812324"/>
+            <a:ext cx="12141219" cy="4366054"/>
+          </a:xfrm>
+        </p:spPr>
+      </p:pic>
+      <p:sp>
+        <p:nvSpPr>
+          <p:cNvPr id="7" name="TextBox 6"/>
+          <p:cNvSpPr txBox="1"/>
           <p:nvPr/>
         </p:nvSpPr>
         <p:spPr>
           <a:xfrm>
-            <a:off x="6255945" y="2522402"/>
-            <a:ext cx="5925783" cy="1096003"/>
+            <a:off x="3072714" y="4753232"/>
+            <a:ext cx="1721708" cy="646331"/>
           </a:xfrm>
           <a:prstGeom prst="rect">
             <a:avLst/>
           </a:prstGeom>
-        </p:spPr>
-        <p:style>
-          <a:lnRef idx="2">
-            <a:schemeClr val="accent1">
-              <a:shade val="50000"/>
-            </a:schemeClr>
-          </a:lnRef>
-          <a:fillRef idx="1">
-            <a:schemeClr val="accent1"/>
-          </a:fillRef>
-          <a:effectRef idx="0">
-            <a:schemeClr val="accent1"/>
-          </a:effectRef>
-          <a:fontRef idx="minor">
-            <a:schemeClr val="lt1"/>
-          </a:fontRef>
-        </p:style>
-        <p:txBody>
-          <a:bodyPr rtlCol="0" anchor="ctr"/>
-          <a:lstStyle/>
-          <a:p>
-            <a:pPr lvl="0" algn="ctr"/>
+          <a:noFill/>
+        </p:spPr>
+        <p:txBody>
+          <a:bodyPr wrap="square" rtlCol="0">
+            <a:spAutoFit/>
+          </a:bodyPr>
+          <a:lstStyle/>
+          <a:p>
+            <a:pPr algn="ctr"/>
             <a:r>
               <a:rPr lang="uk-UA" dirty="0" smtClean="0"/>
-              <a:t>Розпізнавання елементів </a:t>
-            </a:r>
-            <a:r>
-              <a:rPr lang="en-US" dirty="0" smtClean="0"/>
-              <a:t>HTML </a:t>
-            </a:r>
-            <a:r>
-              <a:rPr lang="uk-UA" dirty="0" smtClean="0"/>
-              <a:t>сторінки</a:t>
-            </a:r>
-            <a:endParaRPr lang="uk-UA" dirty="0"/>
-          </a:p>
-        </p:txBody>
-      </p:sp>
-      <p:sp>
-        <p:nvSpPr>
-          <p:cNvPr id="4" name="Прямоугольник 3"/>
-          <p:cNvSpPr/>
+              <a:t>Оригінальна сторінка</a:t>
+            </a:r>
+            <a:endParaRPr lang="ru-RU" dirty="0"/>
+          </a:p>
+        </p:txBody>
+      </p:sp>
+      <p:sp>
+        <p:nvSpPr>
+          <p:cNvPr id="8" name="TextBox 7"/>
+          <p:cNvSpPr txBox="1"/>
           <p:nvPr/>
         </p:nvSpPr>
         <p:spPr>
           <a:xfrm>
-            <a:off x="44742" y="1379232"/>
-            <a:ext cx="6211203" cy="1087876"/>
+            <a:off x="7574692" y="3645243"/>
+            <a:ext cx="1721708" cy="369332"/>
           </a:xfrm>
           <a:prstGeom prst="rect">
             <a:avLst/>
           </a:prstGeom>
-        </p:spPr>
-        <p:style>
-          <a:lnRef idx="2">
-            <a:schemeClr val="accent1">
-              <a:shade val="50000"/>
-            </a:schemeClr>
-          </a:lnRef>
-          <a:fillRef idx="1">
-            <a:schemeClr val="accent1"/>
-          </a:fillRef>
-          <a:effectRef idx="0">
-            <a:schemeClr val="accent1"/>
-          </a:effectRef>
-          <a:fontRef idx="minor">
-            <a:schemeClr val="lt1"/>
-          </a:fontRef>
-        </p:style>
-        <p:txBody>
-          <a:bodyPr rtlCol="0" anchor="ctr"/>
-          <a:lstStyle/>
-          <a:p>
-            <a:pPr lvl="0" algn="ctr"/>
-            <a:endParaRPr lang="uk-UA" dirty="0"/>
-          </a:p>
-          <a:p>
-            <a:pPr lvl="0" algn="ctr"/>
+          <a:noFill/>
+        </p:spPr>
+        <p:txBody>
+          <a:bodyPr wrap="square" rtlCol="0">
+            <a:spAutoFit/>
+          </a:bodyPr>
+          <a:lstStyle/>
+          <a:p>
+            <a:pPr algn="ctr"/>
             <a:r>
               <a:rPr lang="uk-UA" dirty="0" smtClean="0"/>
-              <a:t>Створення</a:t>
-            </a:r>
-            <a:r>
-              <a:rPr lang="ru-RU" dirty="0" smtClean="0"/>
-              <a:t> задач</a:t>
-            </a:r>
-            <a:r>
-              <a:rPr lang="uk-UA" dirty="0" smtClean="0"/>
-              <a:t>і </a:t>
+              <a:t>Сторінка </a:t>
             </a:r>
             <a:r>
               <a:rPr lang="en-US" dirty="0" smtClean="0"/>
-              <a:t>A/B </a:t>
-            </a:r>
-            <a:r>
-              <a:rPr lang="uk-UA" dirty="0" smtClean="0"/>
-              <a:t>тестування</a:t>
-            </a:r>
-            <a:endParaRPr lang="uk-UA" dirty="0"/>
-          </a:p>
-          <a:p>
-            <a:pPr algn="ctr"/>
+              <a:t>A</a:t>
+            </a:r>
             <a:endParaRPr lang="ru-RU" dirty="0"/>
           </a:p>
         </p:txBody>
       </p:sp>
       <p:sp>
         <p:nvSpPr>
-          <p:cNvPr id="6" name="Прямоугольник 5"/>
-          <p:cNvSpPr/>
+          <p:cNvPr id="9" name="TextBox 8"/>
+          <p:cNvSpPr txBox="1"/>
           <p:nvPr/>
         </p:nvSpPr>
         <p:spPr>
           <a:xfrm>
-            <a:off x="44742" y="3663466"/>
-            <a:ext cx="6211203" cy="1094562"/>
+            <a:off x="7582930" y="5704701"/>
+            <a:ext cx="1721708" cy="369332"/>
           </a:xfrm>
           <a:prstGeom prst="rect">
             <a:avLst/>
           </a:prstGeom>
-        </p:spPr>
-        <p:style>
-          <a:lnRef idx="2">
-            <a:schemeClr val="accent1">
-              <a:shade val="50000"/>
-            </a:schemeClr>
-          </a:lnRef>
-          <a:fillRef idx="1">
-            <a:schemeClr val="accent1"/>
-          </a:fillRef>
-          <a:effectRef idx="0">
-            <a:schemeClr val="accent1"/>
-          </a:effectRef>
-          <a:fontRef idx="minor">
-            <a:schemeClr val="lt1"/>
-          </a:fontRef>
-        </p:style>
-        <p:txBody>
-          <a:bodyPr rtlCol="0" anchor="ctr"/>
-          <a:lstStyle/>
-          <a:p>
-            <a:pPr lvl="0" algn="ctr"/>
-            <a:endParaRPr lang="uk-UA" dirty="0"/>
-          </a:p>
-          <a:p>
-            <a:pPr lvl="0" algn="ctr"/>
+          <a:noFill/>
+        </p:spPr>
+        <p:txBody>
+          <a:bodyPr wrap="square" rtlCol="0">
+            <a:spAutoFit/>
+          </a:bodyPr>
+          <a:lstStyle/>
+          <a:p>
+            <a:pPr algn="ctr"/>
             <a:r>
               <a:rPr lang="uk-UA" dirty="0" smtClean="0"/>
-              <a:t>Динамічна підміна елементу на сайті користувача</a:t>
-            </a:r>
-            <a:endParaRPr lang="uk-UA" dirty="0"/>
-          </a:p>
-          <a:p>
-            <a:pPr algn="ctr"/>
+              <a:t>Сторінка </a:t>
+            </a:r>
+            <a:r>
+              <a:rPr lang="en-US" dirty="0" smtClean="0"/>
+              <a:t>B</a:t>
+            </a:r>
             <a:endParaRPr lang="ru-RU" dirty="0"/>
           </a:p>
         </p:txBody>
       </p:sp>
       <p:sp>
         <p:nvSpPr>
-          <p:cNvPr id="7" name="Прямоугольник 6"/>
-          <p:cNvSpPr/>
+          <p:cNvPr id="10" name="TextBox 9"/>
+          <p:cNvSpPr txBox="1"/>
           <p:nvPr/>
         </p:nvSpPr>
         <p:spPr>
           <a:xfrm>
-            <a:off x="6255945" y="4803090"/>
-            <a:ext cx="5936055" cy="1096003"/>
+            <a:off x="10865708" y="1705232"/>
+            <a:ext cx="1159228" cy="369332"/>
           </a:xfrm>
           <a:prstGeom prst="rect">
             <a:avLst/>
           </a:prstGeom>
-        </p:spPr>
-        <p:style>
-          <a:lnRef idx="2">
-            <a:schemeClr val="accent1">
-              <a:shade val="50000"/>
-            </a:schemeClr>
-          </a:lnRef>
-          <a:fillRef idx="1">
-            <a:schemeClr val="accent1"/>
-          </a:fillRef>
-          <a:effectRef idx="0">
-            <a:schemeClr val="accent1"/>
-          </a:effectRef>
-          <a:fontRef idx="minor">
-            <a:schemeClr val="lt1"/>
-          </a:fontRef>
-        </p:style>
-        <p:txBody>
-          <a:bodyPr rtlCol="0" anchor="ctr"/>
-          <a:lstStyle/>
-          <a:p>
-            <a:pPr lvl="0" algn="ctr"/>
-            <a:endParaRPr lang="uk-UA" dirty="0"/>
-          </a:p>
-          <a:p>
-            <a:pPr lvl="0" algn="ctr"/>
+          <a:noFill/>
+        </p:spPr>
+        <p:txBody>
+          <a:bodyPr wrap="none" rtlCol="0">
+            <a:spAutoFit/>
+          </a:bodyPr>
+          <a:lstStyle/>
+          <a:p>
             <a:r>
               <a:rPr lang="uk-UA" dirty="0" smtClean="0"/>
-              <a:t>Відслідковування переглядів сторінки та натискань на вибраний елемент</a:t>
-            </a:r>
-            <a:endParaRPr lang="uk-UA" dirty="0"/>
-          </a:p>
-          <a:p>
-            <a:pPr algn="ctr"/>
+              <a:t>Конверсія</a:t>
+            </a:r>
             <a:endParaRPr lang="ru-RU" dirty="0"/>
-          </a:p>
-        </p:txBody>
-      </p:sp>
-      <p:sp>
-        <p:nvSpPr>
-          <p:cNvPr id="8" name="Прямоугольник 7"/>
-          <p:cNvSpPr/>
-          <p:nvPr/>
-        </p:nvSpPr>
-        <p:spPr>
-          <a:xfrm>
-            <a:off x="44742" y="5954386"/>
-            <a:ext cx="6211203" cy="883428"/>
-          </a:xfrm>
-          <a:prstGeom prst="rect">
-            <a:avLst/>
-          </a:prstGeom>
-        </p:spPr>
-        <p:style>
-          <a:lnRef idx="2">
-            <a:schemeClr val="accent1">
-              <a:shade val="50000"/>
-            </a:schemeClr>
-          </a:lnRef>
-          <a:fillRef idx="1">
-            <a:schemeClr val="accent1"/>
-          </a:fillRef>
-          <a:effectRef idx="0">
-            <a:schemeClr val="accent1"/>
-          </a:effectRef>
-          <a:fontRef idx="minor">
-            <a:schemeClr val="lt1"/>
-          </a:fontRef>
-        </p:style>
-        <p:txBody>
-          <a:bodyPr rtlCol="0" anchor="b"/>
-          <a:lstStyle/>
-          <a:p>
-            <a:pPr lvl="0" algn="ctr"/>
-            <a:r>
-              <a:rPr lang="uk-UA" dirty="0" smtClean="0"/>
-              <a:t>Збереження та відображення </a:t>
-            </a:r>
-            <a:r>
-              <a:rPr lang="uk-UA" dirty="0" smtClean="0"/>
-              <a:t>результатів </a:t>
-            </a:r>
-            <a:r>
-              <a:rPr lang="en-US" dirty="0" smtClean="0"/>
-              <a:t>A/B </a:t>
-            </a:r>
-            <a:r>
-              <a:rPr lang="uk-UA" dirty="0" smtClean="0"/>
-              <a:t>тестування</a:t>
-            </a:r>
-            <a:endParaRPr lang="uk-UA" dirty="0"/>
-          </a:p>
-          <a:p>
-            <a:pPr algn="ctr"/>
-            <a:endParaRPr lang="ru-RU" dirty="0"/>
-          </a:p>
-        </p:txBody>
-      </p:sp>
-      <p:sp>
-        <p:nvSpPr>
-          <p:cNvPr id="15" name="Стрелка углом 14"/>
-          <p:cNvSpPr/>
-          <p:nvPr/>
-        </p:nvSpPr>
-        <p:spPr>
-          <a:xfrm rot="5400000">
-            <a:off x="7121485" y="769169"/>
-            <a:ext cx="860079" cy="2401523"/>
-          </a:xfrm>
-          <a:prstGeom prst="bentArrow">
-            <a:avLst/>
-          </a:prstGeom>
-        </p:spPr>
-        <p:style>
-          <a:lnRef idx="2">
-            <a:schemeClr val="accent1">
-              <a:shade val="50000"/>
-            </a:schemeClr>
-          </a:lnRef>
-          <a:fillRef idx="1">
-            <a:schemeClr val="accent1"/>
-          </a:fillRef>
-          <a:effectRef idx="0">
-            <a:schemeClr val="accent1"/>
-          </a:effectRef>
-          <a:fontRef idx="minor">
-            <a:schemeClr val="lt1"/>
-          </a:fontRef>
-        </p:style>
-        <p:txBody>
-          <a:bodyPr rtlCol="0" anchor="ctr"/>
-          <a:lstStyle/>
-          <a:p>
-            <a:pPr algn="ctr"/>
-            <a:endParaRPr lang="ru-RU">
-              <a:solidFill>
-                <a:schemeClr val="tx1"/>
-              </a:solidFill>
-            </a:endParaRPr>
-          </a:p>
-        </p:txBody>
-      </p:sp>
-      <p:sp>
-        <p:nvSpPr>
-          <p:cNvPr id="16" name="Стрелка углом 15"/>
-          <p:cNvSpPr/>
-          <p:nvPr/>
-        </p:nvSpPr>
-        <p:spPr>
-          <a:xfrm rot="5400000" flipV="1">
-            <a:off x="4464857" y="1825551"/>
-            <a:ext cx="860080" cy="2489705"/>
-          </a:xfrm>
-          <a:prstGeom prst="bentArrow">
-            <a:avLst/>
-          </a:prstGeom>
-        </p:spPr>
-        <p:style>
-          <a:lnRef idx="2">
-            <a:schemeClr val="accent1">
-              <a:shade val="50000"/>
-            </a:schemeClr>
-          </a:lnRef>
-          <a:fillRef idx="1">
-            <a:schemeClr val="accent1"/>
-          </a:fillRef>
-          <a:effectRef idx="0">
-            <a:schemeClr val="accent1"/>
-          </a:effectRef>
-          <a:fontRef idx="minor">
-            <a:schemeClr val="lt1"/>
-          </a:fontRef>
-        </p:style>
-        <p:txBody>
-          <a:bodyPr rtlCol="0" anchor="ctr"/>
-          <a:lstStyle/>
-          <a:p>
-            <a:pPr algn="ctr"/>
-            <a:endParaRPr lang="ru-RU">
-              <a:solidFill>
-                <a:schemeClr val="tx1"/>
-              </a:solidFill>
-            </a:endParaRPr>
-          </a:p>
-        </p:txBody>
-      </p:sp>
-      <p:sp>
-        <p:nvSpPr>
-          <p:cNvPr id="17" name="Стрелка углом 16"/>
-          <p:cNvSpPr/>
-          <p:nvPr/>
-        </p:nvSpPr>
-        <p:spPr>
-          <a:xfrm rot="5400000">
-            <a:off x="7121484" y="3070712"/>
-            <a:ext cx="860079" cy="2401523"/>
-          </a:xfrm>
-          <a:prstGeom prst="bentArrow">
-            <a:avLst/>
-          </a:prstGeom>
-        </p:spPr>
-        <p:style>
-          <a:lnRef idx="2">
-            <a:schemeClr val="accent1">
-              <a:shade val="50000"/>
-            </a:schemeClr>
-          </a:lnRef>
-          <a:fillRef idx="1">
-            <a:schemeClr val="accent1"/>
-          </a:fillRef>
-          <a:effectRef idx="0">
-            <a:schemeClr val="accent1"/>
-          </a:effectRef>
-          <a:fontRef idx="minor">
-            <a:schemeClr val="lt1"/>
-          </a:fontRef>
-        </p:style>
-        <p:txBody>
-          <a:bodyPr rtlCol="0" anchor="ctr"/>
-          <a:lstStyle/>
-          <a:p>
-            <a:pPr algn="ctr"/>
-            <a:endParaRPr lang="ru-RU">
-              <a:solidFill>
-                <a:schemeClr val="tx1"/>
-              </a:solidFill>
-            </a:endParaRPr>
-          </a:p>
-        </p:txBody>
-      </p:sp>
-      <p:sp>
-        <p:nvSpPr>
-          <p:cNvPr id="18" name="Стрелка углом 17"/>
-          <p:cNvSpPr/>
-          <p:nvPr/>
-        </p:nvSpPr>
-        <p:spPr>
-          <a:xfrm rot="5400000" flipV="1">
-            <a:off x="4464856" y="4144273"/>
-            <a:ext cx="860080" cy="2489705"/>
-          </a:xfrm>
-          <a:prstGeom prst="bentArrow">
-            <a:avLst>
-              <a:gd name="adj1" fmla="val 25000"/>
-              <a:gd name="adj2" fmla="val 25000"/>
-              <a:gd name="adj3" fmla="val 25000"/>
-              <a:gd name="adj4" fmla="val 41645"/>
-            </a:avLst>
-          </a:prstGeom>
-        </p:spPr>
-        <p:style>
-          <a:lnRef idx="2">
-            <a:schemeClr val="accent1">
-              <a:shade val="50000"/>
-            </a:schemeClr>
-          </a:lnRef>
-          <a:fillRef idx="1">
-            <a:schemeClr val="accent1"/>
-          </a:fillRef>
-          <a:effectRef idx="0">
-            <a:schemeClr val="accent1"/>
-          </a:effectRef>
-          <a:fontRef idx="minor">
-            <a:schemeClr val="lt1"/>
-          </a:fontRef>
-        </p:style>
-        <p:txBody>
-          <a:bodyPr rtlCol="0" anchor="ctr"/>
-          <a:lstStyle/>
-          <a:p>
-            <a:pPr algn="ctr"/>
-            <a:endParaRPr lang="ru-RU">
-              <a:solidFill>
-                <a:schemeClr val="tx1"/>
-              </a:solidFill>
-            </a:endParaRPr>
           </a:p>
         </p:txBody>
       </p:sp>
     </p:spTree>
     <p:extLst>
       <p:ext uri="{BB962C8B-B14F-4D97-AF65-F5344CB8AC3E}">
-        <p14:creationId xmlns="" xmlns:p14="http://schemas.microsoft.com/office/powerpoint/2010/main" val="1499431874"/>
+        <p14:creationId xmlns="" xmlns:p14="http://schemas.microsoft.com/office/powerpoint/2010/main" val="2090733893"/>
       </p:ext>
     </p:extLst>
   </p:cSld>
   <p:clrMapOvr>
     <a:masterClrMapping/>
   </p:clrMapOvr>
+  <p:timing>
+    <p:tnLst>
+      <p:par>
+        <p:cTn id="1" dur="indefinite" restart="never" nodeType="tmRoot"/>
+      </p:par>
+    </p:tnLst>
+  </p:timing>
 </p:sld>
 </file>
 
@@ -5080,14 +4747,12 @@
         </p:nvSpPr>
         <p:spPr>
           <a:xfrm>
-            <a:off x="418389" y="-164383"/>
-            <a:ext cx="11308524" cy="1208868"/>
-          </a:xfrm>
-        </p:spPr>
-        <p:txBody>
-          <a:bodyPr>
-            <a:normAutofit fontScale="90000"/>
-          </a:bodyPr>
+            <a:off x="485976" y="0"/>
+            <a:ext cx="11307547" cy="1080938"/>
+          </a:xfrm>
+        </p:spPr>
+        <p:txBody>
+          <a:bodyPr/>
           <a:lstStyle/>
           <a:p>
             <a:pPr>
@@ -5096,202 +4761,572 @@
               </a:spcBef>
             </a:pPr>
             <a:r>
-              <a:rPr lang="ru-RU" dirty="0"/>
-              <a:t/>
-            </a:r>
-            <a:br>
-              <a:rPr lang="ru-RU" dirty="0"/>
-            </a:br>
-            <a:r>
-              <a:rPr lang="uk-UA" sz="4900" dirty="0">
+              <a:rPr lang="uk-UA" dirty="0">
                 <a:solidFill>
                   <a:schemeClr val="bg1"/>
                 </a:solidFill>
               </a:rPr>
-              <a:t>Актуальність</a:t>
-            </a:r>
-            <a:r>
-              <a:rPr lang="ru-RU" dirty="0"/>
-              <a:t/>
-            </a:r>
-            <a:br>
-              <a:rPr lang="ru-RU" dirty="0"/>
-            </a:br>
+              <a:t>Загальні задачі системи </a:t>
+            </a:r>
+            <a:r>
+              <a:rPr lang="en-US" dirty="0" smtClean="0">
+                <a:solidFill>
+                  <a:schemeClr val="bg1"/>
+                </a:solidFill>
+              </a:rPr>
+              <a:t>A/B </a:t>
+            </a:r>
+            <a:r>
+              <a:rPr lang="uk-UA" dirty="0" smtClean="0">
+                <a:solidFill>
+                  <a:schemeClr val="bg1"/>
+                </a:solidFill>
+              </a:rPr>
+              <a:t>тестування</a:t>
+            </a:r>
             <a:endParaRPr lang="ru-RU" sz="3600" b="0" i="0" dirty="0">
               <a:solidFill>
                 <a:schemeClr val="bg1"/>
               </a:solidFill>
               <a:latin typeface="Segoe UI Light"/>
-              <a:ea typeface="+mj-ea"/>
-              <a:cs typeface="+mj-cs"/>
             </a:endParaRPr>
           </a:p>
         </p:txBody>
       </p:sp>
-      <p:pic>
-        <p:nvPicPr>
-          <p:cNvPr id="6" name="Содержимое 5" descr="ab-test.png"/>
-          <p:cNvPicPr>
-            <a:picLocks noGrp="1" noChangeAspect="1"/>
-          </p:cNvPicPr>
+      <p:sp>
+        <p:nvSpPr>
+          <p:cNvPr id="5" name="Объект 2"/>
+          <p:cNvSpPr>
+            <a:spLocks noGrp="1"/>
+          </p:cNvSpPr>
           <p:nvPr>
             <p:ph idx="1"/>
           </p:nvPr>
-        </p:nvPicPr>
-        <p:blipFill>
-          <a:blip r:embed="rId2" cstate="print"/>
-          <a:stretch>
-            <a:fillRect/>
-          </a:stretch>
-        </p:blipFill>
-        <p:spPr>
-          <a:xfrm>
-            <a:off x="8863" y="1812324"/>
-            <a:ext cx="12141219" cy="4366054"/>
-          </a:xfrm>
-        </p:spPr>
-      </p:pic>
-      <p:sp>
-        <p:nvSpPr>
-          <p:cNvPr id="7" name="TextBox 6"/>
-          <p:cNvSpPr txBox="1"/>
+        </p:nvSpPr>
+        <p:spPr>
+          <a:xfrm>
+            <a:off x="747494" y="1810332"/>
+            <a:ext cx="8099611" cy="4397375"/>
+          </a:xfrm>
+        </p:spPr>
+        <p:txBody>
+          <a:bodyPr>
+            <a:normAutofit/>
+          </a:bodyPr>
+          <a:lstStyle/>
+          <a:p>
+            <a:pPr marL="0" lvl="0" indent="0">
+              <a:buNone/>
+            </a:pPr>
+            <a:endParaRPr lang="ru-RU" dirty="0"/>
+          </a:p>
+          <a:p>
+            <a:pPr marL="0" lvl="0" indent="0">
+              <a:buNone/>
+            </a:pPr>
+            <a:endParaRPr lang="ru-RU" dirty="0"/>
+          </a:p>
+          <a:p>
+            <a:pPr marL="0" lvl="0" indent="0">
+              <a:buNone/>
+            </a:pPr>
+            <a:endParaRPr lang="ru-RU" dirty="0"/>
+          </a:p>
+          <a:p>
+            <a:pPr marL="0" lvl="0" indent="0">
+              <a:buNone/>
+            </a:pPr>
+            <a:endParaRPr lang="ru-RU" sz="1600" dirty="0">
+              <a:solidFill>
+                <a:schemeClr val="bg1">
+                  <a:lumMod val="50000"/>
+                </a:schemeClr>
+              </a:solidFill>
+              <a:latin typeface="Segoe UI"/>
+              <a:ea typeface="+mn-ea"/>
+              <a:cs typeface="+mn-cs"/>
+            </a:endParaRPr>
+          </a:p>
+        </p:txBody>
+      </p:sp>
+      <p:sp>
+        <p:nvSpPr>
+          <p:cNvPr id="3" name="Прямоугольник 2"/>
+          <p:cNvSpPr/>
           <p:nvPr/>
         </p:nvSpPr>
         <p:spPr>
           <a:xfrm>
-            <a:off x="3072714" y="4753232"/>
-            <a:ext cx="1721708" cy="646331"/>
+            <a:off x="6255945" y="2522402"/>
+            <a:ext cx="5925783" cy="1096003"/>
           </a:xfrm>
           <a:prstGeom prst="rect">
             <a:avLst/>
           </a:prstGeom>
-          <a:noFill/>
-        </p:spPr>
-        <p:txBody>
-          <a:bodyPr wrap="square" rtlCol="0">
-            <a:spAutoFit/>
-          </a:bodyPr>
-          <a:lstStyle/>
-          <a:p>
-            <a:pPr algn="ctr"/>
+        </p:spPr>
+        <p:style>
+          <a:lnRef idx="2">
+            <a:schemeClr val="accent1">
+              <a:shade val="50000"/>
+            </a:schemeClr>
+          </a:lnRef>
+          <a:fillRef idx="1">
+            <a:schemeClr val="accent1"/>
+          </a:fillRef>
+          <a:effectRef idx="0">
+            <a:schemeClr val="accent1"/>
+          </a:effectRef>
+          <a:fontRef idx="minor">
+            <a:schemeClr val="lt1"/>
+          </a:fontRef>
+        </p:style>
+        <p:txBody>
+          <a:bodyPr rtlCol="0" anchor="ctr"/>
+          <a:lstStyle/>
+          <a:p>
+            <a:pPr lvl="0" algn="ctr"/>
             <a:r>
               <a:rPr lang="uk-UA" dirty="0" smtClean="0"/>
-              <a:t>Оригінальна сторінка</a:t>
-            </a:r>
-            <a:endParaRPr lang="ru-RU" dirty="0"/>
-          </a:p>
-        </p:txBody>
-      </p:sp>
-      <p:sp>
-        <p:nvSpPr>
-          <p:cNvPr id="8" name="TextBox 7"/>
-          <p:cNvSpPr txBox="1"/>
+              <a:t>Розпізнавання елементів </a:t>
+            </a:r>
+            <a:r>
+              <a:rPr lang="en-US" dirty="0" smtClean="0"/>
+              <a:t>HTML </a:t>
+            </a:r>
+            <a:r>
+              <a:rPr lang="uk-UA" dirty="0" smtClean="0"/>
+              <a:t>сторінки</a:t>
+            </a:r>
+            <a:endParaRPr lang="uk-UA" dirty="0"/>
+          </a:p>
+        </p:txBody>
+      </p:sp>
+      <p:sp>
+        <p:nvSpPr>
+          <p:cNvPr id="4" name="Прямоугольник 3"/>
+          <p:cNvSpPr/>
           <p:nvPr/>
         </p:nvSpPr>
         <p:spPr>
           <a:xfrm>
-            <a:off x="7574692" y="3645243"/>
-            <a:ext cx="1721708" cy="369332"/>
+            <a:off x="44742" y="1379232"/>
+            <a:ext cx="6211203" cy="1087876"/>
           </a:xfrm>
           <a:prstGeom prst="rect">
             <a:avLst/>
           </a:prstGeom>
-          <a:noFill/>
-        </p:spPr>
-        <p:txBody>
-          <a:bodyPr wrap="square" rtlCol="0">
-            <a:spAutoFit/>
-          </a:bodyPr>
-          <a:lstStyle/>
+        </p:spPr>
+        <p:style>
+          <a:lnRef idx="2">
+            <a:schemeClr val="accent1">
+              <a:shade val="50000"/>
+            </a:schemeClr>
+          </a:lnRef>
+          <a:fillRef idx="1">
+            <a:schemeClr val="accent1"/>
+          </a:fillRef>
+          <a:effectRef idx="0">
+            <a:schemeClr val="accent1"/>
+          </a:effectRef>
+          <a:fontRef idx="minor">
+            <a:schemeClr val="lt1"/>
+          </a:fontRef>
+        </p:style>
+        <p:txBody>
+          <a:bodyPr rtlCol="0" anchor="ctr"/>
+          <a:lstStyle/>
+          <a:p>
+            <a:pPr lvl="0" algn="ctr"/>
+            <a:endParaRPr lang="uk-UA" dirty="0"/>
+          </a:p>
+          <a:p>
+            <a:pPr lvl="0" algn="ctr"/>
+            <a:r>
+              <a:rPr lang="uk-UA" dirty="0" smtClean="0"/>
+              <a:t>Створення</a:t>
+            </a:r>
+            <a:r>
+              <a:rPr lang="ru-RU" dirty="0" smtClean="0"/>
+              <a:t> задач</a:t>
+            </a:r>
+            <a:r>
+              <a:rPr lang="uk-UA" dirty="0" smtClean="0"/>
+              <a:t>і </a:t>
+            </a:r>
+            <a:r>
+              <a:rPr lang="en-US" dirty="0" smtClean="0"/>
+              <a:t>A/B </a:t>
+            </a:r>
+            <a:r>
+              <a:rPr lang="uk-UA" dirty="0" smtClean="0"/>
+              <a:t>тестування</a:t>
+            </a:r>
+            <a:endParaRPr lang="uk-UA" dirty="0"/>
+          </a:p>
           <a:p>
             <a:pPr algn="ctr"/>
-            <a:r>
-              <a:rPr lang="uk-UA" dirty="0" smtClean="0"/>
-              <a:t>Сторінка </a:t>
-            </a:r>
-            <a:r>
-              <a:rPr lang="en-US" dirty="0" smtClean="0"/>
-              <a:t>A</a:t>
-            </a:r>
             <a:endParaRPr lang="ru-RU" dirty="0"/>
           </a:p>
         </p:txBody>
       </p:sp>
       <p:sp>
         <p:nvSpPr>
-          <p:cNvPr id="9" name="TextBox 8"/>
-          <p:cNvSpPr txBox="1"/>
+          <p:cNvPr id="6" name="Прямоугольник 5"/>
+          <p:cNvSpPr/>
           <p:nvPr/>
         </p:nvSpPr>
         <p:spPr>
           <a:xfrm>
-            <a:off x="7582930" y="5704701"/>
-            <a:ext cx="1721708" cy="369332"/>
+            <a:off x="44742" y="3663466"/>
+            <a:ext cx="6211203" cy="1094562"/>
           </a:xfrm>
           <a:prstGeom prst="rect">
             <a:avLst/>
           </a:prstGeom>
-          <a:noFill/>
-        </p:spPr>
-        <p:txBody>
-          <a:bodyPr wrap="square" rtlCol="0">
-            <a:spAutoFit/>
-          </a:bodyPr>
-          <a:lstStyle/>
+        </p:spPr>
+        <p:style>
+          <a:lnRef idx="2">
+            <a:schemeClr val="accent1">
+              <a:shade val="50000"/>
+            </a:schemeClr>
+          </a:lnRef>
+          <a:fillRef idx="1">
+            <a:schemeClr val="accent1"/>
+          </a:fillRef>
+          <a:effectRef idx="0">
+            <a:schemeClr val="accent1"/>
+          </a:effectRef>
+          <a:fontRef idx="minor">
+            <a:schemeClr val="lt1"/>
+          </a:fontRef>
+        </p:style>
+        <p:txBody>
+          <a:bodyPr rtlCol="0" anchor="ctr"/>
+          <a:lstStyle/>
+          <a:p>
+            <a:pPr lvl="0" algn="ctr"/>
+            <a:endParaRPr lang="uk-UA" dirty="0"/>
+          </a:p>
+          <a:p>
+            <a:pPr lvl="0" algn="ctr"/>
+            <a:r>
+              <a:rPr lang="uk-UA" dirty="0" smtClean="0"/>
+              <a:t>Динамічна підміна елементу на сайті користувача</a:t>
+            </a:r>
+            <a:endParaRPr lang="uk-UA" dirty="0"/>
+          </a:p>
           <a:p>
             <a:pPr algn="ctr"/>
-            <a:r>
-              <a:rPr lang="uk-UA" dirty="0" smtClean="0"/>
-              <a:t>Сторінка </a:t>
-            </a:r>
-            <a:r>
-              <a:rPr lang="en-US" dirty="0" smtClean="0"/>
-              <a:t>B</a:t>
-            </a:r>
             <a:endParaRPr lang="ru-RU" dirty="0"/>
           </a:p>
         </p:txBody>
       </p:sp>
       <p:sp>
         <p:nvSpPr>
-          <p:cNvPr id="10" name="TextBox 9"/>
-          <p:cNvSpPr txBox="1"/>
+          <p:cNvPr id="7" name="Прямоугольник 6"/>
+          <p:cNvSpPr/>
           <p:nvPr/>
         </p:nvSpPr>
         <p:spPr>
           <a:xfrm>
-            <a:off x="10865708" y="1705232"/>
-            <a:ext cx="1159228" cy="369332"/>
+            <a:off x="6255945" y="4803090"/>
+            <a:ext cx="5936055" cy="1096003"/>
           </a:xfrm>
           <a:prstGeom prst="rect">
             <a:avLst/>
           </a:prstGeom>
-          <a:noFill/>
-        </p:spPr>
-        <p:txBody>
-          <a:bodyPr wrap="none" rtlCol="0">
-            <a:spAutoFit/>
-          </a:bodyPr>
-          <a:lstStyle/>
-          <a:p>
+        </p:spPr>
+        <p:style>
+          <a:lnRef idx="2">
+            <a:schemeClr val="accent1">
+              <a:shade val="50000"/>
+            </a:schemeClr>
+          </a:lnRef>
+          <a:fillRef idx="1">
+            <a:schemeClr val="accent1"/>
+          </a:fillRef>
+          <a:effectRef idx="0">
+            <a:schemeClr val="accent1"/>
+          </a:effectRef>
+          <a:fontRef idx="minor">
+            <a:schemeClr val="lt1"/>
+          </a:fontRef>
+        </p:style>
+        <p:txBody>
+          <a:bodyPr rtlCol="0" anchor="ctr"/>
+          <a:lstStyle/>
+          <a:p>
+            <a:pPr lvl="0" algn="ctr"/>
+            <a:endParaRPr lang="uk-UA" dirty="0"/>
+          </a:p>
+          <a:p>
+            <a:pPr lvl="0" algn="ctr"/>
             <a:r>
               <a:rPr lang="uk-UA" dirty="0" smtClean="0"/>
-              <a:t>Конверсія</a:t>
-            </a:r>
+              <a:t>Відслідковування переглядів сторінки та натискань на вибраний елемент</a:t>
+            </a:r>
+            <a:endParaRPr lang="uk-UA" dirty="0"/>
+          </a:p>
+          <a:p>
+            <a:pPr algn="ctr"/>
             <a:endParaRPr lang="ru-RU" dirty="0"/>
+          </a:p>
+        </p:txBody>
+      </p:sp>
+      <p:sp>
+        <p:nvSpPr>
+          <p:cNvPr id="8" name="Прямоугольник 7"/>
+          <p:cNvSpPr/>
+          <p:nvPr/>
+        </p:nvSpPr>
+        <p:spPr>
+          <a:xfrm>
+            <a:off x="44742" y="5954386"/>
+            <a:ext cx="6211203" cy="883428"/>
+          </a:xfrm>
+          <a:prstGeom prst="rect">
+            <a:avLst/>
+          </a:prstGeom>
+        </p:spPr>
+        <p:style>
+          <a:lnRef idx="2">
+            <a:schemeClr val="accent1">
+              <a:shade val="50000"/>
+            </a:schemeClr>
+          </a:lnRef>
+          <a:fillRef idx="1">
+            <a:schemeClr val="accent1"/>
+          </a:fillRef>
+          <a:effectRef idx="0">
+            <a:schemeClr val="accent1"/>
+          </a:effectRef>
+          <a:fontRef idx="minor">
+            <a:schemeClr val="lt1"/>
+          </a:fontRef>
+        </p:style>
+        <p:txBody>
+          <a:bodyPr rtlCol="0" anchor="b"/>
+          <a:lstStyle/>
+          <a:p>
+            <a:pPr lvl="0" algn="ctr"/>
+            <a:r>
+              <a:rPr lang="uk-UA" dirty="0" smtClean="0"/>
+              <a:t>Збереження та відображення результатів </a:t>
+            </a:r>
+            <a:r>
+              <a:rPr lang="en-US" dirty="0" smtClean="0"/>
+              <a:t>A/B </a:t>
+            </a:r>
+            <a:r>
+              <a:rPr lang="uk-UA" dirty="0" smtClean="0"/>
+              <a:t>тестування</a:t>
+            </a:r>
+            <a:endParaRPr lang="uk-UA" dirty="0"/>
+          </a:p>
+          <a:p>
+            <a:pPr algn="ctr"/>
+            <a:endParaRPr lang="ru-RU" dirty="0"/>
+          </a:p>
+        </p:txBody>
+      </p:sp>
+      <p:sp>
+        <p:nvSpPr>
+          <p:cNvPr id="15" name="Стрелка углом 14"/>
+          <p:cNvSpPr/>
+          <p:nvPr/>
+        </p:nvSpPr>
+        <p:spPr>
+          <a:xfrm rot="5400000">
+            <a:off x="7121485" y="769169"/>
+            <a:ext cx="860079" cy="2401523"/>
+          </a:xfrm>
+          <a:prstGeom prst="bentArrow">
+            <a:avLst/>
+          </a:prstGeom>
+        </p:spPr>
+        <p:style>
+          <a:lnRef idx="2">
+            <a:schemeClr val="accent1">
+              <a:shade val="50000"/>
+            </a:schemeClr>
+          </a:lnRef>
+          <a:fillRef idx="1">
+            <a:schemeClr val="accent1"/>
+          </a:fillRef>
+          <a:effectRef idx="0">
+            <a:schemeClr val="accent1"/>
+          </a:effectRef>
+          <a:fontRef idx="minor">
+            <a:schemeClr val="lt1"/>
+          </a:fontRef>
+        </p:style>
+        <p:txBody>
+          <a:bodyPr rtlCol="0" anchor="ctr"/>
+          <a:lstStyle/>
+          <a:p>
+            <a:pPr algn="ctr"/>
+            <a:endParaRPr lang="ru-RU">
+              <a:solidFill>
+                <a:schemeClr val="tx1"/>
+              </a:solidFill>
+            </a:endParaRPr>
+          </a:p>
+        </p:txBody>
+      </p:sp>
+      <p:sp>
+        <p:nvSpPr>
+          <p:cNvPr id="16" name="Стрелка углом 15"/>
+          <p:cNvSpPr/>
+          <p:nvPr/>
+        </p:nvSpPr>
+        <p:spPr>
+          <a:xfrm rot="5400000" flipV="1">
+            <a:off x="4464857" y="1825551"/>
+            <a:ext cx="860080" cy="2489705"/>
+          </a:xfrm>
+          <a:prstGeom prst="bentArrow">
+            <a:avLst/>
+          </a:prstGeom>
+        </p:spPr>
+        <p:style>
+          <a:lnRef idx="2">
+            <a:schemeClr val="accent1">
+              <a:shade val="50000"/>
+            </a:schemeClr>
+          </a:lnRef>
+          <a:fillRef idx="1">
+            <a:schemeClr val="accent1"/>
+          </a:fillRef>
+          <a:effectRef idx="0">
+            <a:schemeClr val="accent1"/>
+          </a:effectRef>
+          <a:fontRef idx="minor">
+            <a:schemeClr val="lt1"/>
+          </a:fontRef>
+        </p:style>
+        <p:txBody>
+          <a:bodyPr rtlCol="0" anchor="ctr"/>
+          <a:lstStyle/>
+          <a:p>
+            <a:pPr algn="ctr"/>
+            <a:endParaRPr lang="ru-RU">
+              <a:solidFill>
+                <a:schemeClr val="tx1"/>
+              </a:solidFill>
+            </a:endParaRPr>
+          </a:p>
+        </p:txBody>
+      </p:sp>
+      <p:sp>
+        <p:nvSpPr>
+          <p:cNvPr id="17" name="Стрелка углом 16"/>
+          <p:cNvSpPr/>
+          <p:nvPr/>
+        </p:nvSpPr>
+        <p:spPr>
+          <a:xfrm rot="5400000">
+            <a:off x="7121484" y="3070712"/>
+            <a:ext cx="860079" cy="2401523"/>
+          </a:xfrm>
+          <a:prstGeom prst="bentArrow">
+            <a:avLst/>
+          </a:prstGeom>
+        </p:spPr>
+        <p:style>
+          <a:lnRef idx="2">
+            <a:schemeClr val="accent1">
+              <a:shade val="50000"/>
+            </a:schemeClr>
+          </a:lnRef>
+          <a:fillRef idx="1">
+            <a:schemeClr val="accent1"/>
+          </a:fillRef>
+          <a:effectRef idx="0">
+            <a:schemeClr val="accent1"/>
+          </a:effectRef>
+          <a:fontRef idx="minor">
+            <a:schemeClr val="lt1"/>
+          </a:fontRef>
+        </p:style>
+        <p:txBody>
+          <a:bodyPr rtlCol="0" anchor="ctr"/>
+          <a:lstStyle/>
+          <a:p>
+            <a:pPr algn="ctr"/>
+            <a:endParaRPr lang="ru-RU">
+              <a:solidFill>
+                <a:schemeClr val="tx1"/>
+              </a:solidFill>
+            </a:endParaRPr>
+          </a:p>
+        </p:txBody>
+      </p:sp>
+      <p:sp>
+        <p:nvSpPr>
+          <p:cNvPr id="18" name="Стрелка углом 17"/>
+          <p:cNvSpPr/>
+          <p:nvPr/>
+        </p:nvSpPr>
+        <p:spPr>
+          <a:xfrm rot="5400000" flipV="1">
+            <a:off x="4464856" y="4144273"/>
+            <a:ext cx="860080" cy="2489705"/>
+          </a:xfrm>
+          <a:prstGeom prst="bentArrow">
+            <a:avLst>
+              <a:gd name="adj1" fmla="val 25000"/>
+              <a:gd name="adj2" fmla="val 25000"/>
+              <a:gd name="adj3" fmla="val 25000"/>
+              <a:gd name="adj4" fmla="val 41645"/>
+            </a:avLst>
+          </a:prstGeom>
+        </p:spPr>
+        <p:style>
+          <a:lnRef idx="2">
+            <a:schemeClr val="accent1">
+              <a:shade val="50000"/>
+            </a:schemeClr>
+          </a:lnRef>
+          <a:fillRef idx="1">
+            <a:schemeClr val="accent1"/>
+          </a:fillRef>
+          <a:effectRef idx="0">
+            <a:schemeClr val="accent1"/>
+          </a:effectRef>
+          <a:fontRef idx="minor">
+            <a:schemeClr val="lt1"/>
+          </a:fontRef>
+        </p:style>
+        <p:txBody>
+          <a:bodyPr rtlCol="0" anchor="ctr"/>
+          <a:lstStyle/>
+          <a:p>
+            <a:pPr algn="ctr"/>
+            <a:endParaRPr lang="ru-RU">
+              <a:solidFill>
+                <a:schemeClr val="tx1"/>
+              </a:solidFill>
+            </a:endParaRPr>
           </a:p>
         </p:txBody>
       </p:sp>
     </p:spTree>
     <p:extLst>
       <p:ext uri="{BB962C8B-B14F-4D97-AF65-F5344CB8AC3E}">
-        <p14:creationId xmlns="" xmlns:p14="http://schemas.microsoft.com/office/powerpoint/2010/main" val="2090733893"/>
+        <p14:creationId xmlns="" xmlns:p14="http://schemas.microsoft.com/office/powerpoint/2010/main" val="1499431874"/>
       </p:ext>
     </p:extLst>
   </p:cSld>
   <p:clrMapOvr>
     <a:masterClrMapping/>
   </p:clrMapOvr>
+  <p:timing>
+    <p:tnLst>
+      <p:par>
+        <p:cTn id="1" dur="indefinite" restart="never" nodeType="tmRoot"/>
+      </p:par>
+    </p:tnLst>
+  </p:timing>
 </p:sld>
 </file>
 
@@ -6104,6 +6139,13 @@
   <p:clrMapOvr>
     <a:masterClrMapping/>
   </p:clrMapOvr>
+  <p:timing>
+    <p:tnLst>
+      <p:par>
+        <p:cTn id="1" dur="indefinite" restart="never" nodeType="tmRoot"/>
+      </p:par>
+    </p:tnLst>
+  </p:timing>
 </p:sld>
 </file>
 
@@ -6176,7 +6218,7 @@
         </p:blipFill>
         <p:spPr>
           <a:xfrm>
-            <a:off x="42017" y="1330675"/>
+            <a:off x="42017" y="1338913"/>
             <a:ext cx="11895887" cy="5531447"/>
           </a:xfrm>
           <a:prstGeom prst="rect">
@@ -6194,6 +6236,13 @@
   <p:clrMapOvr>
     <a:masterClrMapping/>
   </p:clrMapOvr>
+  <p:timing>
+    <p:tnLst>
+      <p:par>
+        <p:cTn id="1" dur="indefinite" restart="never" nodeType="tmRoot"/>
+      </p:par>
+    </p:tnLst>
+  </p:timing>
 </p:sld>
 </file>
 
@@ -6294,6 +6343,13 @@
   <p:clrMapOvr>
     <a:masterClrMapping/>
   </p:clrMapOvr>
+  <p:timing>
+    <p:tnLst>
+      <p:par>
+        <p:cTn id="1" dur="indefinite" restart="never" nodeType="tmRoot"/>
+      </p:par>
+    </p:tnLst>
+  </p:timing>
 </p:sld>
 </file>
 
@@ -6834,15 +6890,7 @@
           <a:p>
             <a:r>
               <a:rPr lang="uk-UA" dirty="0" smtClean="0"/>
-              <a:t>Вибраний </a:t>
-            </a:r>
-            <a:r>
-              <a:rPr lang="uk-UA" dirty="0" smtClean="0"/>
-              <a:t>е</a:t>
-            </a:r>
-            <a:r>
-              <a:rPr lang="uk-UA" dirty="0" smtClean="0"/>
-              <a:t>лемент</a:t>
+              <a:t>Вибраний елемент</a:t>
             </a:r>
             <a:endParaRPr lang="ru-RU" dirty="0"/>
           </a:p>
@@ -6858,6 +6906,13 @@
   <p:clrMapOvr>
     <a:masterClrMapping/>
   </p:clrMapOvr>
+  <p:timing>
+    <p:tnLst>
+      <p:par>
+        <p:cTn id="1" dur="indefinite" restart="never" nodeType="tmRoot"/>
+      </p:par>
+    </p:tnLst>
+  </p:timing>
 </p:sld>
 </file>
 
@@ -7180,6 +7235,13 @@
   <p:clrMapOvr>
     <a:masterClrMapping/>
   </p:clrMapOvr>
+  <p:timing>
+    <p:tnLst>
+      <p:par>
+        <p:cTn id="1" dur="indefinite" restart="never" nodeType="tmRoot"/>
+      </p:par>
+    </p:tnLst>
+  </p:timing>
 </p:sld>
 </file>
 
@@ -7364,11 +7426,7 @@
             </a:r>
             <a:r>
               <a:rPr lang="en-US" dirty="0" smtClean="0"/>
-              <a:t> </a:t>
-            </a:r>
-            <a:r>
-              <a:rPr lang="en-US" dirty="0" smtClean="0"/>
-              <a:t>B</a:t>
+              <a:t> B</a:t>
             </a:r>
             <a:endParaRPr lang="ru-RU" dirty="0"/>
           </a:p>
@@ -7441,6 +7499,13 @@
   <p:clrMapOvr>
     <a:masterClrMapping/>
   </p:clrMapOvr>
+  <p:timing>
+    <p:tnLst>
+      <p:par>
+        <p:cTn id="1" dur="indefinite" restart="never" nodeType="tmRoot"/>
+      </p:par>
+    </p:tnLst>
+  </p:timing>
 </p:sld>
 </file>
 

--- a/Система AB тестування.pptx
+++ b/Система AB тестування.pptx
@@ -122,7 +122,7 @@
   </p:defaultTextStyle>
   <p:extLst>
     <p:ext uri="{521415D9-36F7-43E2-AB2F-B90AF26B5E84}">
-      <p14:sectionLst xmlns="" xmlns:p14="http://schemas.microsoft.com/office/powerpoint/2010/main">
+      <p14:sectionLst xmlns:p14="http://schemas.microsoft.com/office/powerpoint/2010/main" xmlns="">
         <p14:section name="Добро пожаловать!" id="{E75E278A-FF0E-49A4-B170-79828D63BBAD}">
           <p14:sldIdLst>
             <p14:sldId id="256"/>
@@ -149,7 +149,7 @@
       </p14:sectionLst>
     </p:ext>
     <p:ext uri="{EFAFB233-063F-42B5-8137-9DF3F51BA10A}">
-      <p15:sldGuideLst xmlns="" xmlns:p15="http://schemas.microsoft.com/office/powerpoint/2012/main">
+      <p15:sldGuideLst xmlns:p15="http://schemas.microsoft.com/office/powerpoint/2012/main" xmlns="">
         <p15:guide id="1" orient="horz" pos="2160" userDrawn="1">
           <p15:clr>
             <a:srgbClr val="A4A3A4"/>
@@ -163,7 +163,7 @@
       </p15:sldGuideLst>
     </p:ext>
     <p:ext uri="{2D200454-40CA-4A62-9FC3-DE9A4176ACB9}">
-      <p15:notesGuideLst xmlns="" xmlns:p15="http://schemas.microsoft.com/office/powerpoint/2012/main"/>
+      <p15:notesGuideLst xmlns:p15="http://schemas.microsoft.com/office/powerpoint/2012/main" xmlns=""/>
     </p:ext>
   </p:extLst>
 </p:presentation>
@@ -258,7 +258,7 @@
             <a:fld id="{4A48B867-C0E9-4677-A1E6-26A91062B287}" type="datetimeFigureOut">
               <a:rPr lang="ru-RU" smtClean="0"/>
               <a:pPr/>
-              <a:t>30.11.2017</a:t>
+              <a:t>05.12.2017</a:t>
             </a:fld>
             <a:endParaRPr lang="ru-RU" dirty="0"/>
           </a:p>
@@ -334,7 +334,7 @@
     </p:spTree>
     <p:extLst>
       <p:ext uri="{BB962C8B-B14F-4D97-AF65-F5344CB8AC3E}">
-        <p14:creationId xmlns="" xmlns:p14="http://schemas.microsoft.com/office/powerpoint/2010/main" val="2588760190"/>
+        <p14:creationId xmlns:p14="http://schemas.microsoft.com/office/powerpoint/2010/main" xmlns="" val="2588760190"/>
       </p:ext>
     </p:extLst>
   </p:cSld>
@@ -425,7 +425,7 @@
             <a:fld id="{EC13577B-6902-467D-A26C-08A0DD5E4E03}" type="datetimeFigureOut">
               <a:rPr lang="ru-RU" smtClean="0"/>
               <a:pPr/>
-              <a:t>30.11.2017</a:t>
+              <a:t>05.12.2017</a:t>
             </a:fld>
             <a:endParaRPr lang="ru-RU" dirty="0"/>
           </a:p>
@@ -593,7 +593,7 @@
     </p:spTree>
     <p:extLst>
       <p:ext uri="{BB962C8B-B14F-4D97-AF65-F5344CB8AC3E}">
-        <p14:creationId xmlns="" xmlns:p14="http://schemas.microsoft.com/office/powerpoint/2010/main" val="3381910297"/>
+        <p14:creationId xmlns:p14="http://schemas.microsoft.com/office/powerpoint/2010/main" xmlns="" val="3381910297"/>
       </p:ext>
     </p:extLst>
   </p:cSld>
@@ -786,7 +786,7 @@
     </p:spTree>
     <p:extLst>
       <p:ext uri="{BB962C8B-B14F-4D97-AF65-F5344CB8AC3E}">
-        <p14:creationId xmlns="" xmlns:p14="http://schemas.microsoft.com/office/powerpoint/2010/main" val="1011769815"/>
+        <p14:creationId xmlns:p14="http://schemas.microsoft.com/office/powerpoint/2010/main" xmlns="" val="1011769815"/>
       </p:ext>
     </p:extLst>
   </p:cSld>
@@ -926,7 +926,7 @@
             <a:fld id="{8BEEBAAA-29B5-4AF5-BC5F-7E580C29002D}" type="datetimeFigureOut">
               <a:rPr lang="ru-RU" smtClean="0"/>
               <a:pPr/>
-              <a:t>30.11.2017</a:t>
+              <a:t>05.12.2017</a:t>
             </a:fld>
             <a:endParaRPr lang="ru-RU" dirty="0"/>
           </a:p>
@@ -1024,7 +1024,7 @@
     </p:spTree>
     <p:extLst>
       <p:ext uri="{BB962C8B-B14F-4D97-AF65-F5344CB8AC3E}">
-        <p14:creationId xmlns="" xmlns:p14="http://schemas.microsoft.com/office/powerpoint/2010/main" val="388772796"/>
+        <p14:creationId xmlns:p14="http://schemas.microsoft.com/office/powerpoint/2010/main" xmlns="" val="388772796"/>
       </p:ext>
     </p:extLst>
   </p:cSld>
@@ -1142,7 +1142,7 @@
             <a:fld id="{8BEEBAAA-29B5-4AF5-BC5F-7E580C29002D}" type="datetimeFigureOut">
               <a:rPr lang="ru-RU" smtClean="0"/>
               <a:pPr/>
-              <a:t>30.11.2017</a:t>
+              <a:t>05.12.2017</a:t>
             </a:fld>
             <a:endParaRPr lang="ru-RU" dirty="0"/>
           </a:p>
@@ -1240,7 +1240,7 @@
     </p:spTree>
     <p:extLst>
       <p:ext uri="{BB962C8B-B14F-4D97-AF65-F5344CB8AC3E}">
-        <p14:creationId xmlns="" xmlns:p14="http://schemas.microsoft.com/office/powerpoint/2010/main" val="2323281805"/>
+        <p14:creationId xmlns:p14="http://schemas.microsoft.com/office/powerpoint/2010/main" xmlns="" val="2323281805"/>
       </p:ext>
     </p:extLst>
   </p:cSld>
@@ -1368,7 +1368,7 @@
             <a:fld id="{8BEEBAAA-29B5-4AF5-BC5F-7E580C29002D}" type="datetimeFigureOut">
               <a:rPr lang="ru-RU" smtClean="0"/>
               <a:pPr/>
-              <a:t>30.11.2017</a:t>
+              <a:t>05.12.2017</a:t>
             </a:fld>
             <a:endParaRPr lang="ru-RU" dirty="0"/>
           </a:p>
@@ -1466,7 +1466,7 @@
     </p:spTree>
     <p:extLst>
       <p:ext uri="{BB962C8B-B14F-4D97-AF65-F5344CB8AC3E}">
-        <p14:creationId xmlns="" xmlns:p14="http://schemas.microsoft.com/office/powerpoint/2010/main" val="1762298306"/>
+        <p14:creationId xmlns:p14="http://schemas.microsoft.com/office/powerpoint/2010/main" xmlns="" val="1762298306"/>
       </p:ext>
     </p:extLst>
   </p:cSld>
@@ -1584,7 +1584,7 @@
             <a:fld id="{8BEEBAAA-29B5-4AF5-BC5F-7E580C29002D}" type="datetimeFigureOut">
               <a:rPr lang="ru-RU" smtClean="0"/>
               <a:pPr/>
-              <a:t>30.11.2017</a:t>
+              <a:t>05.12.2017</a:t>
             </a:fld>
             <a:endParaRPr lang="ru-RU" dirty="0"/>
           </a:p>
@@ -1682,7 +1682,7 @@
     </p:spTree>
     <p:extLst>
       <p:ext uri="{BB962C8B-B14F-4D97-AF65-F5344CB8AC3E}">
-        <p14:creationId xmlns="" xmlns:p14="http://schemas.microsoft.com/office/powerpoint/2010/main" val="1419191672"/>
+        <p14:creationId xmlns:p14="http://schemas.microsoft.com/office/powerpoint/2010/main" xmlns="" val="1419191672"/>
       </p:ext>
     </p:extLst>
   </p:cSld>
@@ -1877,7 +1877,7 @@
             <a:fld id="{8BEEBAAA-29B5-4AF5-BC5F-7E580C29002D}" type="datetimeFigureOut">
               <a:rPr lang="ru-RU" smtClean="0"/>
               <a:pPr/>
-              <a:t>30.11.2017</a:t>
+              <a:t>05.12.2017</a:t>
             </a:fld>
             <a:endParaRPr lang="ru-RU" dirty="0"/>
           </a:p>
@@ -1975,7 +1975,7 @@
     </p:spTree>
     <p:extLst>
       <p:ext uri="{BB962C8B-B14F-4D97-AF65-F5344CB8AC3E}">
-        <p14:creationId xmlns="" xmlns:p14="http://schemas.microsoft.com/office/powerpoint/2010/main" val="826578174"/>
+        <p14:creationId xmlns:p14="http://schemas.microsoft.com/office/powerpoint/2010/main" xmlns="" val="826578174"/>
       </p:ext>
     </p:extLst>
   </p:cSld>
@@ -2154,7 +2154,7 @@
             <a:fld id="{8BEEBAAA-29B5-4AF5-BC5F-7E580C29002D}" type="datetimeFigureOut">
               <a:rPr lang="ru-RU" smtClean="0"/>
               <a:pPr/>
-              <a:t>30.11.2017</a:t>
+              <a:t>05.12.2017</a:t>
             </a:fld>
             <a:endParaRPr lang="ru-RU" dirty="0"/>
           </a:p>
@@ -2252,7 +2252,7 @@
     </p:spTree>
     <p:extLst>
       <p:ext uri="{BB962C8B-B14F-4D97-AF65-F5344CB8AC3E}">
-        <p14:creationId xmlns="" xmlns:p14="http://schemas.microsoft.com/office/powerpoint/2010/main" val="708682369"/>
+        <p14:creationId xmlns:p14="http://schemas.microsoft.com/office/powerpoint/2010/main" xmlns="" val="708682369"/>
       </p:ext>
     </p:extLst>
   </p:cSld>
@@ -2566,7 +2566,7 @@
             <a:fld id="{8BEEBAAA-29B5-4AF5-BC5F-7E580C29002D}" type="datetimeFigureOut">
               <a:rPr lang="ru-RU" smtClean="0"/>
               <a:pPr/>
-              <a:t>30.11.2017</a:t>
+              <a:t>05.12.2017</a:t>
             </a:fld>
             <a:endParaRPr lang="ru-RU" dirty="0"/>
           </a:p>
@@ -2664,7 +2664,7 @@
     </p:spTree>
     <p:extLst>
       <p:ext uri="{BB962C8B-B14F-4D97-AF65-F5344CB8AC3E}">
-        <p14:creationId xmlns="" xmlns:p14="http://schemas.microsoft.com/office/powerpoint/2010/main" val="1054969621"/>
+        <p14:creationId xmlns:p14="http://schemas.microsoft.com/office/powerpoint/2010/main" xmlns="" val="1054969621"/>
       </p:ext>
     </p:extLst>
   </p:cSld>
@@ -2731,7 +2731,7 @@
             <a:fld id="{8BEEBAAA-29B5-4AF5-BC5F-7E580C29002D}" type="datetimeFigureOut">
               <a:rPr lang="ru-RU" smtClean="0"/>
               <a:pPr/>
-              <a:t>30.11.2017</a:t>
+              <a:t>05.12.2017</a:t>
             </a:fld>
             <a:endParaRPr lang="ru-RU" dirty="0"/>
           </a:p>
@@ -2829,7 +2829,7 @@
     </p:spTree>
     <p:extLst>
       <p:ext uri="{BB962C8B-B14F-4D97-AF65-F5344CB8AC3E}">
-        <p14:creationId xmlns="" xmlns:p14="http://schemas.microsoft.com/office/powerpoint/2010/main" val="1001349013"/>
+        <p14:creationId xmlns:p14="http://schemas.microsoft.com/office/powerpoint/2010/main" xmlns="" val="1001349013"/>
       </p:ext>
     </p:extLst>
   </p:cSld>
@@ -2874,7 +2874,7 @@
             <a:fld id="{8BEEBAAA-29B5-4AF5-BC5F-7E580C29002D}" type="datetimeFigureOut">
               <a:rPr lang="ru-RU" smtClean="0"/>
               <a:pPr/>
-              <a:t>30.11.2017</a:t>
+              <a:t>05.12.2017</a:t>
             </a:fld>
             <a:endParaRPr lang="ru-RU" dirty="0"/>
           </a:p>
@@ -2926,7 +2926,7 @@
     </p:spTree>
     <p:extLst>
       <p:ext uri="{BB962C8B-B14F-4D97-AF65-F5344CB8AC3E}">
-        <p14:creationId xmlns="" xmlns:p14="http://schemas.microsoft.com/office/powerpoint/2010/main" val="1995261504"/>
+        <p14:creationId xmlns:p14="http://schemas.microsoft.com/office/powerpoint/2010/main" xmlns="" val="1995261504"/>
       </p:ext>
     </p:extLst>
   </p:cSld>
@@ -3151,7 +3151,7 @@
             <a:fld id="{8BEEBAAA-29B5-4AF5-BC5F-7E580C29002D}" type="datetimeFigureOut">
               <a:rPr lang="ru-RU" smtClean="0"/>
               <a:pPr/>
-              <a:t>30.11.2017</a:t>
+              <a:t>05.12.2017</a:t>
             </a:fld>
             <a:endParaRPr lang="ru-RU" dirty="0"/>
           </a:p>
@@ -3203,7 +3203,7 @@
     </p:spTree>
     <p:extLst>
       <p:ext uri="{BB962C8B-B14F-4D97-AF65-F5344CB8AC3E}">
-        <p14:creationId xmlns="" xmlns:p14="http://schemas.microsoft.com/office/powerpoint/2010/main" val="3090150606"/>
+        <p14:creationId xmlns:p14="http://schemas.microsoft.com/office/powerpoint/2010/main" xmlns="" val="3090150606"/>
       </p:ext>
     </p:extLst>
   </p:cSld>
@@ -3405,7 +3405,7 @@
             <a:fld id="{8BEEBAAA-29B5-4AF5-BC5F-7E580C29002D}" type="datetimeFigureOut">
               <a:rPr lang="ru-RU" smtClean="0"/>
               <a:pPr/>
-              <a:t>30.11.2017</a:t>
+              <a:t>05.12.2017</a:t>
             </a:fld>
             <a:endParaRPr lang="ru-RU" dirty="0"/>
           </a:p>
@@ -3457,7 +3457,7 @@
     </p:spTree>
     <p:extLst>
       <p:ext uri="{BB962C8B-B14F-4D97-AF65-F5344CB8AC3E}">
-        <p14:creationId xmlns="" xmlns:p14="http://schemas.microsoft.com/office/powerpoint/2010/main" val="1094681039"/>
+        <p14:creationId xmlns:p14="http://schemas.microsoft.com/office/powerpoint/2010/main" xmlns="" val="1094681039"/>
       </p:ext>
     </p:extLst>
   </p:cSld>
@@ -3618,7 +3618,7 @@
             <a:fld id="{8BEEBAAA-29B5-4AF5-BC5F-7E580C29002D}" type="datetimeFigureOut">
               <a:rPr lang="ru-RU" smtClean="0"/>
               <a:pPr/>
-              <a:t>30.11.2017</a:t>
+              <a:t>05.12.2017</a:t>
             </a:fld>
             <a:endParaRPr lang="ru-RU" dirty="0"/>
           </a:p>
@@ -3706,7 +3706,7 @@
     </p:spTree>
     <p:extLst>
       <p:ext uri="{BB962C8B-B14F-4D97-AF65-F5344CB8AC3E}">
-        <p14:creationId xmlns="" xmlns:p14="http://schemas.microsoft.com/office/powerpoint/2010/main" val="2113765195"/>
+        <p14:creationId xmlns:p14="http://schemas.microsoft.com/office/powerpoint/2010/main" xmlns="" val="2113765195"/>
       </p:ext>
     </p:extLst>
   </p:cSld>
@@ -4197,7 +4197,7 @@
     </p:spTree>
     <p:extLst>
       <p:ext uri="{BB962C8B-B14F-4D97-AF65-F5344CB8AC3E}">
-        <p14:creationId xmlns="" xmlns:p14="http://schemas.microsoft.com/office/powerpoint/2010/main" val="2471807738"/>
+        <p14:creationId xmlns:p14="http://schemas.microsoft.com/office/powerpoint/2010/main" xmlns="" val="2471807738"/>
       </p:ext>
     </p:extLst>
   </p:cSld>
@@ -4339,19 +4339,7 @@
             </a:pPr>
             <a:r>
               <a:rPr lang="uk-UA" dirty="0" smtClean="0"/>
-              <a:t>Розглянуто </a:t>
-            </a:r>
-            <a:r>
-              <a:rPr lang="uk-UA" dirty="0" smtClean="0"/>
-              <a:t>архітектури  </a:t>
-            </a:r>
-            <a:r>
-              <a:rPr lang="uk-UA" dirty="0" smtClean="0"/>
-              <a:t>та технології</a:t>
-            </a:r>
-            <a:r>
-              <a:rPr lang="uk-UA" dirty="0" smtClean="0"/>
-              <a:t>, та обґрунтовано використання обраної для реалізації системи.</a:t>
+              <a:t>Розглянуто архітектури  та технології, та обґрунтовано використання обраної для реалізації системи.</a:t>
             </a:r>
             <a:endParaRPr lang="uk-UA" dirty="0"/>
           </a:p>
@@ -4385,7 +4373,7 @@
     </p:spTree>
     <p:extLst>
       <p:ext uri="{BB962C8B-B14F-4D97-AF65-F5344CB8AC3E}">
-        <p14:creationId xmlns="" xmlns:p14="http://schemas.microsoft.com/office/powerpoint/2010/main" val="1278517873"/>
+        <p14:creationId xmlns:p14="http://schemas.microsoft.com/office/powerpoint/2010/main" xmlns="" val="1278517873"/>
       </p:ext>
     </p:extLst>
   </p:cSld>
@@ -4450,7 +4438,7 @@
     </p:spTree>
     <p:extLst>
       <p:ext uri="{BB962C8B-B14F-4D97-AF65-F5344CB8AC3E}">
-        <p14:creationId xmlns="" xmlns:p14="http://schemas.microsoft.com/office/powerpoint/2010/main" val="498439014"/>
+        <p14:creationId xmlns:p14="http://schemas.microsoft.com/office/powerpoint/2010/main" xmlns="" val="498439014"/>
       </p:ext>
     </p:extLst>
   </p:cSld>
@@ -4701,7 +4689,7 @@
     </p:spTree>
     <p:extLst>
       <p:ext uri="{BB962C8B-B14F-4D97-AF65-F5344CB8AC3E}">
-        <p14:creationId xmlns="" xmlns:p14="http://schemas.microsoft.com/office/powerpoint/2010/main" val="2090733893"/>
+        <p14:creationId xmlns:p14="http://schemas.microsoft.com/office/powerpoint/2010/main" xmlns="" val="2090733893"/>
       </p:ext>
     </p:extLst>
   </p:cSld>
@@ -4851,469 +4839,100 @@
       </p:sp>
       <p:sp>
         <p:nvSpPr>
-          <p:cNvPr id="3" name="Прямоугольник 2"/>
+          <p:cNvPr id="13" name="Прямоугольник 12"/>
           <p:cNvSpPr/>
           <p:nvPr/>
         </p:nvSpPr>
         <p:spPr>
           <a:xfrm>
-            <a:off x="6255945" y="2522402"/>
-            <a:ext cx="5925783" cy="1096003"/>
+            <a:off x="0" y="1334530"/>
+            <a:ext cx="12192000" cy="4100481"/>
           </a:xfrm>
           <a:prstGeom prst="rect">
             <a:avLst/>
           </a:prstGeom>
         </p:spPr>
-        <p:style>
-          <a:lnRef idx="2">
-            <a:schemeClr val="accent1">
-              <a:shade val="50000"/>
-            </a:schemeClr>
-          </a:lnRef>
-          <a:fillRef idx="1">
-            <a:schemeClr val="accent1"/>
-          </a:fillRef>
-          <a:effectRef idx="0">
-            <a:schemeClr val="accent1"/>
-          </a:effectRef>
-          <a:fontRef idx="minor">
-            <a:schemeClr val="lt1"/>
-          </a:fontRef>
-        </p:style>
-        <p:txBody>
-          <a:bodyPr rtlCol="0" anchor="ctr"/>
-          <a:lstStyle/>
-          <a:p>
-            <a:pPr lvl="0" algn="ctr"/>
+        <p:txBody>
+          <a:bodyPr wrap="square">
+            <a:spAutoFit/>
+          </a:bodyPr>
+          <a:lstStyle/>
+          <a:p>
+            <a:pPr marL="1116000" indent="-720000">
+              <a:lnSpc>
+                <a:spcPct val="300000"/>
+              </a:lnSpc>
+              <a:buFont typeface="Wingdings" pitchFamily="2" charset="2"/>
+              <a:buChar char="ü"/>
+            </a:pPr>
             <a:r>
               <a:rPr lang="uk-UA" dirty="0" smtClean="0"/>
-              <a:t>Розпізнавання елементів </a:t>
-            </a:r>
-            <a:r>
-              <a:rPr lang="en-US" dirty="0" smtClean="0"/>
-              <a:t>HTML </a:t>
-            </a:r>
+              <a:t>Створення задачі A/B тестування</a:t>
+            </a:r>
+          </a:p>
+          <a:p>
+            <a:pPr marL="1116000" indent="-720000">
+              <a:lnSpc>
+                <a:spcPct val="300000"/>
+              </a:lnSpc>
+              <a:buFont typeface="Wingdings" pitchFamily="2" charset="2"/>
+              <a:buChar char="ü"/>
+            </a:pPr>
             <a:r>
               <a:rPr lang="uk-UA" dirty="0" smtClean="0"/>
-              <a:t>сторінки</a:t>
-            </a:r>
-            <a:endParaRPr lang="uk-UA" dirty="0"/>
-          </a:p>
-        </p:txBody>
-      </p:sp>
-      <p:sp>
-        <p:nvSpPr>
-          <p:cNvPr id="4" name="Прямоугольник 3"/>
-          <p:cNvSpPr/>
-          <p:nvPr/>
-        </p:nvSpPr>
-        <p:spPr>
-          <a:xfrm>
-            <a:off x="44742" y="1379232"/>
-            <a:ext cx="6211203" cy="1087876"/>
-          </a:xfrm>
-          <a:prstGeom prst="rect">
-            <a:avLst/>
-          </a:prstGeom>
-        </p:spPr>
-        <p:style>
-          <a:lnRef idx="2">
-            <a:schemeClr val="accent1">
-              <a:shade val="50000"/>
-            </a:schemeClr>
-          </a:lnRef>
-          <a:fillRef idx="1">
-            <a:schemeClr val="accent1"/>
-          </a:fillRef>
-          <a:effectRef idx="0">
-            <a:schemeClr val="accent1"/>
-          </a:effectRef>
-          <a:fontRef idx="minor">
-            <a:schemeClr val="lt1"/>
-          </a:fontRef>
-        </p:style>
-        <p:txBody>
-          <a:bodyPr rtlCol="0" anchor="ctr"/>
-          <a:lstStyle/>
-          <a:p>
-            <a:pPr lvl="0" algn="ctr"/>
-            <a:endParaRPr lang="uk-UA" dirty="0"/>
-          </a:p>
-          <a:p>
-            <a:pPr lvl="0" algn="ctr"/>
-            <a:r>
-              <a:rPr lang="uk-UA" dirty="0" smtClean="0"/>
-              <a:t>Створення</a:t>
-            </a:r>
-            <a:r>
-              <a:rPr lang="ru-RU" dirty="0" smtClean="0"/>
-              <a:t> задач</a:t>
-            </a:r>
-            <a:r>
-              <a:rPr lang="uk-UA" dirty="0" smtClean="0"/>
-              <a:t>і </a:t>
-            </a:r>
-            <a:r>
-              <a:rPr lang="en-US" dirty="0" smtClean="0"/>
-              <a:t>A/B </a:t>
-            </a:r>
-            <a:r>
-              <a:rPr lang="uk-UA" dirty="0" smtClean="0"/>
-              <a:t>тестування</a:t>
-            </a:r>
-            <a:endParaRPr lang="uk-UA" dirty="0"/>
-          </a:p>
-          <a:p>
-            <a:pPr algn="ctr"/>
-            <a:endParaRPr lang="ru-RU" dirty="0"/>
-          </a:p>
-        </p:txBody>
-      </p:sp>
-      <p:sp>
-        <p:nvSpPr>
-          <p:cNvPr id="6" name="Прямоугольник 5"/>
-          <p:cNvSpPr/>
-          <p:nvPr/>
-        </p:nvSpPr>
-        <p:spPr>
-          <a:xfrm>
-            <a:off x="44742" y="3663466"/>
-            <a:ext cx="6211203" cy="1094562"/>
-          </a:xfrm>
-          <a:prstGeom prst="rect">
-            <a:avLst/>
-          </a:prstGeom>
-        </p:spPr>
-        <p:style>
-          <a:lnRef idx="2">
-            <a:schemeClr val="accent1">
-              <a:shade val="50000"/>
-            </a:schemeClr>
-          </a:lnRef>
-          <a:fillRef idx="1">
-            <a:schemeClr val="accent1"/>
-          </a:fillRef>
-          <a:effectRef idx="0">
-            <a:schemeClr val="accent1"/>
-          </a:effectRef>
-          <a:fontRef idx="minor">
-            <a:schemeClr val="lt1"/>
-          </a:fontRef>
-        </p:style>
-        <p:txBody>
-          <a:bodyPr rtlCol="0" anchor="ctr"/>
-          <a:lstStyle/>
-          <a:p>
-            <a:pPr lvl="0" algn="ctr"/>
-            <a:endParaRPr lang="uk-UA" dirty="0"/>
-          </a:p>
-          <a:p>
-            <a:pPr lvl="0" algn="ctr"/>
+              <a:t>Розпізнавання елементів HTML сторінки</a:t>
+            </a:r>
+          </a:p>
+          <a:p>
+            <a:pPr marL="1116000" indent="-720000">
+              <a:lnSpc>
+                <a:spcPct val="300000"/>
+              </a:lnSpc>
+              <a:buFont typeface="Wingdings" pitchFamily="2" charset="2"/>
+              <a:buChar char="ü"/>
+            </a:pPr>
             <a:r>
               <a:rPr lang="uk-UA" dirty="0" smtClean="0"/>
               <a:t>Динамічна підміна елементу на сайті користувача</a:t>
             </a:r>
+          </a:p>
+          <a:p>
+            <a:pPr marL="1116000" indent="-720000">
+              <a:lnSpc>
+                <a:spcPct val="300000"/>
+              </a:lnSpc>
+              <a:buFont typeface="Wingdings" pitchFamily="2" charset="2"/>
+              <a:buChar char="ü"/>
+            </a:pPr>
+            <a:r>
+              <a:rPr lang="uk-UA" dirty="0" err="1" smtClean="0"/>
+              <a:t>Відслідковування</a:t>
+            </a:r>
+            <a:r>
+              <a:rPr lang="uk-UA" dirty="0" smtClean="0"/>
+              <a:t> переглядів сторінки та натискань на вибраний елемент</a:t>
+            </a:r>
+          </a:p>
+          <a:p>
+            <a:pPr marL="1116000" indent="-720000">
+              <a:lnSpc>
+                <a:spcPct val="300000"/>
+              </a:lnSpc>
+              <a:buFont typeface="Wingdings" pitchFamily="2" charset="2"/>
+              <a:buChar char="ü"/>
+            </a:pPr>
+            <a:r>
+              <a:rPr lang="uk-UA" dirty="0" smtClean="0"/>
+              <a:t>Збереження та відображення результатів A/B тестування</a:t>
+            </a:r>
             <a:endParaRPr lang="uk-UA" dirty="0"/>
-          </a:p>
-          <a:p>
-            <a:pPr algn="ctr"/>
-            <a:endParaRPr lang="ru-RU" dirty="0"/>
-          </a:p>
-        </p:txBody>
-      </p:sp>
-      <p:sp>
-        <p:nvSpPr>
-          <p:cNvPr id="7" name="Прямоугольник 6"/>
-          <p:cNvSpPr/>
-          <p:nvPr/>
-        </p:nvSpPr>
-        <p:spPr>
-          <a:xfrm>
-            <a:off x="6255945" y="4803090"/>
-            <a:ext cx="5936055" cy="1096003"/>
-          </a:xfrm>
-          <a:prstGeom prst="rect">
-            <a:avLst/>
-          </a:prstGeom>
-        </p:spPr>
-        <p:style>
-          <a:lnRef idx="2">
-            <a:schemeClr val="accent1">
-              <a:shade val="50000"/>
-            </a:schemeClr>
-          </a:lnRef>
-          <a:fillRef idx="1">
-            <a:schemeClr val="accent1"/>
-          </a:fillRef>
-          <a:effectRef idx="0">
-            <a:schemeClr val="accent1"/>
-          </a:effectRef>
-          <a:fontRef idx="minor">
-            <a:schemeClr val="lt1"/>
-          </a:fontRef>
-        </p:style>
-        <p:txBody>
-          <a:bodyPr rtlCol="0" anchor="ctr"/>
-          <a:lstStyle/>
-          <a:p>
-            <a:pPr lvl="0" algn="ctr"/>
-            <a:endParaRPr lang="uk-UA" dirty="0"/>
-          </a:p>
-          <a:p>
-            <a:pPr lvl="0" algn="ctr"/>
-            <a:r>
-              <a:rPr lang="uk-UA" dirty="0" smtClean="0"/>
-              <a:t>Відслідковування переглядів сторінки та натискань на вибраний елемент</a:t>
-            </a:r>
-            <a:endParaRPr lang="uk-UA" dirty="0"/>
-          </a:p>
-          <a:p>
-            <a:pPr algn="ctr"/>
-            <a:endParaRPr lang="ru-RU" dirty="0"/>
-          </a:p>
-        </p:txBody>
-      </p:sp>
-      <p:sp>
-        <p:nvSpPr>
-          <p:cNvPr id="8" name="Прямоугольник 7"/>
-          <p:cNvSpPr/>
-          <p:nvPr/>
-        </p:nvSpPr>
-        <p:spPr>
-          <a:xfrm>
-            <a:off x="44742" y="5954386"/>
-            <a:ext cx="6211203" cy="883428"/>
-          </a:xfrm>
-          <a:prstGeom prst="rect">
-            <a:avLst/>
-          </a:prstGeom>
-        </p:spPr>
-        <p:style>
-          <a:lnRef idx="2">
-            <a:schemeClr val="accent1">
-              <a:shade val="50000"/>
-            </a:schemeClr>
-          </a:lnRef>
-          <a:fillRef idx="1">
-            <a:schemeClr val="accent1"/>
-          </a:fillRef>
-          <a:effectRef idx="0">
-            <a:schemeClr val="accent1"/>
-          </a:effectRef>
-          <a:fontRef idx="minor">
-            <a:schemeClr val="lt1"/>
-          </a:fontRef>
-        </p:style>
-        <p:txBody>
-          <a:bodyPr rtlCol="0" anchor="b"/>
-          <a:lstStyle/>
-          <a:p>
-            <a:pPr lvl="0" algn="ctr"/>
-            <a:r>
-              <a:rPr lang="uk-UA" dirty="0" smtClean="0"/>
-              <a:t>Збереження та відображення результатів </a:t>
-            </a:r>
-            <a:r>
-              <a:rPr lang="en-US" dirty="0" smtClean="0"/>
-              <a:t>A/B </a:t>
-            </a:r>
-            <a:r>
-              <a:rPr lang="uk-UA" dirty="0" smtClean="0"/>
-              <a:t>тестування</a:t>
-            </a:r>
-            <a:endParaRPr lang="uk-UA" dirty="0"/>
-          </a:p>
-          <a:p>
-            <a:pPr algn="ctr"/>
-            <a:endParaRPr lang="ru-RU" dirty="0"/>
-          </a:p>
-        </p:txBody>
-      </p:sp>
-      <p:sp>
-        <p:nvSpPr>
-          <p:cNvPr id="15" name="Стрелка углом 14"/>
-          <p:cNvSpPr/>
-          <p:nvPr/>
-        </p:nvSpPr>
-        <p:spPr>
-          <a:xfrm rot="5400000">
-            <a:off x="7121485" y="769169"/>
-            <a:ext cx="860079" cy="2401523"/>
-          </a:xfrm>
-          <a:prstGeom prst="bentArrow">
-            <a:avLst/>
-          </a:prstGeom>
-        </p:spPr>
-        <p:style>
-          <a:lnRef idx="2">
-            <a:schemeClr val="accent1">
-              <a:shade val="50000"/>
-            </a:schemeClr>
-          </a:lnRef>
-          <a:fillRef idx="1">
-            <a:schemeClr val="accent1"/>
-          </a:fillRef>
-          <a:effectRef idx="0">
-            <a:schemeClr val="accent1"/>
-          </a:effectRef>
-          <a:fontRef idx="minor">
-            <a:schemeClr val="lt1"/>
-          </a:fontRef>
-        </p:style>
-        <p:txBody>
-          <a:bodyPr rtlCol="0" anchor="ctr"/>
-          <a:lstStyle/>
-          <a:p>
-            <a:pPr algn="ctr"/>
-            <a:endParaRPr lang="ru-RU">
-              <a:solidFill>
-                <a:schemeClr val="tx1"/>
-              </a:solidFill>
-            </a:endParaRPr>
-          </a:p>
-        </p:txBody>
-      </p:sp>
-      <p:sp>
-        <p:nvSpPr>
-          <p:cNvPr id="16" name="Стрелка углом 15"/>
-          <p:cNvSpPr/>
-          <p:nvPr/>
-        </p:nvSpPr>
-        <p:spPr>
-          <a:xfrm rot="5400000" flipV="1">
-            <a:off x="4464857" y="1825551"/>
-            <a:ext cx="860080" cy="2489705"/>
-          </a:xfrm>
-          <a:prstGeom prst="bentArrow">
-            <a:avLst/>
-          </a:prstGeom>
-        </p:spPr>
-        <p:style>
-          <a:lnRef idx="2">
-            <a:schemeClr val="accent1">
-              <a:shade val="50000"/>
-            </a:schemeClr>
-          </a:lnRef>
-          <a:fillRef idx="1">
-            <a:schemeClr val="accent1"/>
-          </a:fillRef>
-          <a:effectRef idx="0">
-            <a:schemeClr val="accent1"/>
-          </a:effectRef>
-          <a:fontRef idx="minor">
-            <a:schemeClr val="lt1"/>
-          </a:fontRef>
-        </p:style>
-        <p:txBody>
-          <a:bodyPr rtlCol="0" anchor="ctr"/>
-          <a:lstStyle/>
-          <a:p>
-            <a:pPr algn="ctr"/>
-            <a:endParaRPr lang="ru-RU">
-              <a:solidFill>
-                <a:schemeClr val="tx1"/>
-              </a:solidFill>
-            </a:endParaRPr>
-          </a:p>
-        </p:txBody>
-      </p:sp>
-      <p:sp>
-        <p:nvSpPr>
-          <p:cNvPr id="17" name="Стрелка углом 16"/>
-          <p:cNvSpPr/>
-          <p:nvPr/>
-        </p:nvSpPr>
-        <p:spPr>
-          <a:xfrm rot="5400000">
-            <a:off x="7121484" y="3070712"/>
-            <a:ext cx="860079" cy="2401523"/>
-          </a:xfrm>
-          <a:prstGeom prst="bentArrow">
-            <a:avLst/>
-          </a:prstGeom>
-        </p:spPr>
-        <p:style>
-          <a:lnRef idx="2">
-            <a:schemeClr val="accent1">
-              <a:shade val="50000"/>
-            </a:schemeClr>
-          </a:lnRef>
-          <a:fillRef idx="1">
-            <a:schemeClr val="accent1"/>
-          </a:fillRef>
-          <a:effectRef idx="0">
-            <a:schemeClr val="accent1"/>
-          </a:effectRef>
-          <a:fontRef idx="minor">
-            <a:schemeClr val="lt1"/>
-          </a:fontRef>
-        </p:style>
-        <p:txBody>
-          <a:bodyPr rtlCol="0" anchor="ctr"/>
-          <a:lstStyle/>
-          <a:p>
-            <a:pPr algn="ctr"/>
-            <a:endParaRPr lang="ru-RU">
-              <a:solidFill>
-                <a:schemeClr val="tx1"/>
-              </a:solidFill>
-            </a:endParaRPr>
-          </a:p>
-        </p:txBody>
-      </p:sp>
-      <p:sp>
-        <p:nvSpPr>
-          <p:cNvPr id="18" name="Стрелка углом 17"/>
-          <p:cNvSpPr/>
-          <p:nvPr/>
-        </p:nvSpPr>
-        <p:spPr>
-          <a:xfrm rot="5400000" flipV="1">
-            <a:off x="4464856" y="4144273"/>
-            <a:ext cx="860080" cy="2489705"/>
-          </a:xfrm>
-          <a:prstGeom prst="bentArrow">
-            <a:avLst>
-              <a:gd name="adj1" fmla="val 25000"/>
-              <a:gd name="adj2" fmla="val 25000"/>
-              <a:gd name="adj3" fmla="val 25000"/>
-              <a:gd name="adj4" fmla="val 41645"/>
-            </a:avLst>
-          </a:prstGeom>
-        </p:spPr>
-        <p:style>
-          <a:lnRef idx="2">
-            <a:schemeClr val="accent1">
-              <a:shade val="50000"/>
-            </a:schemeClr>
-          </a:lnRef>
-          <a:fillRef idx="1">
-            <a:schemeClr val="accent1"/>
-          </a:fillRef>
-          <a:effectRef idx="0">
-            <a:schemeClr val="accent1"/>
-          </a:effectRef>
-          <a:fontRef idx="minor">
-            <a:schemeClr val="lt1"/>
-          </a:fontRef>
-        </p:style>
-        <p:txBody>
-          <a:bodyPr rtlCol="0" anchor="ctr"/>
-          <a:lstStyle/>
-          <a:p>
-            <a:pPr algn="ctr"/>
-            <a:endParaRPr lang="ru-RU">
-              <a:solidFill>
-                <a:schemeClr val="tx1"/>
-              </a:solidFill>
-            </a:endParaRPr>
           </a:p>
         </p:txBody>
       </p:sp>
     </p:spTree>
     <p:extLst>
       <p:ext uri="{BB962C8B-B14F-4D97-AF65-F5344CB8AC3E}">
-        <p14:creationId xmlns="" xmlns:p14="http://schemas.microsoft.com/office/powerpoint/2010/main" val="1499431874"/>
+        <p14:creationId xmlns:p14="http://schemas.microsoft.com/office/powerpoint/2010/main" xmlns="" val="1499431874"/>
       </p:ext>
     </p:extLst>
   </p:cSld>
@@ -5419,7 +5038,7 @@
           <a:blip r:embed="rId2" cstate="print">
             <a:extLst>
               <a:ext uri="{28A0092B-C50C-407E-A947-70E740481C1C}">
-                <a14:useLocalDpi xmlns="" xmlns:a14="http://schemas.microsoft.com/office/drawing/2010/main" val="0"/>
+                <a14:useLocalDpi xmlns:a14="http://schemas.microsoft.com/office/drawing/2010/main" xmlns="" val="0"/>
               </a:ext>
             </a:extLst>
           </a:blip>
@@ -5446,7 +5065,7 @@
           <p:nvPr>
             <p:extLst>
               <p:ext uri="{D42A27DB-BD31-4B8C-83A1-F6EECF244321}">
-                <p14:modId xmlns="" xmlns:p14="http://schemas.microsoft.com/office/powerpoint/2010/main" val="2171312508"/>
+                <p14:modId xmlns:p14="http://schemas.microsoft.com/office/powerpoint/2010/main" xmlns="" val="2171312508"/>
               </p:ext>
             </p:extLst>
           </p:nvPr>
@@ -5465,14 +5084,14 @@
                 <a:gridCol w="5664247">
                   <a:extLst>
                     <a:ext uri="{9D8B030D-6E8A-4147-A177-3AD203B41FA5}">
-                      <a16:colId xmlns="" xmlns:a16="http://schemas.microsoft.com/office/drawing/2014/main" val="20000"/>
+                      <a16:colId xmlns:a16="http://schemas.microsoft.com/office/drawing/2014/main" xmlns="" val="20000"/>
                     </a:ext>
                   </a:extLst>
                 </a:gridCol>
                 <a:gridCol w="5664247">
                   <a:extLst>
                     <a:ext uri="{9D8B030D-6E8A-4147-A177-3AD203B41FA5}">
-                      <a16:colId xmlns="" xmlns:a16="http://schemas.microsoft.com/office/drawing/2014/main" val="20001"/>
+                      <a16:colId xmlns:a16="http://schemas.microsoft.com/office/drawing/2014/main" xmlns="" val="20001"/>
                     </a:ext>
                   </a:extLst>
                 </a:gridCol>
@@ -5604,7 +5223,7 @@
                 </a:tc>
                 <a:extLst>
                   <a:ext uri="{0D108BD9-81ED-4DB2-BD59-A6C34878D82A}">
-                    <a16:rowId xmlns="" xmlns:a16="http://schemas.microsoft.com/office/drawing/2014/main" val="10000"/>
+                    <a16:rowId xmlns:a16="http://schemas.microsoft.com/office/drawing/2014/main" xmlns="" val="10000"/>
                   </a:ext>
                 </a:extLst>
               </a:tr>
@@ -5735,7 +5354,7 @@
                 </a:tc>
                 <a:extLst>
                   <a:ext uri="{0D108BD9-81ED-4DB2-BD59-A6C34878D82A}">
-                    <a16:rowId xmlns="" xmlns:a16="http://schemas.microsoft.com/office/drawing/2014/main" val="10001"/>
+                    <a16:rowId xmlns:a16="http://schemas.microsoft.com/office/drawing/2014/main" xmlns="" val="10001"/>
                   </a:ext>
                 </a:extLst>
               </a:tr>
@@ -5871,7 +5490,7 @@
                 </a:tc>
                 <a:extLst>
                   <a:ext uri="{0D108BD9-81ED-4DB2-BD59-A6C34878D82A}">
-                    <a16:rowId xmlns="" xmlns:a16="http://schemas.microsoft.com/office/drawing/2014/main" val="10002"/>
+                    <a16:rowId xmlns:a16="http://schemas.microsoft.com/office/drawing/2014/main" xmlns="" val="10002"/>
                   </a:ext>
                 </a:extLst>
               </a:tr>
@@ -5994,7 +5613,7 @@
                 </a:tc>
                 <a:extLst>
                   <a:ext uri="{0D108BD9-81ED-4DB2-BD59-A6C34878D82A}">
-                    <a16:rowId xmlns="" xmlns:a16="http://schemas.microsoft.com/office/drawing/2014/main" val="10003"/>
+                    <a16:rowId xmlns:a16="http://schemas.microsoft.com/office/drawing/2014/main" xmlns="" val="10003"/>
                   </a:ext>
                 </a:extLst>
               </a:tr>
@@ -6121,7 +5740,7 @@
                 </a:tc>
                 <a:extLst>
                   <a:ext uri="{0D108BD9-81ED-4DB2-BD59-A6C34878D82A}">
-                    <a16:rowId xmlns="" xmlns:a16="http://schemas.microsoft.com/office/drawing/2014/main" val="10005"/>
+                    <a16:rowId xmlns:a16="http://schemas.microsoft.com/office/drawing/2014/main" xmlns="" val="10005"/>
                   </a:ext>
                 </a:extLst>
               </a:tr>
@@ -6132,7 +5751,7 @@
     </p:spTree>
     <p:extLst>
       <p:ext uri="{BB962C8B-B14F-4D97-AF65-F5344CB8AC3E}">
-        <p14:creationId xmlns="" xmlns:p14="http://schemas.microsoft.com/office/powerpoint/2010/main" val="690457169"/>
+        <p14:creationId xmlns:p14="http://schemas.microsoft.com/office/powerpoint/2010/main" xmlns="" val="690457169"/>
       </p:ext>
     </p:extLst>
   </p:cSld>
@@ -6187,12 +5806,12 @@
           <a:lstStyle/>
           <a:p>
             <a:r>
-              <a:rPr lang="uk-UA" dirty="0">
+              <a:rPr lang="uk-UA" dirty="0" smtClean="0">
                 <a:solidFill>
                   <a:schemeClr val="bg1"/>
                 </a:solidFill>
               </a:rPr>
-              <a:t>Архітектура системи</a:t>
+              <a:t>Діаграма залежностей типів</a:t>
             </a:r>
             <a:endParaRPr lang="ru-RU" dirty="0">
               <a:solidFill>
@@ -6204,7 +5823,7 @@
       </p:sp>
       <p:pic>
         <p:nvPicPr>
-          <p:cNvPr id="10" name="Рисунок 9" descr="arhitecture.png"/>
+          <p:cNvPr id="6" name="Рисунок 5" descr="Dependencies Graph 4.png"/>
           <p:cNvPicPr>
             <a:picLocks noChangeAspect="1"/>
           </p:cNvPicPr>
@@ -6218,8 +5837,8 @@
         </p:blipFill>
         <p:spPr>
           <a:xfrm>
-            <a:off x="42017" y="1338913"/>
-            <a:ext cx="11895887" cy="5531447"/>
+            <a:off x="0" y="1241296"/>
+            <a:ext cx="12192000" cy="5617552"/>
           </a:xfrm>
           <a:prstGeom prst="rect">
             <a:avLst/>
@@ -6229,7 +5848,7 @@
     </p:spTree>
     <p:extLst>
       <p:ext uri="{BB962C8B-B14F-4D97-AF65-F5344CB8AC3E}">
-        <p14:creationId xmlns="" xmlns:p14="http://schemas.microsoft.com/office/powerpoint/2010/main" val="1093359983"/>
+        <p14:creationId xmlns:p14="http://schemas.microsoft.com/office/powerpoint/2010/main" xmlns="" val="1093359983"/>
       </p:ext>
     </p:extLst>
   </p:cSld>
@@ -6311,7 +5930,7 @@
       </p:sp>
       <p:pic>
         <p:nvPicPr>
-          <p:cNvPr id="4" name="Рисунок 3" descr="use case.png"/>
+          <p:cNvPr id="5" name="Рисунок 4" descr="use case.png"/>
           <p:cNvPicPr>
             <a:picLocks noChangeAspect="1"/>
           </p:cNvPicPr>
@@ -6325,8 +5944,8 @@
         </p:blipFill>
         <p:spPr>
           <a:xfrm>
-            <a:off x="1088709" y="1374987"/>
-            <a:ext cx="9950004" cy="5483013"/>
+            <a:off x="823066" y="1385715"/>
+            <a:ext cx="9727039" cy="5360147"/>
           </a:xfrm>
           <a:prstGeom prst="rect">
             <a:avLst/>
@@ -6336,7 +5955,7 @@
     </p:spTree>
     <p:extLst>
       <p:ext uri="{BB962C8B-B14F-4D97-AF65-F5344CB8AC3E}">
-        <p14:creationId xmlns="" xmlns:p14="http://schemas.microsoft.com/office/powerpoint/2010/main" val="206256187"/>
+        <p14:creationId xmlns:p14="http://schemas.microsoft.com/office/powerpoint/2010/main" xmlns="" val="206256187"/>
       </p:ext>
     </p:extLst>
   </p:cSld>
@@ -6899,7 +6518,7 @@
     </p:spTree>
     <p:extLst>
       <p:ext uri="{BB962C8B-B14F-4D97-AF65-F5344CB8AC3E}">
-        <p14:creationId xmlns="" xmlns:p14="http://schemas.microsoft.com/office/powerpoint/2010/main" val="2223158303"/>
+        <p14:creationId xmlns:p14="http://schemas.microsoft.com/office/powerpoint/2010/main" xmlns="" val="2223158303"/>
       </p:ext>
     </p:extLst>
   </p:cSld>
@@ -7228,7 +6847,7 @@
     </p:spTree>
     <p:extLst>
       <p:ext uri="{BB962C8B-B14F-4D97-AF65-F5344CB8AC3E}">
-        <p14:creationId xmlns="" xmlns:p14="http://schemas.microsoft.com/office/powerpoint/2010/main" val="4052386969"/>
+        <p14:creationId xmlns:p14="http://schemas.microsoft.com/office/powerpoint/2010/main" xmlns="" val="4052386969"/>
       </p:ext>
     </p:extLst>
   </p:cSld>
@@ -7798,7 +7417,7 @@
   <a:extraClrSchemeLst/>
   <a:extLst>
     <a:ext uri="{05A4C25C-085E-4340-85A3-A5531E510DB2}">
-      <thm15:themeFamily xmlns="" xmlns:thm15="http://schemas.microsoft.com/office/thememl/2012/main" name="Office Theme" id="{62F939B6-93AF-4DB8-9C6B-D6C7DFDC589F}" vid="{4A3C46E8-61CC-4603-A589-7422A47A8E4A}"/>
+      <thm15:themeFamily xmlns:thm15="http://schemas.microsoft.com/office/thememl/2012/main" xmlns="" name="Office Theme" id="{62F939B6-93AF-4DB8-9C6B-D6C7DFDC589F}" vid="{4A3C46E8-61CC-4603-A589-7422A47A8E4A}"/>
     </a:ext>
   </a:extLst>
 </a:theme>
@@ -8059,7 +7678,7 @@
   <a:extraClrSchemeLst/>
   <a:extLst>
     <a:ext uri="{05A4C25C-085E-4340-85A3-A5531E510DB2}">
-      <thm15:themeFamily xmlns="" xmlns:thm15="http://schemas.microsoft.com/office/thememl/2012/main" name="Office Theme" id="{62F939B6-93AF-4DB8-9C6B-D6C7DFDC589F}" vid="{4A3C46E8-61CC-4603-A589-7422A47A8E4A}"/>
+      <thm15:themeFamily xmlns:thm15="http://schemas.microsoft.com/office/thememl/2012/main" xmlns="" name="Office Theme" id="{62F939B6-93AF-4DB8-9C6B-D6C7DFDC589F}" vid="{4A3C46E8-61CC-4603-A589-7422A47A8E4A}"/>
     </a:ext>
   </a:extLst>
 </a:theme>
@@ -8320,7 +7939,7 @@
   <a:extraClrSchemeLst/>
   <a:extLst>
     <a:ext uri="{05A4C25C-085E-4340-85A3-A5531E510DB2}">
-      <thm15:themeFamily xmlns="" xmlns:thm15="http://schemas.microsoft.com/office/thememl/2012/main" name="Office Theme" id="{62F939B6-93AF-4DB8-9C6B-D6C7DFDC589F}" vid="{4A3C46E8-61CC-4603-A589-7422A47A8E4A}"/>
+      <thm15:themeFamily xmlns:thm15="http://schemas.microsoft.com/office/thememl/2012/main" xmlns="" name="Office Theme" id="{62F939B6-93AF-4DB8-9C6B-D6C7DFDC589F}" vid="{4A3C46E8-61CC-4603-A589-7422A47A8E4A}"/>
     </a:ext>
   </a:extLst>
 </a:theme>

--- a/Система AB тестування.pptx
+++ b/Система AB тестування.pptx
@@ -5,10 +5,10 @@
     <p:sldMasterId id="2147483743" r:id="rId2"/>
   </p:sldMasterIdLst>
   <p:notesMasterIdLst>
-    <p:notesMasterId r:id="rId14"/>
+    <p:notesMasterId r:id="rId15"/>
   </p:notesMasterIdLst>
   <p:handoutMasterIdLst>
-    <p:handoutMasterId r:id="rId15"/>
+    <p:handoutMasterId r:id="rId16"/>
   </p:handoutMasterIdLst>
   <p:sldIdLst>
     <p:sldId id="256" r:id="rId3"/>
@@ -17,11 +17,12 @@
     <p:sldId id="271" r:id="rId6"/>
     <p:sldId id="283" r:id="rId7"/>
     <p:sldId id="281" r:id="rId8"/>
-    <p:sldId id="279" r:id="rId9"/>
-    <p:sldId id="285" r:id="rId10"/>
-    <p:sldId id="287" r:id="rId11"/>
-    <p:sldId id="267" r:id="rId12"/>
-    <p:sldId id="286" r:id="rId13"/>
+    <p:sldId id="288" r:id="rId9"/>
+    <p:sldId id="279" r:id="rId10"/>
+    <p:sldId id="285" r:id="rId11"/>
+    <p:sldId id="287" r:id="rId12"/>
+    <p:sldId id="267" r:id="rId13"/>
+    <p:sldId id="286" r:id="rId14"/>
   </p:sldIdLst>
   <p:sldSz cx="12192000" cy="6858000"/>
   <p:notesSz cx="6858000" cy="9144000"/>
@@ -122,7 +123,7 @@
   </p:defaultTextStyle>
   <p:extLst>
     <p:ext uri="{521415D9-36F7-43E2-AB2F-B90AF26B5E84}">
-      <p14:sectionLst xmlns:p14="http://schemas.microsoft.com/office/powerpoint/2010/main" xmlns="">
+      <p14:sectionLst xmlns="" xmlns:p14="http://schemas.microsoft.com/office/powerpoint/2010/main">
         <p14:section name="Добро пожаловать!" id="{E75E278A-FF0E-49A4-B170-79828D63BBAD}">
           <p14:sldIdLst>
             <p14:sldId id="256"/>
@@ -149,7 +150,7 @@
       </p14:sectionLst>
     </p:ext>
     <p:ext uri="{EFAFB233-063F-42B5-8137-9DF3F51BA10A}">
-      <p15:sldGuideLst xmlns:p15="http://schemas.microsoft.com/office/powerpoint/2012/main" xmlns="">
+      <p15:sldGuideLst xmlns="" xmlns:p15="http://schemas.microsoft.com/office/powerpoint/2012/main">
         <p15:guide id="1" orient="horz" pos="2160" userDrawn="1">
           <p15:clr>
             <a:srgbClr val="A4A3A4"/>
@@ -163,7 +164,7 @@
       </p15:sldGuideLst>
     </p:ext>
     <p:ext uri="{2D200454-40CA-4A62-9FC3-DE9A4176ACB9}">
-      <p15:notesGuideLst xmlns:p15="http://schemas.microsoft.com/office/powerpoint/2012/main" xmlns=""/>
+      <p15:notesGuideLst xmlns="" xmlns:p15="http://schemas.microsoft.com/office/powerpoint/2012/main"/>
     </p:ext>
   </p:extLst>
 </p:presentation>
@@ -258,7 +259,7 @@
             <a:fld id="{4A48B867-C0E9-4677-A1E6-26A91062B287}" type="datetimeFigureOut">
               <a:rPr lang="ru-RU" smtClean="0"/>
               <a:pPr/>
-              <a:t>05.12.2017</a:t>
+              <a:t>06.12.2017</a:t>
             </a:fld>
             <a:endParaRPr lang="ru-RU" dirty="0"/>
           </a:p>
@@ -334,7 +335,7 @@
     </p:spTree>
     <p:extLst>
       <p:ext uri="{BB962C8B-B14F-4D97-AF65-F5344CB8AC3E}">
-        <p14:creationId xmlns:p14="http://schemas.microsoft.com/office/powerpoint/2010/main" xmlns="" val="2588760190"/>
+        <p14:creationId xmlns="" xmlns:p14="http://schemas.microsoft.com/office/powerpoint/2010/main" val="2588760190"/>
       </p:ext>
     </p:extLst>
   </p:cSld>
@@ -425,7 +426,7 @@
             <a:fld id="{EC13577B-6902-467D-A26C-08A0DD5E4E03}" type="datetimeFigureOut">
               <a:rPr lang="ru-RU" smtClean="0"/>
               <a:pPr/>
-              <a:t>05.12.2017</a:t>
+              <a:t>06.12.2017</a:t>
             </a:fld>
             <a:endParaRPr lang="ru-RU" dirty="0"/>
           </a:p>
@@ -593,7 +594,7 @@
     </p:spTree>
     <p:extLst>
       <p:ext uri="{BB962C8B-B14F-4D97-AF65-F5344CB8AC3E}">
-        <p14:creationId xmlns:p14="http://schemas.microsoft.com/office/powerpoint/2010/main" xmlns="" val="3381910297"/>
+        <p14:creationId xmlns="" xmlns:p14="http://schemas.microsoft.com/office/powerpoint/2010/main" val="3381910297"/>
       </p:ext>
     </p:extLst>
   </p:cSld>
@@ -786,7 +787,7 @@
     </p:spTree>
     <p:extLst>
       <p:ext uri="{BB962C8B-B14F-4D97-AF65-F5344CB8AC3E}">
-        <p14:creationId xmlns:p14="http://schemas.microsoft.com/office/powerpoint/2010/main" xmlns="" val="1011769815"/>
+        <p14:creationId xmlns="" xmlns:p14="http://schemas.microsoft.com/office/powerpoint/2010/main" val="1011769815"/>
       </p:ext>
     </p:extLst>
   </p:cSld>
@@ -926,7 +927,7 @@
             <a:fld id="{8BEEBAAA-29B5-4AF5-BC5F-7E580C29002D}" type="datetimeFigureOut">
               <a:rPr lang="ru-RU" smtClean="0"/>
               <a:pPr/>
-              <a:t>05.12.2017</a:t>
+              <a:t>06.12.2017</a:t>
             </a:fld>
             <a:endParaRPr lang="ru-RU" dirty="0"/>
           </a:p>
@@ -1024,7 +1025,7 @@
     </p:spTree>
     <p:extLst>
       <p:ext uri="{BB962C8B-B14F-4D97-AF65-F5344CB8AC3E}">
-        <p14:creationId xmlns:p14="http://schemas.microsoft.com/office/powerpoint/2010/main" xmlns="" val="388772796"/>
+        <p14:creationId xmlns="" xmlns:p14="http://schemas.microsoft.com/office/powerpoint/2010/main" val="388772796"/>
       </p:ext>
     </p:extLst>
   </p:cSld>
@@ -1142,7 +1143,7 @@
             <a:fld id="{8BEEBAAA-29B5-4AF5-BC5F-7E580C29002D}" type="datetimeFigureOut">
               <a:rPr lang="ru-RU" smtClean="0"/>
               <a:pPr/>
-              <a:t>05.12.2017</a:t>
+              <a:t>06.12.2017</a:t>
             </a:fld>
             <a:endParaRPr lang="ru-RU" dirty="0"/>
           </a:p>
@@ -1240,7 +1241,7 @@
     </p:spTree>
     <p:extLst>
       <p:ext uri="{BB962C8B-B14F-4D97-AF65-F5344CB8AC3E}">
-        <p14:creationId xmlns:p14="http://schemas.microsoft.com/office/powerpoint/2010/main" xmlns="" val="2323281805"/>
+        <p14:creationId xmlns="" xmlns:p14="http://schemas.microsoft.com/office/powerpoint/2010/main" val="2323281805"/>
       </p:ext>
     </p:extLst>
   </p:cSld>
@@ -1368,7 +1369,7 @@
             <a:fld id="{8BEEBAAA-29B5-4AF5-BC5F-7E580C29002D}" type="datetimeFigureOut">
               <a:rPr lang="ru-RU" smtClean="0"/>
               <a:pPr/>
-              <a:t>05.12.2017</a:t>
+              <a:t>06.12.2017</a:t>
             </a:fld>
             <a:endParaRPr lang="ru-RU" dirty="0"/>
           </a:p>
@@ -1466,7 +1467,7 @@
     </p:spTree>
     <p:extLst>
       <p:ext uri="{BB962C8B-B14F-4D97-AF65-F5344CB8AC3E}">
-        <p14:creationId xmlns:p14="http://schemas.microsoft.com/office/powerpoint/2010/main" xmlns="" val="1762298306"/>
+        <p14:creationId xmlns="" xmlns:p14="http://schemas.microsoft.com/office/powerpoint/2010/main" val="1762298306"/>
       </p:ext>
     </p:extLst>
   </p:cSld>
@@ -1584,7 +1585,7 @@
             <a:fld id="{8BEEBAAA-29B5-4AF5-BC5F-7E580C29002D}" type="datetimeFigureOut">
               <a:rPr lang="ru-RU" smtClean="0"/>
               <a:pPr/>
-              <a:t>05.12.2017</a:t>
+              <a:t>06.12.2017</a:t>
             </a:fld>
             <a:endParaRPr lang="ru-RU" dirty="0"/>
           </a:p>
@@ -1682,7 +1683,7 @@
     </p:spTree>
     <p:extLst>
       <p:ext uri="{BB962C8B-B14F-4D97-AF65-F5344CB8AC3E}">
-        <p14:creationId xmlns:p14="http://schemas.microsoft.com/office/powerpoint/2010/main" xmlns="" val="1419191672"/>
+        <p14:creationId xmlns="" xmlns:p14="http://schemas.microsoft.com/office/powerpoint/2010/main" val="1419191672"/>
       </p:ext>
     </p:extLst>
   </p:cSld>
@@ -1877,7 +1878,7 @@
             <a:fld id="{8BEEBAAA-29B5-4AF5-BC5F-7E580C29002D}" type="datetimeFigureOut">
               <a:rPr lang="ru-RU" smtClean="0"/>
               <a:pPr/>
-              <a:t>05.12.2017</a:t>
+              <a:t>06.12.2017</a:t>
             </a:fld>
             <a:endParaRPr lang="ru-RU" dirty="0"/>
           </a:p>
@@ -1975,7 +1976,7 @@
     </p:spTree>
     <p:extLst>
       <p:ext uri="{BB962C8B-B14F-4D97-AF65-F5344CB8AC3E}">
-        <p14:creationId xmlns:p14="http://schemas.microsoft.com/office/powerpoint/2010/main" xmlns="" val="826578174"/>
+        <p14:creationId xmlns="" xmlns:p14="http://schemas.microsoft.com/office/powerpoint/2010/main" val="826578174"/>
       </p:ext>
     </p:extLst>
   </p:cSld>
@@ -2154,7 +2155,7 @@
             <a:fld id="{8BEEBAAA-29B5-4AF5-BC5F-7E580C29002D}" type="datetimeFigureOut">
               <a:rPr lang="ru-RU" smtClean="0"/>
               <a:pPr/>
-              <a:t>05.12.2017</a:t>
+              <a:t>06.12.2017</a:t>
             </a:fld>
             <a:endParaRPr lang="ru-RU" dirty="0"/>
           </a:p>
@@ -2252,7 +2253,7 @@
     </p:spTree>
     <p:extLst>
       <p:ext uri="{BB962C8B-B14F-4D97-AF65-F5344CB8AC3E}">
-        <p14:creationId xmlns:p14="http://schemas.microsoft.com/office/powerpoint/2010/main" xmlns="" val="708682369"/>
+        <p14:creationId xmlns="" xmlns:p14="http://schemas.microsoft.com/office/powerpoint/2010/main" val="708682369"/>
       </p:ext>
     </p:extLst>
   </p:cSld>
@@ -2566,7 +2567,7 @@
             <a:fld id="{8BEEBAAA-29B5-4AF5-BC5F-7E580C29002D}" type="datetimeFigureOut">
               <a:rPr lang="ru-RU" smtClean="0"/>
               <a:pPr/>
-              <a:t>05.12.2017</a:t>
+              <a:t>06.12.2017</a:t>
             </a:fld>
             <a:endParaRPr lang="ru-RU" dirty="0"/>
           </a:p>
@@ -2664,7 +2665,7 @@
     </p:spTree>
     <p:extLst>
       <p:ext uri="{BB962C8B-B14F-4D97-AF65-F5344CB8AC3E}">
-        <p14:creationId xmlns:p14="http://schemas.microsoft.com/office/powerpoint/2010/main" xmlns="" val="1054969621"/>
+        <p14:creationId xmlns="" xmlns:p14="http://schemas.microsoft.com/office/powerpoint/2010/main" val="1054969621"/>
       </p:ext>
     </p:extLst>
   </p:cSld>
@@ -2731,7 +2732,7 @@
             <a:fld id="{8BEEBAAA-29B5-4AF5-BC5F-7E580C29002D}" type="datetimeFigureOut">
               <a:rPr lang="ru-RU" smtClean="0"/>
               <a:pPr/>
-              <a:t>05.12.2017</a:t>
+              <a:t>06.12.2017</a:t>
             </a:fld>
             <a:endParaRPr lang="ru-RU" dirty="0"/>
           </a:p>
@@ -2829,7 +2830,7 @@
     </p:spTree>
     <p:extLst>
       <p:ext uri="{BB962C8B-B14F-4D97-AF65-F5344CB8AC3E}">
-        <p14:creationId xmlns:p14="http://schemas.microsoft.com/office/powerpoint/2010/main" xmlns="" val="1001349013"/>
+        <p14:creationId xmlns="" xmlns:p14="http://schemas.microsoft.com/office/powerpoint/2010/main" val="1001349013"/>
       </p:ext>
     </p:extLst>
   </p:cSld>
@@ -2874,7 +2875,7 @@
             <a:fld id="{8BEEBAAA-29B5-4AF5-BC5F-7E580C29002D}" type="datetimeFigureOut">
               <a:rPr lang="ru-RU" smtClean="0"/>
               <a:pPr/>
-              <a:t>05.12.2017</a:t>
+              <a:t>06.12.2017</a:t>
             </a:fld>
             <a:endParaRPr lang="ru-RU" dirty="0"/>
           </a:p>
@@ -2926,7 +2927,7 @@
     </p:spTree>
     <p:extLst>
       <p:ext uri="{BB962C8B-B14F-4D97-AF65-F5344CB8AC3E}">
-        <p14:creationId xmlns:p14="http://schemas.microsoft.com/office/powerpoint/2010/main" xmlns="" val="1995261504"/>
+        <p14:creationId xmlns="" xmlns:p14="http://schemas.microsoft.com/office/powerpoint/2010/main" val="1995261504"/>
       </p:ext>
     </p:extLst>
   </p:cSld>
@@ -3151,7 +3152,7 @@
             <a:fld id="{8BEEBAAA-29B5-4AF5-BC5F-7E580C29002D}" type="datetimeFigureOut">
               <a:rPr lang="ru-RU" smtClean="0"/>
               <a:pPr/>
-              <a:t>05.12.2017</a:t>
+              <a:t>06.12.2017</a:t>
             </a:fld>
             <a:endParaRPr lang="ru-RU" dirty="0"/>
           </a:p>
@@ -3203,7 +3204,7 @@
     </p:spTree>
     <p:extLst>
       <p:ext uri="{BB962C8B-B14F-4D97-AF65-F5344CB8AC3E}">
-        <p14:creationId xmlns:p14="http://schemas.microsoft.com/office/powerpoint/2010/main" xmlns="" val="3090150606"/>
+        <p14:creationId xmlns="" xmlns:p14="http://schemas.microsoft.com/office/powerpoint/2010/main" val="3090150606"/>
       </p:ext>
     </p:extLst>
   </p:cSld>
@@ -3405,7 +3406,7 @@
             <a:fld id="{8BEEBAAA-29B5-4AF5-BC5F-7E580C29002D}" type="datetimeFigureOut">
               <a:rPr lang="ru-RU" smtClean="0"/>
               <a:pPr/>
-              <a:t>05.12.2017</a:t>
+              <a:t>06.12.2017</a:t>
             </a:fld>
             <a:endParaRPr lang="ru-RU" dirty="0"/>
           </a:p>
@@ -3457,7 +3458,7 @@
     </p:spTree>
     <p:extLst>
       <p:ext uri="{BB962C8B-B14F-4D97-AF65-F5344CB8AC3E}">
-        <p14:creationId xmlns:p14="http://schemas.microsoft.com/office/powerpoint/2010/main" xmlns="" val="1094681039"/>
+        <p14:creationId xmlns="" xmlns:p14="http://schemas.microsoft.com/office/powerpoint/2010/main" val="1094681039"/>
       </p:ext>
     </p:extLst>
   </p:cSld>
@@ -3618,7 +3619,7 @@
             <a:fld id="{8BEEBAAA-29B5-4AF5-BC5F-7E580C29002D}" type="datetimeFigureOut">
               <a:rPr lang="ru-RU" smtClean="0"/>
               <a:pPr/>
-              <a:t>05.12.2017</a:t>
+              <a:t>06.12.2017</a:t>
             </a:fld>
             <a:endParaRPr lang="ru-RU" dirty="0"/>
           </a:p>
@@ -3706,7 +3707,7 @@
     </p:spTree>
     <p:extLst>
       <p:ext uri="{BB962C8B-B14F-4D97-AF65-F5344CB8AC3E}">
-        <p14:creationId xmlns:p14="http://schemas.microsoft.com/office/powerpoint/2010/main" xmlns="" val="2113765195"/>
+        <p14:creationId xmlns="" xmlns:p14="http://schemas.microsoft.com/office/powerpoint/2010/main" val="2113765195"/>
       </p:ext>
     </p:extLst>
   </p:cSld>
@@ -4036,7 +4037,7 @@
         </p:nvSpPr>
         <p:spPr>
           <a:xfrm>
-            <a:off x="99589" y="801848"/>
+            <a:off x="99589" y="801856"/>
             <a:ext cx="11027120" cy="4023649"/>
           </a:xfrm>
         </p:spPr>
@@ -4096,7 +4097,7 @@
         </p:nvSpPr>
         <p:spPr>
           <a:xfrm>
-            <a:off x="5774724" y="5270000"/>
+            <a:off x="5774725" y="5270008"/>
             <a:ext cx="6137643" cy="1137793"/>
           </a:xfrm>
         </p:spPr>
@@ -4197,7 +4198,7 @@
     </p:spTree>
     <p:extLst>
       <p:ext uri="{BB962C8B-B14F-4D97-AF65-F5344CB8AC3E}">
-        <p14:creationId xmlns:p14="http://schemas.microsoft.com/office/powerpoint/2010/main" xmlns="" val="2471807738"/>
+        <p14:creationId xmlns="" xmlns:p14="http://schemas.microsoft.com/office/powerpoint/2010/main" val="2471807738"/>
       </p:ext>
     </p:extLst>
   </p:cSld>
@@ -4233,7 +4234,7 @@
       </p:grpSpPr>
       <p:sp>
         <p:nvSpPr>
-          <p:cNvPr id="2" name="Заголовок 1"/>
+          <p:cNvPr id="5" name="Заголовок 1"/>
           <p:cNvSpPr>
             <a:spLocks noGrp="1"/>
           </p:cNvSpPr>
@@ -4243,139 +4244,227 @@
         </p:nvSpPr>
         <p:spPr>
           <a:xfrm>
-            <a:off x="671932" y="325390"/>
-            <a:ext cx="9613861" cy="1080938"/>
+            <a:off x="128633" y="0"/>
+            <a:ext cx="11249025" cy="1400530"/>
           </a:xfrm>
         </p:spPr>
         <p:txBody>
           <a:bodyPr/>
           <a:lstStyle/>
           <a:p>
-            <a:pPr>
-              <a:spcBef>
-                <a:spcPts val="0"/>
-              </a:spcBef>
-            </a:pPr>
-            <a:r>
-              <a:rPr lang="uk-UA" b="0" i="0" dirty="0">
+            <a:r>
+              <a:rPr lang="uk-UA" dirty="0" smtClean="0">
                 <a:solidFill>
                   <a:schemeClr val="bg1"/>
                 </a:solidFill>
-                <a:latin typeface="Century Gothic" panose="020B0502020202020204" pitchFamily="34" charset="0"/>
               </a:rPr>
-              <a:t>Висновки</a:t>
-            </a:r>
-            <a:endParaRPr lang="ru-RU" b="0" i="0" dirty="0">
+              <a:t>Перегляд результатів</a:t>
+            </a:r>
+            <a:endParaRPr lang="uk-UA" dirty="0">
               <a:solidFill>
                 <a:schemeClr val="bg1"/>
               </a:solidFill>
-              <a:latin typeface="Century Gothic" panose="020B0502020202020204" pitchFamily="34" charset="0"/>
             </a:endParaRPr>
           </a:p>
         </p:txBody>
       </p:sp>
-      <p:sp>
-        <p:nvSpPr>
-          <p:cNvPr id="3" name="Прямоугольник 2"/>
-          <p:cNvSpPr/>
+      <p:pic>
+        <p:nvPicPr>
+          <p:cNvPr id="3075" name="Picture 3"/>
+          <p:cNvPicPr>
+            <a:picLocks noChangeAspect="1" noChangeArrowheads="1"/>
+          </p:cNvPicPr>
           <p:nvPr/>
-        </p:nvSpPr>
-        <p:spPr>
-          <a:xfrm>
-            <a:off x="537321" y="1699121"/>
-            <a:ext cx="10749368" cy="2431435"/>
+        </p:nvPicPr>
+        <p:blipFill>
+          <a:blip r:embed="rId2" cstate="print"/>
+          <a:srcRect/>
+          <a:stretch>
+            <a:fillRect/>
+          </a:stretch>
+        </p:blipFill>
+        <p:spPr bwMode="auto">
+          <a:xfrm>
+            <a:off x="7489102" y="1959575"/>
+            <a:ext cx="3095625" cy="2362200"/>
           </a:xfrm>
           <a:prstGeom prst="rect">
             <a:avLst/>
           </a:prstGeom>
-        </p:spPr>
-        <p:txBody>
-          <a:bodyPr wrap="square">
+          <a:noFill/>
+          <a:ln w="9525">
+            <a:noFill/>
+            <a:miter lim="800000"/>
+            <a:headEnd/>
+            <a:tailEnd/>
+          </a:ln>
+        </p:spPr>
+      </p:pic>
+      <p:pic>
+        <p:nvPicPr>
+          <p:cNvPr id="3077" name="Picture 5"/>
+          <p:cNvPicPr>
+            <a:picLocks noChangeAspect="1" noChangeArrowheads="1"/>
+          </p:cNvPicPr>
+          <p:nvPr/>
+        </p:nvPicPr>
+        <p:blipFill>
+          <a:blip r:embed="rId3" cstate="print"/>
+          <a:srcRect/>
+          <a:stretch>
+            <a:fillRect/>
+          </a:stretch>
+        </p:blipFill>
+        <p:spPr bwMode="auto">
+          <a:xfrm>
+            <a:off x="1267341" y="1903197"/>
+            <a:ext cx="3067051" cy="2343150"/>
+          </a:xfrm>
+          <a:prstGeom prst="rect">
+            <a:avLst/>
+          </a:prstGeom>
+          <a:noFill/>
+          <a:ln w="9525">
+            <a:noFill/>
+            <a:miter lim="800000"/>
+            <a:headEnd/>
+            <a:tailEnd/>
+          </a:ln>
+        </p:spPr>
+      </p:pic>
+      <p:sp>
+        <p:nvSpPr>
+          <p:cNvPr id="10" name="TextBox 9"/>
+          <p:cNvSpPr txBox="1"/>
+          <p:nvPr/>
+        </p:nvSpPr>
+        <p:spPr>
+          <a:xfrm>
+            <a:off x="1276870" y="1425145"/>
+            <a:ext cx="3023287" cy="369332"/>
+          </a:xfrm>
+          <a:prstGeom prst="rect">
+            <a:avLst/>
+          </a:prstGeom>
+          <a:noFill/>
+        </p:spPr>
+        <p:txBody>
+          <a:bodyPr wrap="square" rtlCol="0">
             <a:spAutoFit/>
           </a:bodyPr>
           <a:lstStyle/>
           <a:p>
-            <a:pPr marL="342900" indent="-342900">
-              <a:spcBef>
-                <a:spcPts val="2400"/>
-              </a:spcBef>
-              <a:spcAft>
-                <a:spcPts val="2400"/>
-              </a:spcAft>
-              <a:buFont typeface="Wingdings" panose="05000000000000000000" pitchFamily="2" charset="2"/>
-              <a:buChar char="ü"/>
-            </a:pPr>
-            <a:r>
-              <a:rPr lang="uk-UA" dirty="0"/>
-              <a:t>Було розроблено систему </a:t>
+            <a:pPr algn="ctr"/>
+            <a:r>
+              <a:rPr lang="uk-UA" dirty="0" smtClean="0"/>
+              <a:t>Елемент</a:t>
             </a:r>
             <a:r>
               <a:rPr lang="en-US" dirty="0" smtClean="0"/>
-              <a:t>A/B </a:t>
-            </a:r>
+              <a:t> A</a:t>
+            </a:r>
+            <a:endParaRPr lang="ru-RU" dirty="0"/>
+          </a:p>
+        </p:txBody>
+      </p:sp>
+      <p:sp>
+        <p:nvSpPr>
+          <p:cNvPr id="11" name="TextBox 10"/>
+          <p:cNvSpPr txBox="1"/>
+          <p:nvPr/>
+        </p:nvSpPr>
+        <p:spPr>
+          <a:xfrm>
+            <a:off x="7525270" y="1462215"/>
+            <a:ext cx="3023287" cy="369332"/>
+          </a:xfrm>
+          <a:prstGeom prst="rect">
+            <a:avLst/>
+          </a:prstGeom>
+          <a:noFill/>
+        </p:spPr>
+        <p:txBody>
+          <a:bodyPr wrap="square" rtlCol="0">
+            <a:spAutoFit/>
+          </a:bodyPr>
+          <a:lstStyle/>
+          <a:p>
+            <a:pPr algn="ctr"/>
             <a:r>
               <a:rPr lang="uk-UA" dirty="0" smtClean="0"/>
-              <a:t>тестування, </a:t>
-            </a:r>
-            <a:r>
-              <a:rPr lang="uk-UA" dirty="0"/>
-              <a:t>яка включає ряд стадій та операцій, які дозволять </a:t>
-            </a:r>
+              <a:t>Елемент</a:t>
+            </a:r>
+            <a:r>
+              <a:rPr lang="en-US" dirty="0" smtClean="0"/>
+              <a:t> B</a:t>
+            </a:r>
+            <a:endParaRPr lang="ru-RU" dirty="0"/>
+          </a:p>
+        </p:txBody>
+      </p:sp>
+      <p:pic>
+        <p:nvPicPr>
+          <p:cNvPr id="3078" name="Picture 6"/>
+          <p:cNvPicPr>
+            <a:picLocks noChangeAspect="1" noChangeArrowheads="1"/>
+          </p:cNvPicPr>
+          <p:nvPr/>
+        </p:nvPicPr>
+        <p:blipFill>
+          <a:blip r:embed="rId4" cstate="print"/>
+          <a:srcRect/>
+          <a:stretch>
+            <a:fillRect/>
+          </a:stretch>
+        </p:blipFill>
+        <p:spPr bwMode="auto">
+          <a:xfrm>
+            <a:off x="950237" y="5372100"/>
+            <a:ext cx="9818678" cy="1022779"/>
+          </a:xfrm>
+          <a:prstGeom prst="rect">
+            <a:avLst/>
+          </a:prstGeom>
+          <a:noFill/>
+          <a:ln w="9525">
+            <a:noFill/>
+            <a:miter lim="800000"/>
+            <a:headEnd/>
+            <a:tailEnd/>
+          </a:ln>
+        </p:spPr>
+      </p:pic>
+      <p:sp>
+        <p:nvSpPr>
+          <p:cNvPr id="13" name="TextBox 12"/>
+          <p:cNvSpPr txBox="1"/>
+          <p:nvPr/>
+        </p:nvSpPr>
+        <p:spPr>
+          <a:xfrm>
+            <a:off x="4822227" y="4875513"/>
+            <a:ext cx="2338269" cy="369332"/>
+          </a:xfrm>
+          <a:prstGeom prst="rect">
+            <a:avLst/>
+          </a:prstGeom>
+          <a:noFill/>
+        </p:spPr>
+        <p:txBody>
+          <a:bodyPr wrap="none" rtlCol="0">
+            <a:spAutoFit/>
+          </a:bodyPr>
+          <a:lstStyle/>
+          <a:p>
             <a:r>
               <a:rPr lang="uk-UA" dirty="0" smtClean="0"/>
-              <a:t>визначити найпривабливіший вигляд сторінки для відвідувачів сайту.</a:t>
-            </a:r>
-          </a:p>
-          <a:p>
-            <a:pPr marL="342900" indent="-342900">
-              <a:spcBef>
-                <a:spcPts val="2400"/>
-              </a:spcBef>
-              <a:spcAft>
-                <a:spcPts val="2400"/>
-              </a:spcAft>
-              <a:buFont typeface="Wingdings" panose="05000000000000000000" pitchFamily="2" charset="2"/>
-              <a:buChar char="ü"/>
-            </a:pPr>
-            <a:r>
-              <a:rPr lang="uk-UA" dirty="0" smtClean="0"/>
-              <a:t>Розглянуто архітектури  та технології, та обґрунтовано використання обраної для реалізації системи.</a:t>
-            </a:r>
-            <a:endParaRPr lang="uk-UA" dirty="0"/>
-          </a:p>
-          <a:p>
-            <a:pPr marL="342900" indent="-342900">
-              <a:spcBef>
-                <a:spcPts val="2400"/>
-              </a:spcBef>
-              <a:spcAft>
-                <a:spcPts val="2400"/>
-              </a:spcAft>
-              <a:buFont typeface="Wingdings" panose="05000000000000000000" pitchFamily="2" charset="2"/>
-              <a:buChar char="ü"/>
-            </a:pPr>
-            <a:r>
-              <a:rPr lang="uk-UA" dirty="0" smtClean="0"/>
-              <a:t>РЕАЛІЗОВАНО сценарій роботи системи </a:t>
-            </a:r>
-            <a:r>
-              <a:rPr lang="en-US" dirty="0" smtClean="0"/>
-              <a:t>A/B </a:t>
-            </a:r>
-            <a:r>
-              <a:rPr lang="uk-UA" dirty="0" smtClean="0"/>
-              <a:t>тестування.</a:t>
-            </a:r>
-            <a:endParaRPr lang="uk-UA" dirty="0"/>
+              <a:t>Таблиця результатів</a:t>
+            </a:r>
+            <a:endParaRPr lang="ru-RU" dirty="0"/>
           </a:p>
         </p:txBody>
       </p:sp>
     </p:spTree>
-    <p:extLst>
-      <p:ext uri="{BB962C8B-B14F-4D97-AF65-F5344CB8AC3E}">
-        <p14:creationId xmlns:p14="http://schemas.microsoft.com/office/powerpoint/2010/main" xmlns="" val="1278517873"/>
-      </p:ext>
-    </p:extLst>
   </p:cSld>
   <p:clrMapOvr>
     <a:masterClrMapping/>
@@ -4409,6 +4498,252 @@
       </p:grpSpPr>
       <p:sp>
         <p:nvSpPr>
+          <p:cNvPr id="2" name="Заголовок 1"/>
+          <p:cNvSpPr>
+            <a:spLocks noGrp="1"/>
+          </p:cNvSpPr>
+          <p:nvPr>
+            <p:ph type="title"/>
+          </p:nvPr>
+        </p:nvSpPr>
+        <p:spPr>
+          <a:xfrm>
+            <a:off x="671932" y="325390"/>
+            <a:ext cx="9613861" cy="1080938"/>
+          </a:xfrm>
+        </p:spPr>
+        <p:txBody>
+          <a:bodyPr/>
+          <a:lstStyle/>
+          <a:p>
+            <a:pPr>
+              <a:spcBef>
+                <a:spcPts val="0"/>
+              </a:spcBef>
+            </a:pPr>
+            <a:r>
+              <a:rPr lang="uk-UA" b="0" i="0" dirty="0">
+                <a:solidFill>
+                  <a:schemeClr val="bg1"/>
+                </a:solidFill>
+                <a:latin typeface="Century Gothic" panose="020B0502020202020204" pitchFamily="34" charset="0"/>
+              </a:rPr>
+              <a:t>Висновки</a:t>
+            </a:r>
+            <a:endParaRPr lang="ru-RU" b="0" i="0" dirty="0">
+              <a:solidFill>
+                <a:schemeClr val="bg1"/>
+              </a:solidFill>
+              <a:latin typeface="Century Gothic" panose="020B0502020202020204" pitchFamily="34" charset="0"/>
+            </a:endParaRPr>
+          </a:p>
+        </p:txBody>
+      </p:sp>
+      <p:sp>
+        <p:nvSpPr>
+          <p:cNvPr id="3" name="Прямоугольник 2"/>
+          <p:cNvSpPr/>
+          <p:nvPr/>
+        </p:nvSpPr>
+        <p:spPr>
+          <a:xfrm>
+            <a:off x="537321" y="1699128"/>
+            <a:ext cx="10749368" cy="4199611"/>
+          </a:xfrm>
+          <a:prstGeom prst="rect">
+            <a:avLst/>
+          </a:prstGeom>
+        </p:spPr>
+        <p:txBody>
+          <a:bodyPr wrap="square">
+            <a:spAutoFit/>
+          </a:bodyPr>
+          <a:lstStyle/>
+          <a:p>
+            <a:pPr marL="342900" indent="-342900">
+              <a:lnSpc>
+                <a:spcPct val="150000"/>
+              </a:lnSpc>
+              <a:spcBef>
+                <a:spcPts val="2400"/>
+              </a:spcBef>
+              <a:buFont typeface="Wingdings" panose="05000000000000000000" pitchFamily="2" charset="2"/>
+              <a:buChar char="ü"/>
+            </a:pPr>
+            <a:r>
+              <a:rPr lang="uk-UA" sz="2000" dirty="0"/>
+              <a:t>Було розроблено систему </a:t>
+            </a:r>
+            <a:r>
+              <a:rPr lang="en-US" sz="2000" dirty="0" smtClean="0"/>
+              <a:t>A/B </a:t>
+            </a:r>
+            <a:r>
+              <a:rPr lang="uk-UA" sz="2000" dirty="0" smtClean="0"/>
+              <a:t>тестування, </a:t>
+            </a:r>
+            <a:r>
+              <a:rPr lang="uk-UA" sz="2000" dirty="0"/>
+              <a:t>яка включає ряд стадій та операцій, які дозволять </a:t>
+            </a:r>
+            <a:r>
+              <a:rPr lang="uk-UA" sz="2000" dirty="0" smtClean="0"/>
+              <a:t>визначити найпривабливіший вигляд сторінки для </a:t>
+            </a:r>
+            <a:r>
+              <a:rPr lang="uk-UA" sz="2000" dirty="0" smtClean="0"/>
+              <a:t>відвідувачів</a:t>
+            </a:r>
+            <a:r>
+              <a:rPr lang="uk-UA" sz="2000" dirty="0" smtClean="0"/>
+              <a:t> </a:t>
+            </a:r>
+            <a:r>
+              <a:rPr lang="uk-UA" sz="2000" dirty="0" smtClean="0"/>
+              <a:t>сайту</a:t>
+            </a:r>
+            <a:endParaRPr lang="en-US" sz="2000" dirty="0" smtClean="0"/>
+          </a:p>
+          <a:p>
+            <a:pPr marL="342900" indent="-342900">
+              <a:lnSpc>
+                <a:spcPct val="150000"/>
+              </a:lnSpc>
+              <a:spcBef>
+                <a:spcPts val="2400"/>
+              </a:spcBef>
+              <a:buFont typeface="Wingdings" panose="05000000000000000000" pitchFamily="2" charset="2"/>
+              <a:buChar char="ü"/>
+            </a:pPr>
+            <a:r>
+              <a:rPr lang="uk-UA" sz="2000" dirty="0" smtClean="0"/>
+              <a:t>Реалізовано сценарій роботи системи </a:t>
+            </a:r>
+            <a:r>
+              <a:rPr lang="en-US" sz="2000" dirty="0" smtClean="0"/>
+              <a:t>A/B </a:t>
+            </a:r>
+            <a:r>
+              <a:rPr lang="uk-UA" sz="2000" dirty="0" smtClean="0"/>
+              <a:t>тестування</a:t>
+            </a:r>
+            <a:endParaRPr lang="uk-UA" sz="2000" dirty="0" smtClean="0"/>
+          </a:p>
+          <a:p>
+            <a:pPr marL="342900" indent="-342900">
+              <a:lnSpc>
+                <a:spcPct val="150000"/>
+              </a:lnSpc>
+              <a:spcBef>
+                <a:spcPts val="2400"/>
+              </a:spcBef>
+              <a:buFont typeface="Wingdings" panose="05000000000000000000" pitchFamily="2" charset="2"/>
+              <a:buChar char="ü"/>
+            </a:pPr>
+            <a:r>
+              <a:rPr lang="uk-UA" sz="2000" dirty="0" smtClean="0"/>
+              <a:t>Розроблено механізм створення </a:t>
+            </a:r>
+            <a:r>
+              <a:rPr lang="uk-UA" sz="2000" dirty="0" smtClean="0"/>
+              <a:t>задачі A/B </a:t>
+            </a:r>
+            <a:r>
+              <a:rPr lang="uk-UA" sz="2000" dirty="0" smtClean="0"/>
+              <a:t>тестування та розпізнавання </a:t>
+            </a:r>
+            <a:r>
+              <a:rPr lang="uk-UA" sz="2000" dirty="0" smtClean="0"/>
+              <a:t>елементів HTML </a:t>
+            </a:r>
+            <a:r>
+              <a:rPr lang="uk-UA" sz="2000" dirty="0" smtClean="0"/>
+              <a:t>сторінки</a:t>
+            </a:r>
+            <a:endParaRPr lang="uk-UA" sz="2000" dirty="0" smtClean="0"/>
+          </a:p>
+          <a:p>
+            <a:pPr marL="342900" indent="-342900">
+              <a:lnSpc>
+                <a:spcPct val="150000"/>
+              </a:lnSpc>
+              <a:spcBef>
+                <a:spcPts val="2400"/>
+              </a:spcBef>
+              <a:buFont typeface="Wingdings" panose="05000000000000000000" pitchFamily="2" charset="2"/>
+              <a:buChar char="ü"/>
+            </a:pPr>
+            <a:r>
+              <a:rPr lang="uk-UA" sz="2000" dirty="0" smtClean="0"/>
+              <a:t>Реалізовано можливість динамічної підміни елементу </a:t>
+            </a:r>
+            <a:r>
+              <a:rPr lang="uk-UA" sz="2000" dirty="0" smtClean="0"/>
+              <a:t>на сайті </a:t>
+            </a:r>
+            <a:r>
+              <a:rPr lang="uk-UA" sz="2000" dirty="0" smtClean="0"/>
+              <a:t>користувача</a:t>
+            </a:r>
+            <a:r>
+              <a:rPr lang="en-US" sz="2000" dirty="0" smtClean="0"/>
+              <a:t>, </a:t>
+            </a:r>
+            <a:r>
+              <a:rPr lang="uk-UA" sz="2000" dirty="0" smtClean="0"/>
+              <a:t>відстеження </a:t>
+            </a:r>
+            <a:r>
+              <a:rPr lang="uk-UA" sz="2000" dirty="0" smtClean="0"/>
+              <a:t>переглядів сторінки та натискань на вибраний </a:t>
+            </a:r>
+            <a:r>
+              <a:rPr lang="uk-UA" sz="2000" dirty="0" smtClean="0"/>
+              <a:t>елемент</a:t>
+            </a:r>
+            <a:endParaRPr lang="uk-UA" sz="2000" dirty="0" smtClean="0"/>
+          </a:p>
+        </p:txBody>
+      </p:sp>
+    </p:spTree>
+    <p:extLst>
+      <p:ext uri="{BB962C8B-B14F-4D97-AF65-F5344CB8AC3E}">
+        <p14:creationId xmlns="" xmlns:p14="http://schemas.microsoft.com/office/powerpoint/2010/main" val="1278517873"/>
+      </p:ext>
+    </p:extLst>
+  </p:cSld>
+  <p:clrMapOvr>
+    <a:masterClrMapping/>
+  </p:clrMapOvr>
+  <p:timing>
+    <p:tnLst>
+      <p:par>
+        <p:cTn id="1" dur="indefinite" restart="never" nodeType="tmRoot"/>
+      </p:par>
+    </p:tnLst>
+  </p:timing>
+</p:sld>
+</file>
+
+<file path=ppt/slides/slide12.xml><?xml version="1.0" encoding="utf-8"?>
+<p:sld xmlns:a="http://schemas.openxmlformats.org/drawingml/2006/main" xmlns:r="http://schemas.openxmlformats.org/officeDocument/2006/relationships" xmlns:p="http://schemas.openxmlformats.org/presentationml/2006/main">
+  <p:cSld>
+    <p:spTree>
+      <p:nvGrpSpPr>
+        <p:cNvPr id="1" name=""/>
+        <p:cNvGrpSpPr/>
+        <p:nvPr/>
+      </p:nvGrpSpPr>
+      <p:grpSpPr>
+        <a:xfrm>
+          <a:off x="0" y="0"/>
+          <a:ext cx="0" cy="0"/>
+          <a:chOff x="0" y="0"/>
+          <a:chExt cx="0" cy="0"/>
+        </a:xfrm>
+      </p:grpSpPr>
+      <p:sp>
+        <p:nvSpPr>
           <p:cNvPr id="3" name="Объект 2"/>
           <p:cNvSpPr>
             <a:spLocks noGrp="1"/>
@@ -4438,7 +4773,7 @@
     </p:spTree>
     <p:extLst>
       <p:ext uri="{BB962C8B-B14F-4D97-AF65-F5344CB8AC3E}">
-        <p14:creationId xmlns:p14="http://schemas.microsoft.com/office/powerpoint/2010/main" xmlns="" val="498439014"/>
+        <p14:creationId xmlns="" xmlns:p14="http://schemas.microsoft.com/office/powerpoint/2010/main" val="498439014"/>
       </p:ext>
     </p:extLst>
   </p:cSld>
@@ -4484,7 +4819,7 @@
         </p:nvSpPr>
         <p:spPr>
           <a:xfrm>
-            <a:off x="418389" y="-164383"/>
+            <a:off x="297622" y="0"/>
             <a:ext cx="11308524" cy="1208868"/>
           </a:xfrm>
         </p:spPr>
@@ -4550,7 +4885,7 @@
         </p:blipFill>
         <p:spPr>
           <a:xfrm>
-            <a:off x="8863" y="1812324"/>
+            <a:off x="8865" y="1812324"/>
             <a:ext cx="12141219" cy="4366054"/>
           </a:xfrm>
         </p:spPr>
@@ -4563,7 +4898,7 @@
         </p:nvSpPr>
         <p:spPr>
           <a:xfrm>
-            <a:off x="3072714" y="4753232"/>
+            <a:off x="3072715" y="4753236"/>
             <a:ext cx="1721708" cy="646331"/>
           </a:xfrm>
           <a:prstGeom prst="rect">
@@ -4594,7 +4929,7 @@
         </p:nvSpPr>
         <p:spPr>
           <a:xfrm>
-            <a:off x="7574692" y="3645243"/>
+            <a:off x="7574695" y="3645243"/>
             <a:ext cx="1721708" cy="369332"/>
           </a:xfrm>
           <a:prstGeom prst="rect">
@@ -4629,7 +4964,7 @@
         </p:nvSpPr>
         <p:spPr>
           <a:xfrm>
-            <a:off x="7582930" y="5704701"/>
+            <a:off x="7582931" y="5704701"/>
             <a:ext cx="1721708" cy="369332"/>
           </a:xfrm>
           <a:prstGeom prst="rect">
@@ -4664,8 +4999,8 @@
         </p:nvSpPr>
         <p:spPr>
           <a:xfrm>
-            <a:off x="10865708" y="1705232"/>
-            <a:ext cx="1159228" cy="369332"/>
+            <a:off x="10865713" y="1705232"/>
+            <a:ext cx="1186863" cy="369332"/>
           </a:xfrm>
           <a:prstGeom prst="rect">
             <a:avLst/>
@@ -4686,10 +5021,137 @@
           </a:p>
         </p:txBody>
       </p:sp>
+      <p:pic>
+        <p:nvPicPr>
+          <p:cNvPr id="11" name="Рисунок 10" descr="ab-test.png"/>
+          <p:cNvPicPr>
+            <a:picLocks noChangeAspect="1"/>
+          </p:cNvPicPr>
+          <p:nvPr/>
+        </p:nvPicPr>
+        <p:blipFill>
+          <a:blip r:embed="rId3" cstate="print"/>
+          <a:stretch>
+            <a:fillRect/>
+          </a:stretch>
+        </p:blipFill>
+        <p:spPr>
+          <a:xfrm>
+            <a:off x="7541131" y="4370701"/>
+            <a:ext cx="1818529" cy="1340462"/>
+          </a:xfrm>
+          <a:prstGeom prst="rect">
+            <a:avLst/>
+          </a:prstGeom>
+        </p:spPr>
+      </p:pic>
+      <p:sp>
+        <p:nvSpPr>
+          <p:cNvPr id="12" name="Прямоугольник 11"/>
+          <p:cNvSpPr/>
+          <p:nvPr/>
+        </p:nvSpPr>
+        <p:spPr>
+          <a:xfrm>
+            <a:off x="8896350" y="4776788"/>
+            <a:ext cx="309563" cy="757237"/>
+          </a:xfrm>
+          <a:prstGeom prst="rect">
+            <a:avLst/>
+          </a:prstGeom>
+          <a:solidFill>
+            <a:srgbClr val="FF0000"/>
+          </a:solidFill>
+        </p:spPr>
+        <p:style>
+          <a:lnRef idx="2">
+            <a:schemeClr val="accent1">
+              <a:shade val="50000"/>
+            </a:schemeClr>
+          </a:lnRef>
+          <a:fillRef idx="1">
+            <a:schemeClr val="accent1"/>
+          </a:fillRef>
+          <a:effectRef idx="0">
+            <a:schemeClr val="accent1"/>
+          </a:effectRef>
+          <a:fontRef idx="minor">
+            <a:schemeClr val="lt1"/>
+          </a:fontRef>
+        </p:style>
+        <p:txBody>
+          <a:bodyPr rtlCol="0" anchor="ctr"/>
+          <a:lstStyle/>
+          <a:p>
+            <a:pPr algn="ctr"/>
+            <a:endParaRPr lang="ru-RU"/>
+          </a:p>
+        </p:txBody>
+      </p:sp>
+      <p:sp>
+        <p:nvSpPr>
+          <p:cNvPr id="13" name="TextBox 12"/>
+          <p:cNvSpPr txBox="1"/>
+          <p:nvPr/>
+        </p:nvSpPr>
+        <p:spPr>
+          <a:xfrm>
+            <a:off x="7581900" y="1695450"/>
+            <a:ext cx="2716834" cy="369332"/>
+          </a:xfrm>
+          <a:prstGeom prst="rect">
+            <a:avLst/>
+          </a:prstGeom>
+          <a:noFill/>
+        </p:spPr>
+        <p:txBody>
+          <a:bodyPr wrap="none" rtlCol="0">
+            <a:spAutoFit/>
+          </a:bodyPr>
+          <a:lstStyle/>
+          <a:p>
+            <a:r>
+              <a:rPr lang="uk-UA" dirty="0" smtClean="0"/>
+              <a:t>Проведення дослідження</a:t>
+            </a:r>
+            <a:endParaRPr lang="ru-RU" dirty="0"/>
+          </a:p>
+        </p:txBody>
+      </p:sp>
+      <p:sp>
+        <p:nvSpPr>
+          <p:cNvPr id="14" name="TextBox 13"/>
+          <p:cNvSpPr txBox="1"/>
+          <p:nvPr/>
+        </p:nvSpPr>
+        <p:spPr>
+          <a:xfrm>
+            <a:off x="5057775" y="1676400"/>
+            <a:ext cx="2190750" cy="369332"/>
+          </a:xfrm>
+          <a:prstGeom prst="rect">
+            <a:avLst/>
+          </a:prstGeom>
+          <a:noFill/>
+        </p:spPr>
+        <p:txBody>
+          <a:bodyPr wrap="square" rtlCol="0">
+            <a:spAutoFit/>
+          </a:bodyPr>
+          <a:lstStyle/>
+          <a:p>
+            <a:r>
+              <a:rPr lang="uk-UA" dirty="0" smtClean="0"/>
+              <a:t>Зміна елемента</a:t>
+            </a:r>
+            <a:endParaRPr lang="ru-RU" dirty="0"/>
+          </a:p>
+        </p:txBody>
+      </p:sp>
     </p:spTree>
     <p:extLst>
       <p:ext uri="{BB962C8B-B14F-4D97-AF65-F5344CB8AC3E}">
-        <p14:creationId xmlns:p14="http://schemas.microsoft.com/office/powerpoint/2010/main" xmlns="" val="2090733893"/>
+        <p14:creationId xmlns="" xmlns:p14="http://schemas.microsoft.com/office/powerpoint/2010/main" val="2090733893"/>
       </p:ext>
     </p:extLst>
   </p:cSld>
@@ -4735,7 +5197,7 @@
         </p:nvSpPr>
         <p:spPr>
           <a:xfrm>
-            <a:off x="485976" y="0"/>
+            <a:off x="460098" y="129396"/>
             <a:ext cx="11307547" cy="1080938"/>
           </a:xfrm>
         </p:spPr>
@@ -4793,7 +5255,7 @@
         </p:nvSpPr>
         <p:spPr>
           <a:xfrm>
-            <a:off x="747494" y="1810332"/>
+            <a:off x="747497" y="1810340"/>
             <a:ext cx="8099611" cy="4397375"/>
           </a:xfrm>
         </p:spPr>
@@ -4845,8 +5307,8 @@
         </p:nvSpPr>
         <p:spPr>
           <a:xfrm>
-            <a:off x="0" y="1334530"/>
-            <a:ext cx="12192000" cy="4100481"/>
+            <a:off x="0" y="1334538"/>
+            <a:ext cx="12192000" cy="4708981"/>
           </a:xfrm>
           <a:prstGeom prst="rect">
             <a:avLst/>
@@ -4866,7 +5328,7 @@
               <a:buChar char="ü"/>
             </a:pPr>
             <a:r>
-              <a:rPr lang="uk-UA" dirty="0" smtClean="0"/>
+              <a:rPr lang="uk-UA" sz="2000" dirty="0" smtClean="0"/>
               <a:t>Створення задачі A/B тестування</a:t>
             </a:r>
           </a:p>
@@ -4879,7 +5341,7 @@
               <a:buChar char="ü"/>
             </a:pPr>
             <a:r>
-              <a:rPr lang="uk-UA" dirty="0" smtClean="0"/>
+              <a:rPr lang="uk-UA" sz="2000" dirty="0" smtClean="0"/>
               <a:t>Розпізнавання елементів HTML сторінки</a:t>
             </a:r>
           </a:p>
@@ -4892,8 +5354,16 @@
               <a:buChar char="ü"/>
             </a:pPr>
             <a:r>
-              <a:rPr lang="uk-UA" dirty="0" smtClean="0"/>
-              <a:t>Динамічна підміна елементу на сайті користувача</a:t>
+              <a:rPr lang="uk-UA" sz="2000" dirty="0" smtClean="0"/>
+              <a:t>Динамічна підміна </a:t>
+            </a:r>
+            <a:r>
+              <a:rPr lang="uk-UA" sz="2000" dirty="0" smtClean="0"/>
+              <a:t>елементу </a:t>
+            </a:r>
+            <a:r>
+              <a:rPr lang="uk-UA" sz="2000" dirty="0" smtClean="0"/>
+              <a:t>на сайті користувача</a:t>
             </a:r>
           </a:p>
           <a:p>
@@ -4905,12 +5375,12 @@
               <a:buChar char="ü"/>
             </a:pPr>
             <a:r>
-              <a:rPr lang="uk-UA" dirty="0" err="1" smtClean="0"/>
-              <a:t>Відслідковування</a:t>
-            </a:r>
-            <a:r>
-              <a:rPr lang="uk-UA" dirty="0" smtClean="0"/>
-              <a:t> переглядів сторінки та натискань на вибраний елемент</a:t>
+              <a:rPr lang="uk-UA" sz="2000" dirty="0" smtClean="0"/>
+              <a:t>Відстеження переглядів сторінки </a:t>
+            </a:r>
+            <a:r>
+              <a:rPr lang="uk-UA" sz="2000" dirty="0" smtClean="0"/>
+              <a:t>та натискань на вибраний елемент</a:t>
             </a:r>
           </a:p>
           <a:p>
@@ -4922,17 +5392,17 @@
               <a:buChar char="ü"/>
             </a:pPr>
             <a:r>
-              <a:rPr lang="uk-UA" dirty="0" smtClean="0"/>
+              <a:rPr lang="uk-UA" sz="2000" dirty="0" smtClean="0"/>
               <a:t>Збереження та відображення результатів A/B тестування</a:t>
             </a:r>
-            <a:endParaRPr lang="uk-UA" dirty="0"/>
+            <a:endParaRPr lang="uk-UA" sz="2000" dirty="0"/>
           </a:p>
         </p:txBody>
       </p:sp>
     </p:spTree>
     <p:extLst>
       <p:ext uri="{BB962C8B-B14F-4D97-AF65-F5344CB8AC3E}">
-        <p14:creationId xmlns:p14="http://schemas.microsoft.com/office/powerpoint/2010/main" xmlns="" val="1499431874"/>
+        <p14:creationId xmlns="" xmlns:p14="http://schemas.microsoft.com/office/powerpoint/2010/main" val="1499431874"/>
       </p:ext>
     </p:extLst>
   </p:cSld>
@@ -4978,7 +5448,7 @@
         </p:nvSpPr>
         <p:spPr>
           <a:xfrm>
-            <a:off x="604434" y="161363"/>
+            <a:off x="535428" y="299387"/>
             <a:ext cx="10749367" cy="710215"/>
           </a:xfrm>
         </p:spPr>
@@ -5038,7 +5508,7 @@
           <a:blip r:embed="rId2" cstate="print">
             <a:extLst>
               <a:ext uri="{28A0092B-C50C-407E-A947-70E740481C1C}">
-                <a14:useLocalDpi xmlns:a14="http://schemas.microsoft.com/office/drawing/2010/main" xmlns="" val="0"/>
+                <a14:useLocalDpi xmlns="" xmlns:a14="http://schemas.microsoft.com/office/drawing/2010/main" val="0"/>
               </a:ext>
             </a:extLst>
           </a:blip>
@@ -5048,7 +5518,7 @@
         </p:blipFill>
         <p:spPr>
           <a:xfrm>
-            <a:off x="7163578" y="4809632"/>
+            <a:off x="7163579" y="4809632"/>
             <a:ext cx="990600" cy="990600"/>
           </a:xfrm>
           <a:prstGeom prst="rect">
@@ -5065,13 +5535,13 @@
           <p:nvPr>
             <p:extLst>
               <p:ext uri="{D42A27DB-BD31-4B8C-83A1-F6EECF244321}">
-                <p14:modId xmlns:p14="http://schemas.microsoft.com/office/powerpoint/2010/main" xmlns="" val="2171312508"/>
+                <p14:modId xmlns="" xmlns:p14="http://schemas.microsoft.com/office/powerpoint/2010/main" val="2171312508"/>
               </p:ext>
             </p:extLst>
           </p:nvPr>
         </p:nvGraphicFramePr>
         <p:xfrm>
-          <a:off x="436604" y="1647568"/>
+          <a:off x="436606" y="1647568"/>
           <a:ext cx="11328494" cy="4626936"/>
         </p:xfrm>
         <a:graphic>
@@ -5084,14 +5554,14 @@
                 <a:gridCol w="5664247">
                   <a:extLst>
                     <a:ext uri="{9D8B030D-6E8A-4147-A177-3AD203B41FA5}">
-                      <a16:colId xmlns:a16="http://schemas.microsoft.com/office/drawing/2014/main" xmlns="" val="20000"/>
+                      <a16:colId xmlns="" xmlns:a16="http://schemas.microsoft.com/office/drawing/2014/main" val="20000"/>
                     </a:ext>
                   </a:extLst>
                 </a:gridCol>
                 <a:gridCol w="5664247">
                   <a:extLst>
                     <a:ext uri="{9D8B030D-6E8A-4147-A177-3AD203B41FA5}">
-                      <a16:colId xmlns:a16="http://schemas.microsoft.com/office/drawing/2014/main" xmlns="" val="20001"/>
+                      <a16:colId xmlns="" xmlns:a16="http://schemas.microsoft.com/office/drawing/2014/main" val="20001"/>
                     </a:ext>
                   </a:extLst>
                 </a:gridCol>
@@ -5223,7 +5693,7 @@
                 </a:tc>
                 <a:extLst>
                   <a:ext uri="{0D108BD9-81ED-4DB2-BD59-A6C34878D82A}">
-                    <a16:rowId xmlns:a16="http://schemas.microsoft.com/office/drawing/2014/main" xmlns="" val="10000"/>
+                    <a16:rowId xmlns="" xmlns:a16="http://schemas.microsoft.com/office/drawing/2014/main" val="10000"/>
                   </a:ext>
                 </a:extLst>
               </a:tr>
@@ -5354,7 +5824,7 @@
                 </a:tc>
                 <a:extLst>
                   <a:ext uri="{0D108BD9-81ED-4DB2-BD59-A6C34878D82A}">
-                    <a16:rowId xmlns:a16="http://schemas.microsoft.com/office/drawing/2014/main" xmlns="" val="10001"/>
+                    <a16:rowId xmlns="" xmlns:a16="http://schemas.microsoft.com/office/drawing/2014/main" val="10001"/>
                   </a:ext>
                 </a:extLst>
               </a:tr>
@@ -5490,7 +5960,7 @@
                 </a:tc>
                 <a:extLst>
                   <a:ext uri="{0D108BD9-81ED-4DB2-BD59-A6C34878D82A}">
-                    <a16:rowId xmlns:a16="http://schemas.microsoft.com/office/drawing/2014/main" xmlns="" val="10002"/>
+                    <a16:rowId xmlns="" xmlns:a16="http://schemas.microsoft.com/office/drawing/2014/main" val="10002"/>
                   </a:ext>
                 </a:extLst>
               </a:tr>
@@ -5613,7 +6083,7 @@
                 </a:tc>
                 <a:extLst>
                   <a:ext uri="{0D108BD9-81ED-4DB2-BD59-A6C34878D82A}">
-                    <a16:rowId xmlns:a16="http://schemas.microsoft.com/office/drawing/2014/main" xmlns="" val="10003"/>
+                    <a16:rowId xmlns="" xmlns:a16="http://schemas.microsoft.com/office/drawing/2014/main" val="10003"/>
                   </a:ext>
                 </a:extLst>
               </a:tr>
@@ -5687,7 +6157,7 @@
                       </a:r>
                       <a:r>
                         <a:rPr lang="uk-UA" baseline="0" noProof="0" dirty="0" smtClean="0"/>
-                        <a:t>, авторизації та  </a:t>
+                        <a:t>, авторизації та </a:t>
                       </a:r>
                       <a:r>
                         <a:rPr lang="uk-UA" baseline="0" noProof="0" dirty="0" err="1" smtClean="0"/>
@@ -5740,7 +6210,7 @@
                 </a:tc>
                 <a:extLst>
                   <a:ext uri="{0D108BD9-81ED-4DB2-BD59-A6C34878D82A}">
-                    <a16:rowId xmlns:a16="http://schemas.microsoft.com/office/drawing/2014/main" xmlns="" val="10005"/>
+                    <a16:rowId xmlns="" xmlns:a16="http://schemas.microsoft.com/office/drawing/2014/main" val="10005"/>
                   </a:ext>
                 </a:extLst>
               </a:tr>
@@ -5751,7 +6221,7 @@
     </p:spTree>
     <p:extLst>
       <p:ext uri="{BB962C8B-B14F-4D97-AF65-F5344CB8AC3E}">
-        <p14:creationId xmlns:p14="http://schemas.microsoft.com/office/powerpoint/2010/main" xmlns="" val="690457169"/>
+        <p14:creationId xmlns="" xmlns:p14="http://schemas.microsoft.com/office/powerpoint/2010/main" val="690457169"/>
       </p:ext>
     </p:extLst>
   </p:cSld>
@@ -5797,7 +6267,7 @@
         </p:nvSpPr>
         <p:spPr>
           <a:xfrm>
-            <a:off x="804644" y="121844"/>
+            <a:off x="727006" y="0"/>
             <a:ext cx="10515600" cy="1325563"/>
           </a:xfrm>
         </p:spPr>
@@ -5848,7 +6318,7 @@
     </p:spTree>
     <p:extLst>
       <p:ext uri="{BB962C8B-B14F-4D97-AF65-F5344CB8AC3E}">
-        <p14:creationId xmlns:p14="http://schemas.microsoft.com/office/powerpoint/2010/main" xmlns="" val="1093359983"/>
+        <p14:creationId xmlns="" xmlns:p14="http://schemas.microsoft.com/office/powerpoint/2010/main" val="1093359983"/>
       </p:ext>
     </p:extLst>
   </p:cSld>
@@ -5902,7 +6372,7 @@
         </p:nvSpPr>
         <p:spPr>
           <a:xfrm>
-            <a:off x="646111" y="452718"/>
+            <a:off x="646117" y="452718"/>
             <a:ext cx="10993439" cy="633132"/>
           </a:xfrm>
         </p:spPr>
@@ -5944,7 +6414,7 @@
         </p:blipFill>
         <p:spPr>
           <a:xfrm>
-            <a:off x="823066" y="1385715"/>
+            <a:off x="823071" y="1385717"/>
             <a:ext cx="9727039" cy="5360147"/>
           </a:xfrm>
           <a:prstGeom prst="rect">
@@ -5955,7 +6425,7 @@
     </p:spTree>
     <p:extLst>
       <p:ext uri="{BB962C8B-B14F-4D97-AF65-F5344CB8AC3E}">
-        <p14:creationId xmlns:p14="http://schemas.microsoft.com/office/powerpoint/2010/main" xmlns="" val="206256187"/>
+        <p14:creationId xmlns="" xmlns:p14="http://schemas.microsoft.com/office/powerpoint/2010/main" val="206256187"/>
       </p:ext>
     </p:extLst>
   </p:cSld>
@@ -6001,47 +6471,33 @@
         </p:nvSpPr>
         <p:spPr>
           <a:xfrm>
-            <a:off x="0" y="277905"/>
-            <a:ext cx="12039600" cy="788894"/>
-          </a:xfrm>
-        </p:spPr>
-        <p:txBody>
-          <a:bodyPr/>
-          <a:lstStyle/>
-          <a:p>
-            <a:r>
-              <a:rPr lang="uk-UA" dirty="0">
+            <a:off x="622540" y="8"/>
+            <a:ext cx="10515600" cy="1325563"/>
+          </a:xfrm>
+        </p:spPr>
+        <p:txBody>
+          <a:bodyPr>
+            <a:normAutofit/>
+          </a:bodyPr>
+          <a:lstStyle/>
+          <a:p>
+            <a:r>
+              <a:rPr lang="uk-UA" sz="4000" dirty="0" smtClean="0">
                 <a:solidFill>
                   <a:schemeClr val="bg1"/>
                 </a:solidFill>
               </a:rPr>
-              <a:t>Створення нового </a:t>
-            </a:r>
-            <a:r>
-              <a:rPr lang="uk-UA" dirty="0" smtClean="0">
+              <a:t>Етапи </a:t>
+            </a:r>
+            <a:r>
+              <a:rPr lang="uk-UA" sz="4000" dirty="0" smtClean="0">
                 <a:solidFill>
                   <a:schemeClr val="bg1"/>
                 </a:solidFill>
               </a:rPr>
-              <a:t>завдання </a:t>
-            </a:r>
-            <a:r>
-              <a:rPr lang="en-US" dirty="0" smtClean="0">
-                <a:solidFill>
-                  <a:schemeClr val="bg1"/>
-                </a:solidFill>
-              </a:rPr>
-              <a:t>A/B </a:t>
-            </a:r>
-            <a:r>
-              <a:rPr lang="uk-UA" dirty="0" smtClean="0">
-                <a:solidFill>
-                  <a:schemeClr val="bg1"/>
-                </a:solidFill>
-              </a:rPr>
-              <a:t>тестування</a:t>
-            </a:r>
-            <a:endParaRPr lang="ru-RU" dirty="0">
+              <a:t>роботи з системою</a:t>
+            </a:r>
+            <a:endParaRPr lang="uk-UA" sz="4000" dirty="0" smtClean="0">
               <a:solidFill>
                 <a:schemeClr val="bg1"/>
               </a:solidFill>
@@ -6049,50 +6505,18 @@
           </a:p>
         </p:txBody>
       </p:sp>
-      <p:pic>
-        <p:nvPicPr>
-          <p:cNvPr id="1026" name="Picture 2"/>
-          <p:cNvPicPr>
-            <a:picLocks noChangeAspect="1" noChangeArrowheads="1"/>
-          </p:cNvPicPr>
-          <p:nvPr/>
-        </p:nvPicPr>
-        <p:blipFill>
-          <a:blip r:embed="rId2" cstate="print"/>
-          <a:srcRect/>
-          <a:stretch>
-            <a:fillRect/>
-          </a:stretch>
-        </p:blipFill>
-        <p:spPr bwMode="auto">
-          <a:xfrm>
-            <a:off x="2631877" y="1376941"/>
-            <a:ext cx="6554350" cy="5456345"/>
-          </a:xfrm>
-          <a:prstGeom prst="rect">
-            <a:avLst/>
-          </a:prstGeom>
-          <a:noFill/>
-          <a:ln w="9525">
-            <a:noFill/>
-            <a:miter lim="800000"/>
-            <a:headEnd/>
-            <a:tailEnd/>
-          </a:ln>
-        </p:spPr>
-      </p:pic>
-      <p:sp>
-        <p:nvSpPr>
-          <p:cNvPr id="10" name="Стрелка влево 9"/>
+      <p:sp>
+        <p:nvSpPr>
+          <p:cNvPr id="5" name="Скругленный прямоугольник 4"/>
           <p:cNvSpPr/>
           <p:nvPr/>
         </p:nvSpPr>
         <p:spPr>
           <a:xfrm>
-            <a:off x="9226380" y="2265406"/>
-            <a:ext cx="584886" cy="280086"/>
-          </a:xfrm>
-          <a:prstGeom prst="leftArrow">
+            <a:off x="517584" y="1604514"/>
+            <a:ext cx="2562045" cy="724619"/>
+          </a:xfrm>
+          <a:prstGeom prst="roundRect">
             <a:avLst/>
           </a:prstGeom>
         </p:spPr>
@@ -6117,22 +6541,26 @@
           <a:lstStyle/>
           <a:p>
             <a:pPr algn="ctr"/>
-            <a:endParaRPr lang="ru-RU"/>
-          </a:p>
-        </p:txBody>
-      </p:sp>
-      <p:sp>
-        <p:nvSpPr>
-          <p:cNvPr id="11" name="Стрелка влево 10"/>
+            <a:r>
+              <a:rPr lang="uk-UA" dirty="0" smtClean="0"/>
+              <a:t>1. Створення задачі A/B тестування</a:t>
+            </a:r>
+            <a:endParaRPr lang="uk-UA" dirty="0"/>
+          </a:p>
+        </p:txBody>
+      </p:sp>
+      <p:sp>
+        <p:nvSpPr>
+          <p:cNvPr id="6" name="Скругленный прямоугольник 5"/>
           <p:cNvSpPr/>
           <p:nvPr/>
         </p:nvSpPr>
         <p:spPr>
           <a:xfrm>
-            <a:off x="9222413" y="4221893"/>
-            <a:ext cx="584886" cy="280086"/>
-          </a:xfrm>
-          <a:prstGeom prst="leftArrow">
+            <a:off x="3361424" y="1601641"/>
+            <a:ext cx="2562045" cy="724619"/>
+          </a:xfrm>
+          <a:prstGeom prst="roundRect">
             <a:avLst/>
           </a:prstGeom>
         </p:spPr>
@@ -6157,22 +6585,30 @@
           <a:lstStyle/>
           <a:p>
             <a:pPr algn="ctr"/>
-            <a:endParaRPr lang="ru-RU"/>
-          </a:p>
-        </p:txBody>
-      </p:sp>
-      <p:sp>
-        <p:nvSpPr>
-          <p:cNvPr id="12" name="Стрелка влево 11"/>
+            <a:r>
+              <a:rPr lang="uk-UA" dirty="0" smtClean="0"/>
+              <a:t>2. Впровадження </a:t>
+            </a:r>
+            <a:r>
+              <a:rPr lang="uk-UA" dirty="0" err="1" smtClean="0"/>
+              <a:t>скрипту</a:t>
+            </a:r>
+            <a:endParaRPr lang="uk-UA" dirty="0"/>
+          </a:p>
+        </p:txBody>
+      </p:sp>
+      <p:sp>
+        <p:nvSpPr>
+          <p:cNvPr id="7" name="Скругленный прямоугольник 6"/>
           <p:cNvSpPr/>
           <p:nvPr/>
         </p:nvSpPr>
         <p:spPr>
-          <a:xfrm rot="10800000">
-            <a:off x="1985321" y="2792628"/>
-            <a:ext cx="584886" cy="280086"/>
-          </a:xfrm>
-          <a:prstGeom prst="leftArrow">
+          <a:xfrm>
+            <a:off x="6188008" y="1598763"/>
+            <a:ext cx="2562045" cy="724619"/>
+          </a:xfrm>
+          <a:prstGeom prst="roundRect">
             <a:avLst/>
           </a:prstGeom>
         </p:spPr>
@@ -6197,22 +6633,30 @@
           <a:lstStyle/>
           <a:p>
             <a:pPr algn="ctr"/>
-            <a:endParaRPr lang="ru-RU"/>
-          </a:p>
-        </p:txBody>
-      </p:sp>
-      <p:sp>
-        <p:nvSpPr>
-          <p:cNvPr id="13" name="Стрелка влево 12"/>
+            <a:r>
+              <a:rPr lang="uk-UA" dirty="0" smtClean="0"/>
+              <a:t>3</a:t>
+            </a:r>
+            <a:r>
+              <a:rPr lang="uk-UA" dirty="0" smtClean="0"/>
+              <a:t>. Збір статистичної інформації</a:t>
+            </a:r>
+            <a:endParaRPr lang="uk-UA" dirty="0"/>
+          </a:p>
+        </p:txBody>
+      </p:sp>
+      <p:sp>
+        <p:nvSpPr>
+          <p:cNvPr id="8" name="Скругленный прямоугольник 7"/>
           <p:cNvSpPr/>
           <p:nvPr/>
         </p:nvSpPr>
         <p:spPr>
-          <a:xfrm rot="10800000">
-            <a:off x="1989440" y="1865871"/>
-            <a:ext cx="584886" cy="280086"/>
-          </a:xfrm>
-          <a:prstGeom prst="leftArrow">
+          <a:xfrm>
+            <a:off x="9083616" y="1604514"/>
+            <a:ext cx="2562045" cy="724619"/>
+          </a:xfrm>
+          <a:prstGeom prst="roundRect">
             <a:avLst/>
           </a:prstGeom>
         </p:spPr>
@@ -6237,197 +6681,206 @@
           <a:lstStyle/>
           <a:p>
             <a:pPr algn="ctr"/>
-            <a:endParaRPr lang="ru-RU"/>
-          </a:p>
-        </p:txBody>
-      </p:sp>
-      <p:sp>
-        <p:nvSpPr>
-          <p:cNvPr id="14" name="Стрелка влево 13"/>
-          <p:cNvSpPr/>
+            <a:r>
+              <a:rPr lang="uk-UA" dirty="0" smtClean="0"/>
+              <a:t>4. Аналіз зібраної інформації</a:t>
+            </a:r>
+            <a:endParaRPr lang="uk-UA" dirty="0"/>
+          </a:p>
+        </p:txBody>
+      </p:sp>
+      <p:sp>
+        <p:nvSpPr>
+          <p:cNvPr id="9" name="TextBox 8"/>
+          <p:cNvSpPr txBox="1"/>
           <p:nvPr/>
         </p:nvSpPr>
         <p:spPr>
           <a:xfrm>
-            <a:off x="9185192" y="5461687"/>
-            <a:ext cx="584886" cy="280086"/>
-          </a:xfrm>
-          <a:prstGeom prst="leftArrow">
+            <a:off x="491706" y="2639687"/>
+            <a:ext cx="2613803" cy="2446824"/>
+          </a:xfrm>
+          <a:prstGeom prst="rect">
             <a:avLst/>
           </a:prstGeom>
+          <a:noFill/>
+        </p:spPr>
+        <p:txBody>
+          <a:bodyPr wrap="square" rtlCol="0">
+            <a:spAutoFit/>
+          </a:bodyPr>
+          <a:lstStyle/>
+          <a:p>
+            <a:pPr indent="216000">
+              <a:spcBef>
+                <a:spcPts val="1800"/>
+              </a:spcBef>
+              <a:buFont typeface="Arial" pitchFamily="34" charset="0"/>
+              <a:buChar char="•"/>
+            </a:pPr>
+            <a:r>
+              <a:rPr lang="uk-UA" dirty="0" smtClean="0"/>
+              <a:t> </a:t>
+            </a:r>
+            <a:r>
+              <a:rPr lang="uk-UA" dirty="0" smtClean="0"/>
+              <a:t>Вибір досліджуваної сторінки</a:t>
+            </a:r>
+          </a:p>
+          <a:p>
+            <a:pPr indent="216000">
+              <a:spcBef>
+                <a:spcPts val="1800"/>
+              </a:spcBef>
+              <a:buFont typeface="Arial" pitchFamily="34" charset="0"/>
+              <a:buChar char="•"/>
+            </a:pPr>
+            <a:r>
+              <a:rPr lang="uk-UA" dirty="0" smtClean="0"/>
+              <a:t> </a:t>
+            </a:r>
+            <a:r>
+              <a:rPr lang="uk-UA" dirty="0" smtClean="0"/>
+              <a:t>Вибір елементу</a:t>
+            </a:r>
+          </a:p>
+          <a:p>
+            <a:pPr indent="216000">
+              <a:spcBef>
+                <a:spcPts val="1800"/>
+              </a:spcBef>
+              <a:buFont typeface="Arial" pitchFamily="34" charset="0"/>
+              <a:buChar char="•"/>
+            </a:pPr>
+            <a:r>
+              <a:rPr lang="uk-UA" dirty="0" smtClean="0"/>
+              <a:t> </a:t>
+            </a:r>
+            <a:r>
+              <a:rPr lang="uk-UA" dirty="0" smtClean="0"/>
+              <a:t>Зміна оригінального елементу</a:t>
+            </a:r>
+          </a:p>
+          <a:p>
+            <a:pPr indent="216000">
+              <a:spcBef>
+                <a:spcPts val="1800"/>
+              </a:spcBef>
+              <a:buFont typeface="Arial" pitchFamily="34" charset="0"/>
+              <a:buChar char="•"/>
+            </a:pPr>
+            <a:r>
+              <a:rPr lang="uk-UA" dirty="0" smtClean="0"/>
+              <a:t> </a:t>
+            </a:r>
+            <a:r>
+              <a:rPr lang="uk-UA" dirty="0" smtClean="0"/>
+              <a:t>Збереження задачі</a:t>
+            </a:r>
+            <a:endParaRPr lang="uk-UA" dirty="0"/>
+          </a:p>
+        </p:txBody>
+      </p:sp>
+      <p:cxnSp>
+        <p:nvCxnSpPr>
+          <p:cNvPr id="13" name="Прямая соединительная линия 12"/>
+          <p:cNvCxnSpPr/>
+          <p:nvPr/>
+        </p:nvCxnSpPr>
+        <p:spPr>
+          <a:xfrm>
+            <a:off x="6055743" y="1604509"/>
+            <a:ext cx="0" cy="5037826"/>
+          </a:xfrm>
+          <a:prstGeom prst="line">
+            <a:avLst/>
+          </a:prstGeom>
         </p:spPr>
         <p:style>
-          <a:lnRef idx="2">
-            <a:schemeClr val="accent1">
-              <a:shade val="50000"/>
-            </a:schemeClr>
+          <a:lnRef idx="1">
+            <a:schemeClr val="accent1"/>
           </a:lnRef>
-          <a:fillRef idx="1">
+          <a:fillRef idx="0">
             <a:schemeClr val="accent1"/>
           </a:fillRef>
           <a:effectRef idx="0">
             <a:schemeClr val="accent1"/>
           </a:effectRef>
           <a:fontRef idx="minor">
-            <a:schemeClr val="lt1"/>
+            <a:schemeClr val="tx1"/>
           </a:fontRef>
         </p:style>
-        <p:txBody>
-          <a:bodyPr rtlCol="0" anchor="ctr"/>
-          <a:lstStyle/>
-          <a:p>
-            <a:pPr algn="ctr"/>
-            <a:endParaRPr lang="ru-RU"/>
-          </a:p>
-        </p:txBody>
-      </p:sp>
-      <p:sp>
-        <p:nvSpPr>
-          <p:cNvPr id="15" name="TextBox 14"/>
-          <p:cNvSpPr txBox="1"/>
+      </p:cxnSp>
+      <p:cxnSp>
+        <p:nvCxnSpPr>
+          <p:cNvPr id="14" name="Прямая соединительная линия 13"/>
+          <p:cNvCxnSpPr/>
           <p:nvPr/>
-        </p:nvSpPr>
-        <p:spPr>
-          <a:xfrm>
-            <a:off x="151002" y="1787611"/>
-            <a:ext cx="1853967" cy="369332"/>
-          </a:xfrm>
-          <a:prstGeom prst="rect">
+        </p:nvCxnSpPr>
+        <p:spPr>
+          <a:xfrm>
+            <a:off x="8908211" y="1601631"/>
+            <a:ext cx="0" cy="5037826"/>
+          </a:xfrm>
+          <a:prstGeom prst="line">
             <a:avLst/>
           </a:prstGeom>
-          <a:noFill/>
-        </p:spPr>
-        <p:txBody>
-          <a:bodyPr wrap="square" rtlCol="0">
-            <a:spAutoFit/>
-          </a:bodyPr>
-          <a:lstStyle/>
-          <a:p>
-            <a:r>
-              <a:rPr lang="uk-UA" dirty="0" smtClean="0"/>
-              <a:t>Адреса сторінки</a:t>
-            </a:r>
-            <a:endParaRPr lang="ru-RU" dirty="0"/>
-          </a:p>
-        </p:txBody>
-      </p:sp>
-      <p:sp>
-        <p:nvSpPr>
-          <p:cNvPr id="16" name="TextBox 15"/>
-          <p:cNvSpPr txBox="1"/>
-          <p:nvPr/>
-        </p:nvSpPr>
-        <p:spPr>
-          <a:xfrm>
-            <a:off x="9978440" y="2081907"/>
-            <a:ext cx="2297450" cy="646331"/>
-          </a:xfrm>
-          <a:prstGeom prst="rect">
-            <a:avLst/>
-          </a:prstGeom>
-          <a:noFill/>
-        </p:spPr>
-        <p:txBody>
-          <a:bodyPr wrap="square" rtlCol="0">
-            <a:spAutoFit/>
-          </a:bodyPr>
-          <a:lstStyle/>
-          <a:p>
-            <a:r>
-              <a:rPr lang="uk-UA" dirty="0" smtClean="0"/>
-              <a:t>Селектор вибраного елементу</a:t>
-            </a:r>
-            <a:endParaRPr lang="ru-RU" dirty="0"/>
-          </a:p>
-        </p:txBody>
-      </p:sp>
-      <p:sp>
-        <p:nvSpPr>
-          <p:cNvPr id="17" name="TextBox 16"/>
-          <p:cNvSpPr txBox="1"/>
-          <p:nvPr/>
-        </p:nvSpPr>
-        <p:spPr>
-          <a:xfrm>
-            <a:off x="125836" y="2650921"/>
-            <a:ext cx="1754326" cy="646331"/>
-          </a:xfrm>
-          <a:prstGeom prst="rect">
-            <a:avLst/>
-          </a:prstGeom>
-          <a:noFill/>
-        </p:spPr>
-        <p:txBody>
-          <a:bodyPr wrap="square" rtlCol="0">
-            <a:spAutoFit/>
-          </a:bodyPr>
-          <a:lstStyle/>
-          <a:p>
-            <a:r>
-              <a:rPr lang="uk-UA" dirty="0" smtClean="0"/>
-              <a:t>Оригінальний </a:t>
-            </a:r>
-            <a:endParaRPr lang="en-US" dirty="0" smtClean="0"/>
-          </a:p>
-          <a:p>
-            <a:r>
-              <a:rPr lang="en-US" dirty="0" smtClean="0"/>
-              <a:t>HTML (A)</a:t>
-            </a:r>
-            <a:endParaRPr lang="ru-RU" dirty="0"/>
-          </a:p>
-        </p:txBody>
-      </p:sp>
-      <p:sp>
-        <p:nvSpPr>
-          <p:cNvPr id="18" name="Стрелка влево 17"/>
-          <p:cNvSpPr/>
-          <p:nvPr/>
-        </p:nvSpPr>
-        <p:spPr>
-          <a:xfrm rot="10800000">
-            <a:off x="1978330" y="3834261"/>
-            <a:ext cx="584886" cy="280086"/>
-          </a:xfrm>
-          <a:prstGeom prst="leftArrow">
-            <a:avLst/>
-          </a:prstGeom>
         </p:spPr>
         <p:style>
-          <a:lnRef idx="2">
-            <a:schemeClr val="accent1">
-              <a:shade val="50000"/>
-            </a:schemeClr>
+          <a:lnRef idx="1">
+            <a:schemeClr val="accent1"/>
           </a:lnRef>
-          <a:fillRef idx="1">
+          <a:fillRef idx="0">
             <a:schemeClr val="accent1"/>
           </a:fillRef>
           <a:effectRef idx="0">
             <a:schemeClr val="accent1"/>
           </a:effectRef>
           <a:fontRef idx="minor">
-            <a:schemeClr val="lt1"/>
+            <a:schemeClr val="tx1"/>
           </a:fontRef>
         </p:style>
-        <p:txBody>
-          <a:bodyPr rtlCol="0" anchor="ctr"/>
-          <a:lstStyle/>
-          <a:p>
-            <a:pPr algn="ctr"/>
-            <a:endParaRPr lang="ru-RU"/>
-          </a:p>
-        </p:txBody>
-      </p:sp>
-      <p:sp>
-        <p:nvSpPr>
-          <p:cNvPr id="19" name="TextBox 18"/>
+      </p:cxnSp>
+      <p:cxnSp>
+        <p:nvCxnSpPr>
+          <p:cNvPr id="15" name="Прямая соединительная линия 14"/>
+          <p:cNvCxnSpPr/>
+          <p:nvPr/>
+        </p:nvCxnSpPr>
+        <p:spPr>
+          <a:xfrm>
+            <a:off x="3223402" y="1618891"/>
+            <a:ext cx="0" cy="5037826"/>
+          </a:xfrm>
+          <a:prstGeom prst="line">
+            <a:avLst/>
+          </a:prstGeom>
+        </p:spPr>
+        <p:style>
+          <a:lnRef idx="1">
+            <a:schemeClr val="accent1"/>
+          </a:lnRef>
+          <a:fillRef idx="0">
+            <a:schemeClr val="accent1"/>
+          </a:fillRef>
+          <a:effectRef idx="0">
+            <a:schemeClr val="accent1"/>
+          </a:effectRef>
+          <a:fontRef idx="minor">
+            <a:schemeClr val="tx1"/>
+          </a:fontRef>
+        </p:style>
+      </p:cxnSp>
+      <p:sp>
+        <p:nvSpPr>
+          <p:cNvPr id="16" name="TextBox 15"/>
           <p:cNvSpPr txBox="1"/>
           <p:nvPr/>
         </p:nvSpPr>
         <p:spPr>
           <a:xfrm>
-            <a:off x="142614" y="3650609"/>
-            <a:ext cx="1344874" cy="646331"/>
+            <a:off x="3344173" y="2662686"/>
+            <a:ext cx="2613803" cy="1431161"/>
           </a:xfrm>
           <a:prstGeom prst="rect">
             <a:avLst/>
@@ -6440,31 +6893,72 @@
           </a:bodyPr>
           <a:lstStyle/>
           <a:p>
+            <a:pPr indent="216000">
+              <a:spcBef>
+                <a:spcPts val="1800"/>
+              </a:spcBef>
+              <a:buFont typeface="Arial" pitchFamily="34" charset="0"/>
+              <a:buChar char="•"/>
+            </a:pPr>
             <a:r>
               <a:rPr lang="uk-UA" dirty="0" smtClean="0"/>
-              <a:t>Змінений </a:t>
-            </a:r>
-            <a:endParaRPr lang="en-US" dirty="0" smtClean="0"/>
-          </a:p>
-          <a:p>
-            <a:r>
-              <a:rPr lang="en-US" dirty="0" smtClean="0"/>
-              <a:t>HTML (B)</a:t>
-            </a:r>
-            <a:endParaRPr lang="ru-RU" dirty="0"/>
-          </a:p>
-        </p:txBody>
-      </p:sp>
-      <p:sp>
-        <p:nvSpPr>
-          <p:cNvPr id="20" name="TextBox 19"/>
+              <a:t> </a:t>
+            </a:r>
+            <a:r>
+              <a:rPr lang="uk-UA" dirty="0" smtClean="0"/>
+              <a:t>Копіювання </a:t>
+            </a:r>
+            <a:r>
+              <a:rPr lang="uk-UA" dirty="0" err="1" smtClean="0"/>
+              <a:t>згенерованого</a:t>
+            </a:r>
+            <a:r>
+              <a:rPr lang="uk-UA" dirty="0" smtClean="0"/>
+              <a:t> </a:t>
+            </a:r>
+            <a:r>
+              <a:rPr lang="uk-UA" dirty="0" err="1" smtClean="0"/>
+              <a:t>скрипту</a:t>
+            </a:r>
+            <a:endParaRPr lang="uk-UA" dirty="0" smtClean="0"/>
+          </a:p>
+          <a:p>
+            <a:pPr indent="216000">
+              <a:spcBef>
+                <a:spcPts val="1800"/>
+              </a:spcBef>
+              <a:buFont typeface="Arial" pitchFamily="34" charset="0"/>
+              <a:buChar char="•"/>
+            </a:pPr>
+            <a:r>
+              <a:rPr lang="uk-UA" dirty="0" smtClean="0"/>
+              <a:t> </a:t>
+            </a:r>
+            <a:r>
+              <a:rPr lang="uk-UA" dirty="0" smtClean="0"/>
+              <a:t>Вставка </a:t>
+            </a:r>
+            <a:r>
+              <a:rPr lang="uk-UA" dirty="0" err="1" smtClean="0"/>
+              <a:t>скрипту</a:t>
+            </a:r>
+            <a:r>
+              <a:rPr lang="uk-UA" dirty="0" smtClean="0"/>
+              <a:t> на сайт користувача</a:t>
+            </a:r>
+          </a:p>
+        </p:txBody>
+      </p:sp>
+      <p:sp>
+        <p:nvSpPr>
+          <p:cNvPr id="17" name="TextBox 16"/>
           <p:cNvSpPr txBox="1"/>
           <p:nvPr/>
         </p:nvSpPr>
         <p:spPr>
           <a:xfrm>
-            <a:off x="9957732" y="4051883"/>
-            <a:ext cx="2234268" cy="646331"/>
+            <a:off x="6173638" y="2662698"/>
+            <a:ext cx="2694137" cy="2215991"/>
           </a:xfrm>
           <a:prstGeom prst="rect">
             <a:avLst/>
@@ -6477,24 +6971,80 @@
           </a:bodyPr>
           <a:lstStyle/>
           <a:p>
+            <a:pPr indent="216000">
+              <a:spcBef>
+                <a:spcPts val="1800"/>
+              </a:spcBef>
+              <a:buFont typeface="Arial" pitchFamily="34" charset="0"/>
+              <a:buChar char="•"/>
+            </a:pPr>
             <a:r>
               <a:rPr lang="uk-UA" dirty="0" smtClean="0"/>
-              <a:t>Кнопка створення завдання</a:t>
-            </a:r>
-            <a:endParaRPr lang="ru-RU" dirty="0"/>
-          </a:p>
-        </p:txBody>
-      </p:sp>
-      <p:sp>
-        <p:nvSpPr>
-          <p:cNvPr id="21" name="TextBox 20"/>
+              <a:t> </a:t>
+            </a:r>
+            <a:r>
+              <a:rPr lang="uk-UA" dirty="0" smtClean="0"/>
+              <a:t>Завантаження </a:t>
+            </a:r>
+            <a:r>
+              <a:rPr lang="uk-UA" dirty="0" err="1" smtClean="0"/>
+              <a:t>скрипту</a:t>
+            </a:r>
+            <a:r>
+              <a:rPr lang="uk-UA" dirty="0" smtClean="0"/>
+              <a:t> на сайт користувача</a:t>
+            </a:r>
+          </a:p>
+          <a:p>
+            <a:pPr indent="216000">
+              <a:spcBef>
+                <a:spcPts val="1800"/>
+              </a:spcBef>
+              <a:buFont typeface="Arial" pitchFamily="34" charset="0"/>
+              <a:buChar char="•"/>
+            </a:pPr>
+            <a:r>
+              <a:rPr lang="uk-UA" dirty="0" smtClean="0"/>
+              <a:t>Підміна </a:t>
+            </a:r>
+            <a:r>
+              <a:rPr lang="ru-RU" dirty="0" smtClean="0"/>
+              <a:t>е</a:t>
+            </a:r>
+            <a:r>
+              <a:rPr lang="uk-UA" dirty="0" smtClean="0"/>
+              <a:t>лементів</a:t>
+            </a:r>
+          </a:p>
+          <a:p>
+            <a:pPr indent="216000">
+              <a:spcBef>
+                <a:spcPts val="1800"/>
+              </a:spcBef>
+              <a:buFont typeface="Arial" pitchFamily="34" charset="0"/>
+              <a:buChar char="•"/>
+            </a:pPr>
+            <a:r>
+              <a:rPr lang="uk-UA" dirty="0" smtClean="0"/>
+              <a:t> </a:t>
+            </a:r>
+            <a:r>
+              <a:rPr lang="uk-UA" dirty="0" smtClean="0"/>
+              <a:t>Відстеження та зберігання переглядів та натискань</a:t>
+            </a:r>
+          </a:p>
+        </p:txBody>
+      </p:sp>
+      <p:sp>
+        <p:nvSpPr>
+          <p:cNvPr id="18" name="TextBox 17"/>
           <p:cNvSpPr txBox="1"/>
           <p:nvPr/>
         </p:nvSpPr>
         <p:spPr>
           <a:xfrm>
-            <a:off x="9999678" y="5368954"/>
-            <a:ext cx="2102488" cy="369332"/>
+            <a:off x="9080740" y="2679952"/>
+            <a:ext cx="2978988" cy="1708160"/>
           </a:xfrm>
           <a:prstGeom prst="rect">
             <a:avLst/>
@@ -6507,31 +7057,62 @@
           </a:bodyPr>
           <a:lstStyle/>
           <a:p>
+            <a:pPr indent="216000">
+              <a:spcBef>
+                <a:spcPts val="1800"/>
+              </a:spcBef>
+              <a:buFont typeface="Arial" pitchFamily="34" charset="0"/>
+              <a:buChar char="•"/>
+            </a:pPr>
             <a:r>
               <a:rPr lang="uk-UA" dirty="0" smtClean="0"/>
-              <a:t>Вибраний елемент</a:t>
-            </a:r>
-            <a:endParaRPr lang="ru-RU" dirty="0"/>
+              <a:t> </a:t>
+            </a:r>
+            <a:r>
+              <a:rPr lang="uk-UA" dirty="0" smtClean="0"/>
+              <a:t>Порівняння кількості натискань на досліджуванні </a:t>
+            </a:r>
+            <a:r>
+              <a:rPr lang="ru-RU" dirty="0" smtClean="0"/>
+              <a:t>е</a:t>
+            </a:r>
+            <a:r>
+              <a:rPr lang="uk-UA" dirty="0" smtClean="0"/>
+              <a:t>лементи</a:t>
+            </a:r>
+          </a:p>
+          <a:p>
+            <a:pPr indent="216000">
+              <a:spcBef>
+                <a:spcPts val="1800"/>
+              </a:spcBef>
+              <a:buFont typeface="Arial" pitchFamily="34" charset="0"/>
+              <a:buChar char="•"/>
+            </a:pPr>
+            <a:r>
+              <a:rPr lang="uk-UA" dirty="0" smtClean="0"/>
+              <a:t> </a:t>
+            </a:r>
+            <a:r>
+              <a:rPr lang="uk-UA" dirty="0" smtClean="0"/>
+              <a:t>Відображення результатів </a:t>
+            </a:r>
+            <a:r>
+              <a:rPr lang="en-US" dirty="0" smtClean="0"/>
+              <a:t>A/B </a:t>
+            </a:r>
+            <a:r>
+              <a:rPr lang="uk-UA" dirty="0" smtClean="0"/>
+              <a:t>тестування</a:t>
+            </a:r>
           </a:p>
         </p:txBody>
       </p:sp>
     </p:spTree>
-    <p:extLst>
-      <p:ext uri="{BB962C8B-B14F-4D97-AF65-F5344CB8AC3E}">
-        <p14:creationId xmlns:p14="http://schemas.microsoft.com/office/powerpoint/2010/main" xmlns="" val="2223158303"/>
-      </p:ext>
-    </p:extLst>
   </p:cSld>
   <p:clrMapOvr>
     <a:masterClrMapping/>
   </p:clrMapOvr>
-  <p:timing>
-    <p:tnLst>
-      <p:par>
-        <p:cTn id="1" dur="indefinite" restart="never" nodeType="tmRoot"/>
-      </p:par>
-    </p:tnLst>
-  </p:timing>
 </p:sld>
 </file>
 
@@ -6564,29 +7145,45 @@
         </p:nvSpPr>
         <p:spPr>
           <a:xfrm>
-            <a:off x="128627" y="0"/>
-            <a:ext cx="11249025" cy="1400530"/>
+            <a:off x="152400" y="296955"/>
+            <a:ext cx="12039600" cy="788894"/>
           </a:xfrm>
         </p:spPr>
         <p:txBody>
           <a:bodyPr/>
           <a:lstStyle/>
           <a:p>
+            <a:r>
+              <a:rPr lang="uk-UA" dirty="0">
+                <a:solidFill>
+                  <a:schemeClr val="bg1"/>
+                </a:solidFill>
+              </a:rPr>
+              <a:t>Створення нового </a:t>
+            </a:r>
             <a:r>
               <a:rPr lang="uk-UA" dirty="0" smtClean="0">
                 <a:solidFill>
                   <a:schemeClr val="bg1"/>
                 </a:solidFill>
               </a:rPr>
-              <a:t>Впровадження </a:t>
-            </a:r>
-            <a:r>
-              <a:rPr lang="uk-UA" dirty="0" err="1" smtClean="0">
+              <a:t>завдання </a:t>
+            </a:r>
+            <a:r>
+              <a:rPr lang="en-US" dirty="0" smtClean="0">
                 <a:solidFill>
                   <a:schemeClr val="bg1"/>
                 </a:solidFill>
               </a:rPr>
-              <a:t>скрипту</a:t>
+              <a:t>A/B </a:t>
+            </a:r>
+            <a:r>
+              <a:rPr lang="uk-UA" dirty="0" smtClean="0">
+                <a:solidFill>
+                  <a:schemeClr val="bg1"/>
+                </a:solidFill>
+              </a:rPr>
+              <a:t>тестування</a:t>
             </a:r>
             <a:endParaRPr lang="ru-RU" dirty="0">
               <a:solidFill>
@@ -6598,36 +7195,46 @@
       </p:sp>
       <p:pic>
         <p:nvPicPr>
-          <p:cNvPr id="6" name="Рисунок 5"/>
-          <p:cNvPicPr/>
+          <p:cNvPr id="1026" name="Picture 2"/>
+          <p:cNvPicPr>
+            <a:picLocks noChangeAspect="1" noChangeArrowheads="1"/>
+          </p:cNvPicPr>
           <p:nvPr/>
         </p:nvPicPr>
         <p:blipFill>
           <a:blip r:embed="rId2" cstate="print"/>
+          <a:srcRect/>
           <a:stretch>
             <a:fillRect/>
           </a:stretch>
         </p:blipFill>
-        <p:spPr>
-          <a:xfrm>
-            <a:off x="378941" y="1631093"/>
-            <a:ext cx="8252222" cy="1581664"/>
+        <p:spPr bwMode="auto">
+          <a:xfrm>
+            <a:off x="2631882" y="1376947"/>
+            <a:ext cx="6554351" cy="5456345"/>
           </a:xfrm>
           <a:prstGeom prst="rect">
             <a:avLst/>
           </a:prstGeom>
+          <a:noFill/>
+          <a:ln w="9525">
+            <a:noFill/>
+            <a:miter lim="800000"/>
+            <a:headEnd/>
+            <a:tailEnd/>
+          </a:ln>
         </p:spPr>
       </p:pic>
       <p:sp>
         <p:nvSpPr>
-          <p:cNvPr id="7" name="Стрелка влево 6"/>
+          <p:cNvPr id="10" name="Стрелка влево 9"/>
           <p:cNvSpPr/>
           <p:nvPr/>
         </p:nvSpPr>
         <p:spPr>
           <a:xfrm>
-            <a:off x="7422293" y="2677298"/>
-            <a:ext cx="584886" cy="280086"/>
+            <a:off x="9226385" y="2265406"/>
+            <a:ext cx="584887" cy="280086"/>
           </a:xfrm>
           <a:prstGeom prst="leftArrow">
             <a:avLst/>
@@ -6660,80 +7267,14 @@
       </p:sp>
       <p:sp>
         <p:nvSpPr>
-          <p:cNvPr id="8" name="TextBox 7"/>
-          <p:cNvSpPr txBox="1"/>
-          <p:nvPr/>
-        </p:nvSpPr>
-        <p:spPr>
-          <a:xfrm>
-            <a:off x="8188411" y="2619633"/>
-            <a:ext cx="2475293" cy="369332"/>
-          </a:xfrm>
-          <a:prstGeom prst="rect">
-            <a:avLst/>
-          </a:prstGeom>
-          <a:noFill/>
-        </p:spPr>
-        <p:txBody>
-          <a:bodyPr wrap="none" rtlCol="0">
-            <a:spAutoFit/>
-          </a:bodyPr>
-          <a:lstStyle/>
-          <a:p>
-            <a:r>
-              <a:rPr lang="uk-UA" dirty="0" err="1" smtClean="0"/>
-              <a:t>Скрипт</a:t>
-            </a:r>
-            <a:r>
-              <a:rPr lang="uk-UA" dirty="0" smtClean="0"/>
-              <a:t> для копіювання</a:t>
-            </a:r>
-            <a:endParaRPr lang="ru-RU" dirty="0"/>
-          </a:p>
-        </p:txBody>
-      </p:sp>
-      <p:pic>
-        <p:nvPicPr>
-          <p:cNvPr id="2050" name="Picture 2"/>
-          <p:cNvPicPr>
-            <a:picLocks noChangeAspect="1" noChangeArrowheads="1"/>
-          </p:cNvPicPr>
-          <p:nvPr/>
-        </p:nvPicPr>
-        <p:blipFill>
-          <a:blip r:embed="rId3" cstate="print"/>
-          <a:srcRect/>
-          <a:stretch>
-            <a:fillRect/>
-          </a:stretch>
-        </p:blipFill>
-        <p:spPr bwMode="auto">
-          <a:xfrm>
-            <a:off x="330278" y="3478942"/>
-            <a:ext cx="9010650" cy="2552700"/>
-          </a:xfrm>
-          <a:prstGeom prst="rect">
-            <a:avLst/>
-          </a:prstGeom>
-          <a:noFill/>
-          <a:ln w="9525">
-            <a:noFill/>
-            <a:miter lim="800000"/>
-            <a:headEnd/>
-            <a:tailEnd/>
-          </a:ln>
-        </p:spPr>
-      </p:pic>
-      <p:sp>
-        <p:nvSpPr>
-          <p:cNvPr id="10" name="Стрелка влево 9"/>
+          <p:cNvPr id="11" name="Стрелка влево 10"/>
           <p:cNvSpPr/>
           <p:nvPr/>
         </p:nvSpPr>
         <p:spPr>
           <a:xfrm>
-            <a:off x="8942176" y="5226909"/>
-            <a:ext cx="584886" cy="280086"/>
+            <a:off x="9222418" y="4221893"/>
+            <a:ext cx="584887" cy="280086"/>
           </a:xfrm>
           <a:prstGeom prst="leftArrow">
             <a:avLst/>
@@ -6766,58 +7307,18 @@
       </p:sp>
       <p:sp>
         <p:nvSpPr>
-          <p:cNvPr id="11" name="TextBox 10"/>
-          <p:cNvSpPr txBox="1"/>
+          <p:cNvPr id="12" name="Стрелка влево 11"/>
+          <p:cNvSpPr/>
           <p:nvPr/>
         </p:nvSpPr>
         <p:spPr>
-          <a:xfrm>
-            <a:off x="9617676" y="5177482"/>
-            <a:ext cx="2382896" cy="369332"/>
-          </a:xfrm>
-          <a:prstGeom prst="rect">
+          <a:xfrm rot="10800000">
+            <a:off x="1985326" y="2792628"/>
+            <a:ext cx="584887" cy="280086"/>
+          </a:xfrm>
+          <a:prstGeom prst="leftArrow">
             <a:avLst/>
           </a:prstGeom>
-          <a:noFill/>
-        </p:spPr>
-        <p:txBody>
-          <a:bodyPr wrap="none" rtlCol="0">
-            <a:spAutoFit/>
-          </a:bodyPr>
-          <a:lstStyle/>
-          <a:p>
-            <a:r>
-              <a:rPr lang="uk-UA" dirty="0" smtClean="0"/>
-              <a:t>Впроваджений </a:t>
-            </a:r>
-            <a:r>
-              <a:rPr lang="uk-UA" dirty="0" err="1" smtClean="0"/>
-              <a:t>скрипт</a:t>
-            </a:r>
-            <a:endParaRPr lang="ru-RU" dirty="0"/>
-          </a:p>
-        </p:txBody>
-      </p:sp>
-      <p:sp>
-        <p:nvSpPr>
-          <p:cNvPr id="13" name="Прямоугольник 12"/>
-          <p:cNvSpPr/>
-          <p:nvPr/>
-        </p:nvSpPr>
-        <p:spPr>
-          <a:xfrm>
-            <a:off x="766119" y="5288692"/>
-            <a:ext cx="8089557" cy="205946"/>
-          </a:xfrm>
-          <a:prstGeom prst="rect">
-            <a:avLst/>
-          </a:prstGeom>
-          <a:noFill/>
-          <a:ln>
-            <a:solidFill>
-              <a:srgbClr val="FF0000"/>
-            </a:solidFill>
-          </a:ln>
         </p:spPr>
         <p:style>
           <a:lnRef idx="2">
@@ -6844,10 +7345,324 @@
           </a:p>
         </p:txBody>
       </p:sp>
+      <p:sp>
+        <p:nvSpPr>
+          <p:cNvPr id="13" name="Стрелка влево 12"/>
+          <p:cNvSpPr/>
+          <p:nvPr/>
+        </p:nvSpPr>
+        <p:spPr>
+          <a:xfrm rot="10800000">
+            <a:off x="1989445" y="1865871"/>
+            <a:ext cx="584887" cy="280086"/>
+          </a:xfrm>
+          <a:prstGeom prst="leftArrow">
+            <a:avLst/>
+          </a:prstGeom>
+        </p:spPr>
+        <p:style>
+          <a:lnRef idx="2">
+            <a:schemeClr val="accent1">
+              <a:shade val="50000"/>
+            </a:schemeClr>
+          </a:lnRef>
+          <a:fillRef idx="1">
+            <a:schemeClr val="accent1"/>
+          </a:fillRef>
+          <a:effectRef idx="0">
+            <a:schemeClr val="accent1"/>
+          </a:effectRef>
+          <a:fontRef idx="minor">
+            <a:schemeClr val="lt1"/>
+          </a:fontRef>
+        </p:style>
+        <p:txBody>
+          <a:bodyPr rtlCol="0" anchor="ctr"/>
+          <a:lstStyle/>
+          <a:p>
+            <a:pPr algn="ctr"/>
+            <a:endParaRPr lang="ru-RU"/>
+          </a:p>
+        </p:txBody>
+      </p:sp>
+      <p:sp>
+        <p:nvSpPr>
+          <p:cNvPr id="14" name="Стрелка влево 13"/>
+          <p:cNvSpPr/>
+          <p:nvPr/>
+        </p:nvSpPr>
+        <p:spPr>
+          <a:xfrm>
+            <a:off x="9185197" y="5461687"/>
+            <a:ext cx="584887" cy="280086"/>
+          </a:xfrm>
+          <a:prstGeom prst="leftArrow">
+            <a:avLst/>
+          </a:prstGeom>
+        </p:spPr>
+        <p:style>
+          <a:lnRef idx="2">
+            <a:schemeClr val="accent1">
+              <a:shade val="50000"/>
+            </a:schemeClr>
+          </a:lnRef>
+          <a:fillRef idx="1">
+            <a:schemeClr val="accent1"/>
+          </a:fillRef>
+          <a:effectRef idx="0">
+            <a:schemeClr val="accent1"/>
+          </a:effectRef>
+          <a:fontRef idx="minor">
+            <a:schemeClr val="lt1"/>
+          </a:fontRef>
+        </p:style>
+        <p:txBody>
+          <a:bodyPr rtlCol="0" anchor="ctr"/>
+          <a:lstStyle/>
+          <a:p>
+            <a:pPr algn="ctr"/>
+            <a:endParaRPr lang="ru-RU"/>
+          </a:p>
+        </p:txBody>
+      </p:sp>
+      <p:sp>
+        <p:nvSpPr>
+          <p:cNvPr id="15" name="TextBox 14"/>
+          <p:cNvSpPr txBox="1"/>
+          <p:nvPr/>
+        </p:nvSpPr>
+        <p:spPr>
+          <a:xfrm>
+            <a:off x="151007" y="1787616"/>
+            <a:ext cx="1853967" cy="646331"/>
+          </a:xfrm>
+          <a:prstGeom prst="rect">
+            <a:avLst/>
+          </a:prstGeom>
+          <a:noFill/>
+        </p:spPr>
+        <p:txBody>
+          <a:bodyPr wrap="square" rtlCol="0">
+            <a:spAutoFit/>
+          </a:bodyPr>
+          <a:lstStyle/>
+          <a:p>
+            <a:r>
+              <a:rPr lang="uk-UA" dirty="0" smtClean="0"/>
+              <a:t>Адреса сторінки</a:t>
+            </a:r>
+            <a:endParaRPr lang="ru-RU" dirty="0"/>
+          </a:p>
+        </p:txBody>
+      </p:sp>
+      <p:sp>
+        <p:nvSpPr>
+          <p:cNvPr id="16" name="TextBox 15"/>
+          <p:cNvSpPr txBox="1"/>
+          <p:nvPr/>
+        </p:nvSpPr>
+        <p:spPr>
+          <a:xfrm>
+            <a:off x="9978441" y="2081911"/>
+            <a:ext cx="2297451" cy="646331"/>
+          </a:xfrm>
+          <a:prstGeom prst="rect">
+            <a:avLst/>
+          </a:prstGeom>
+          <a:noFill/>
+        </p:spPr>
+        <p:txBody>
+          <a:bodyPr wrap="square" rtlCol="0">
+            <a:spAutoFit/>
+          </a:bodyPr>
+          <a:lstStyle/>
+          <a:p>
+            <a:r>
+              <a:rPr lang="uk-UA" dirty="0" smtClean="0"/>
+              <a:t>Селектор вибраного елементу</a:t>
+            </a:r>
+            <a:endParaRPr lang="ru-RU" dirty="0"/>
+          </a:p>
+        </p:txBody>
+      </p:sp>
+      <p:sp>
+        <p:nvSpPr>
+          <p:cNvPr id="17" name="TextBox 16"/>
+          <p:cNvSpPr txBox="1"/>
+          <p:nvPr/>
+        </p:nvSpPr>
+        <p:spPr>
+          <a:xfrm>
+            <a:off x="125841" y="2650925"/>
+            <a:ext cx="1754327" cy="646331"/>
+          </a:xfrm>
+          <a:prstGeom prst="rect">
+            <a:avLst/>
+          </a:prstGeom>
+          <a:noFill/>
+        </p:spPr>
+        <p:txBody>
+          <a:bodyPr wrap="square" rtlCol="0">
+            <a:spAutoFit/>
+          </a:bodyPr>
+          <a:lstStyle/>
+          <a:p>
+            <a:r>
+              <a:rPr lang="uk-UA" dirty="0" smtClean="0"/>
+              <a:t>Оригінальний </a:t>
+            </a:r>
+            <a:endParaRPr lang="en-US" dirty="0" smtClean="0"/>
+          </a:p>
+          <a:p>
+            <a:r>
+              <a:rPr lang="en-US" dirty="0" smtClean="0"/>
+              <a:t>HTML (A)</a:t>
+            </a:r>
+            <a:endParaRPr lang="ru-RU" dirty="0"/>
+          </a:p>
+        </p:txBody>
+      </p:sp>
+      <p:sp>
+        <p:nvSpPr>
+          <p:cNvPr id="18" name="Стрелка влево 17"/>
+          <p:cNvSpPr/>
+          <p:nvPr/>
+        </p:nvSpPr>
+        <p:spPr>
+          <a:xfrm rot="10800000">
+            <a:off x="1978334" y="3834261"/>
+            <a:ext cx="584887" cy="280086"/>
+          </a:xfrm>
+          <a:prstGeom prst="leftArrow">
+            <a:avLst/>
+          </a:prstGeom>
+        </p:spPr>
+        <p:style>
+          <a:lnRef idx="2">
+            <a:schemeClr val="accent1">
+              <a:shade val="50000"/>
+            </a:schemeClr>
+          </a:lnRef>
+          <a:fillRef idx="1">
+            <a:schemeClr val="accent1"/>
+          </a:fillRef>
+          <a:effectRef idx="0">
+            <a:schemeClr val="accent1"/>
+          </a:effectRef>
+          <a:fontRef idx="minor">
+            <a:schemeClr val="lt1"/>
+          </a:fontRef>
+        </p:style>
+        <p:txBody>
+          <a:bodyPr rtlCol="0" anchor="ctr"/>
+          <a:lstStyle/>
+          <a:p>
+            <a:pPr algn="ctr"/>
+            <a:endParaRPr lang="ru-RU"/>
+          </a:p>
+        </p:txBody>
+      </p:sp>
+      <p:sp>
+        <p:nvSpPr>
+          <p:cNvPr id="19" name="TextBox 18"/>
+          <p:cNvSpPr txBox="1"/>
+          <p:nvPr/>
+        </p:nvSpPr>
+        <p:spPr>
+          <a:xfrm>
+            <a:off x="142613" y="3650617"/>
+            <a:ext cx="1344875" cy="646331"/>
+          </a:xfrm>
+          <a:prstGeom prst="rect">
+            <a:avLst/>
+          </a:prstGeom>
+          <a:noFill/>
+        </p:spPr>
+        <p:txBody>
+          <a:bodyPr wrap="square" rtlCol="0">
+            <a:spAutoFit/>
+          </a:bodyPr>
+          <a:lstStyle/>
+          <a:p>
+            <a:r>
+              <a:rPr lang="uk-UA" dirty="0" smtClean="0"/>
+              <a:t>Змінений </a:t>
+            </a:r>
+            <a:endParaRPr lang="en-US" dirty="0" smtClean="0"/>
+          </a:p>
+          <a:p>
+            <a:r>
+              <a:rPr lang="en-US" dirty="0" smtClean="0"/>
+              <a:t>HTML (B)</a:t>
+            </a:r>
+            <a:endParaRPr lang="ru-RU" dirty="0"/>
+          </a:p>
+        </p:txBody>
+      </p:sp>
+      <p:sp>
+        <p:nvSpPr>
+          <p:cNvPr id="20" name="TextBox 19"/>
+          <p:cNvSpPr txBox="1"/>
+          <p:nvPr/>
+        </p:nvSpPr>
+        <p:spPr>
+          <a:xfrm>
+            <a:off x="9957735" y="4051887"/>
+            <a:ext cx="2234268" cy="646331"/>
+          </a:xfrm>
+          <a:prstGeom prst="rect">
+            <a:avLst/>
+          </a:prstGeom>
+          <a:noFill/>
+        </p:spPr>
+        <p:txBody>
+          <a:bodyPr wrap="square" rtlCol="0">
+            <a:spAutoFit/>
+          </a:bodyPr>
+          <a:lstStyle/>
+          <a:p>
+            <a:r>
+              <a:rPr lang="uk-UA" dirty="0" smtClean="0"/>
+              <a:t>Кнопка створення завдання</a:t>
+            </a:r>
+            <a:endParaRPr lang="ru-RU" dirty="0"/>
+          </a:p>
+        </p:txBody>
+      </p:sp>
+      <p:sp>
+        <p:nvSpPr>
+          <p:cNvPr id="21" name="TextBox 20"/>
+          <p:cNvSpPr txBox="1"/>
+          <p:nvPr/>
+        </p:nvSpPr>
+        <p:spPr>
+          <a:xfrm>
+            <a:off x="9999679" y="5368959"/>
+            <a:ext cx="2102488" cy="646331"/>
+          </a:xfrm>
+          <a:prstGeom prst="rect">
+            <a:avLst/>
+          </a:prstGeom>
+          <a:noFill/>
+        </p:spPr>
+        <p:txBody>
+          <a:bodyPr wrap="square" rtlCol="0">
+            <a:spAutoFit/>
+          </a:bodyPr>
+          <a:lstStyle/>
+          <a:p>
+            <a:r>
+              <a:rPr lang="uk-UA" dirty="0" smtClean="0"/>
+              <a:t>Вибраний елемент</a:t>
+            </a:r>
+            <a:endParaRPr lang="ru-RU" dirty="0"/>
+          </a:p>
+        </p:txBody>
+      </p:sp>
     </p:spTree>
     <p:extLst>
       <p:ext uri="{BB962C8B-B14F-4D97-AF65-F5344CB8AC3E}">
-        <p14:creationId xmlns:p14="http://schemas.microsoft.com/office/powerpoint/2010/main" xmlns="" val="4052386969"/>
+        <p14:creationId xmlns="" xmlns:p14="http://schemas.microsoft.com/office/powerpoint/2010/main" val="2223158303"/>
       </p:ext>
     </p:extLst>
   </p:cSld>
@@ -6883,7 +7698,7 @@
       </p:grpSpPr>
       <p:sp>
         <p:nvSpPr>
-          <p:cNvPr id="5" name="Заголовок 1"/>
+          <p:cNvPr id="2" name="Заголовок 1"/>
           <p:cNvSpPr>
             <a:spLocks noGrp="1"/>
           </p:cNvSpPr>
@@ -6893,7 +7708,7 @@
         </p:nvSpPr>
         <p:spPr>
           <a:xfrm>
-            <a:off x="128627" y="0"/>
+            <a:off x="128633" y="0"/>
             <a:ext cx="11249025" cy="1400530"/>
           </a:xfrm>
         </p:spPr>
@@ -6907,9 +7722,17 @@
                   <a:schemeClr val="bg1"/>
                 </a:solidFill>
               </a:rPr>
-              <a:t>Перегляд результатів</a:t>
-            </a:r>
-            <a:endParaRPr lang="uk-UA" dirty="0">
+              <a:t>Впровадження </a:t>
+            </a:r>
+            <a:r>
+              <a:rPr lang="uk-UA" dirty="0" err="1" smtClean="0">
+                <a:solidFill>
+                  <a:schemeClr val="bg1"/>
+                </a:solidFill>
+              </a:rPr>
+              <a:t>скрипту</a:t>
+            </a:r>
+            <a:endParaRPr lang="ru-RU" dirty="0">
               <a:solidFill>
                 <a:schemeClr val="bg1"/>
               </a:solidFill>
@@ -6919,180 +7742,180 @@
       </p:sp>
       <p:pic>
         <p:nvPicPr>
-          <p:cNvPr id="3075" name="Picture 3"/>
+          <p:cNvPr id="12" name="Рисунок 11" descr="copy.png"/>
           <p:cNvPicPr>
-            <a:picLocks noChangeAspect="1" noChangeArrowheads="1"/>
+            <a:picLocks noChangeAspect="1"/>
           </p:cNvPicPr>
           <p:nvPr/>
         </p:nvPicPr>
         <p:blipFill>
           <a:blip r:embed="rId2" cstate="print"/>
-          <a:srcRect/>
           <a:stretch>
             <a:fillRect/>
           </a:stretch>
         </p:blipFill>
-        <p:spPr bwMode="auto">
-          <a:xfrm>
-            <a:off x="7489097" y="1959575"/>
-            <a:ext cx="3095625" cy="2362200"/>
+        <p:spPr>
+          <a:xfrm>
+            <a:off x="771525" y="1866900"/>
+            <a:ext cx="1895475" cy="1895475"/>
+          </a:xfrm>
+          <a:prstGeom prst="rect">
+            <a:avLst/>
+          </a:prstGeom>
+        </p:spPr>
+      </p:pic>
+      <p:sp>
+        <p:nvSpPr>
+          <p:cNvPr id="14" name="TextBox 13"/>
+          <p:cNvSpPr txBox="1"/>
+          <p:nvPr/>
+        </p:nvSpPr>
+        <p:spPr>
+          <a:xfrm>
+            <a:off x="485776" y="4533900"/>
+            <a:ext cx="2724150" cy="646331"/>
           </a:xfrm>
           <a:prstGeom prst="rect">
             <a:avLst/>
           </a:prstGeom>
           <a:noFill/>
-          <a:ln w="9525">
-            <a:noFill/>
-            <a:miter lim="800000"/>
-            <a:headEnd/>
-            <a:tailEnd/>
-          </a:ln>
-        </p:spPr>
-      </p:pic>
+        </p:spPr>
+        <p:txBody>
+          <a:bodyPr wrap="square" rtlCol="0">
+            <a:spAutoFit/>
+          </a:bodyPr>
+          <a:lstStyle/>
+          <a:p>
+            <a:pPr algn="ctr"/>
+            <a:r>
+              <a:rPr lang="uk-UA" dirty="0" smtClean="0"/>
+              <a:t>С</a:t>
+            </a:r>
+            <a:r>
+              <a:rPr lang="uk-UA" dirty="0" smtClean="0"/>
+              <a:t>копіювати </a:t>
+            </a:r>
+            <a:r>
+              <a:rPr lang="uk-UA" dirty="0" err="1" smtClean="0"/>
+              <a:t>згенерований</a:t>
+            </a:r>
+            <a:r>
+              <a:rPr lang="uk-UA" dirty="0" smtClean="0"/>
+              <a:t> </a:t>
+            </a:r>
+            <a:r>
+              <a:rPr lang="uk-UA" dirty="0" err="1" smtClean="0"/>
+              <a:t>скрипт</a:t>
+            </a:r>
+            <a:endParaRPr lang="ru-RU" dirty="0"/>
+          </a:p>
+        </p:txBody>
+      </p:sp>
       <p:pic>
         <p:nvPicPr>
-          <p:cNvPr id="3077" name="Picture 5"/>
+          <p:cNvPr id="15" name="Рисунок 14" descr="computer_key_Insert.png"/>
           <p:cNvPicPr>
-            <a:picLocks noChangeAspect="1" noChangeArrowheads="1"/>
+            <a:picLocks noChangeAspect="1"/>
           </p:cNvPicPr>
           <p:nvPr/>
         </p:nvPicPr>
         <p:blipFill>
           <a:blip r:embed="rId3" cstate="print"/>
-          <a:srcRect/>
           <a:stretch>
             <a:fillRect/>
           </a:stretch>
         </p:blipFill>
-        <p:spPr bwMode="auto">
-          <a:xfrm>
-            <a:off x="1267340" y="1903197"/>
-            <a:ext cx="3067050" cy="2343150"/>
+        <p:spPr>
+          <a:xfrm>
+            <a:off x="9234488" y="1747838"/>
+            <a:ext cx="2086345" cy="1966912"/>
           </a:xfrm>
           <a:prstGeom prst="rect">
             <a:avLst/>
           </a:prstGeom>
-          <a:noFill/>
-          <a:ln w="9525">
-            <a:noFill/>
-            <a:miter lim="800000"/>
-            <a:headEnd/>
-            <a:tailEnd/>
-          </a:ln>
         </p:spPr>
       </p:pic>
-      <p:sp>
-        <p:nvSpPr>
-          <p:cNvPr id="10" name="TextBox 9"/>
-          <p:cNvSpPr txBox="1"/>
-          <p:nvPr/>
-        </p:nvSpPr>
-        <p:spPr>
-          <a:xfrm>
-            <a:off x="1276865" y="1425145"/>
-            <a:ext cx="3023287" cy="369332"/>
-          </a:xfrm>
-          <a:prstGeom prst="rect">
-            <a:avLst/>
-          </a:prstGeom>
-          <a:noFill/>
-        </p:spPr>
-        <p:txBody>
-          <a:bodyPr wrap="square" rtlCol="0">
-            <a:spAutoFit/>
-          </a:bodyPr>
-          <a:lstStyle/>
-          <a:p>
-            <a:pPr algn="ctr"/>
-            <a:r>
-              <a:rPr lang="uk-UA" dirty="0" smtClean="0"/>
-              <a:t>Елемент</a:t>
-            </a:r>
-            <a:r>
-              <a:rPr lang="en-US" dirty="0" smtClean="0"/>
-              <a:t> A</a:t>
-            </a:r>
-            <a:endParaRPr lang="ru-RU" dirty="0"/>
-          </a:p>
-        </p:txBody>
-      </p:sp>
-      <p:sp>
-        <p:nvSpPr>
-          <p:cNvPr id="11" name="TextBox 10"/>
-          <p:cNvSpPr txBox="1"/>
-          <p:nvPr/>
-        </p:nvSpPr>
-        <p:spPr>
-          <a:xfrm>
-            <a:off x="7525265" y="1462215"/>
-            <a:ext cx="3023287" cy="369332"/>
-          </a:xfrm>
-          <a:prstGeom prst="rect">
-            <a:avLst/>
-          </a:prstGeom>
-          <a:noFill/>
-        </p:spPr>
-        <p:txBody>
-          <a:bodyPr wrap="square" rtlCol="0">
-            <a:spAutoFit/>
-          </a:bodyPr>
-          <a:lstStyle/>
-          <a:p>
-            <a:pPr algn="ctr"/>
-            <a:r>
-              <a:rPr lang="uk-UA" dirty="0" smtClean="0"/>
-              <a:t>Елемент</a:t>
-            </a:r>
-            <a:r>
-              <a:rPr lang="en-US" dirty="0" smtClean="0"/>
-              <a:t> B</a:t>
-            </a:r>
-            <a:endParaRPr lang="ru-RU" dirty="0"/>
-          </a:p>
-        </p:txBody>
-      </p:sp>
       <p:pic>
         <p:nvPicPr>
-          <p:cNvPr id="3078" name="Picture 6"/>
+          <p:cNvPr id="16" name="Рисунок 15" descr="search-icon.png"/>
           <p:cNvPicPr>
-            <a:picLocks noChangeAspect="1" noChangeArrowheads="1"/>
+            <a:picLocks noChangeAspect="1"/>
           </p:cNvPicPr>
           <p:nvPr/>
         </p:nvPicPr>
         <p:blipFill>
           <a:blip r:embed="rId4" cstate="print"/>
-          <a:srcRect/>
           <a:stretch>
             <a:fillRect/>
           </a:stretch>
         </p:blipFill>
-        <p:spPr bwMode="auto">
-          <a:xfrm>
-            <a:off x="1701114" y="5537629"/>
-            <a:ext cx="8229600" cy="857250"/>
+        <p:spPr>
+          <a:xfrm>
+            <a:off x="4990831" y="1838325"/>
+            <a:ext cx="2410094" cy="2046170"/>
+          </a:xfrm>
+          <a:prstGeom prst="rect">
+            <a:avLst/>
+          </a:prstGeom>
+        </p:spPr>
+      </p:pic>
+      <p:sp>
+        <p:nvSpPr>
+          <p:cNvPr id="17" name="TextBox 16"/>
+          <p:cNvSpPr txBox="1"/>
+          <p:nvPr/>
+        </p:nvSpPr>
+        <p:spPr>
+          <a:xfrm>
+            <a:off x="4810126" y="4581525"/>
+            <a:ext cx="2724150" cy="923330"/>
           </a:xfrm>
           <a:prstGeom prst="rect">
             <a:avLst/>
           </a:prstGeom>
           <a:noFill/>
-          <a:ln w="9525">
-            <a:noFill/>
-            <a:miter lim="800000"/>
-            <a:headEnd/>
-            <a:tailEnd/>
-          </a:ln>
-        </p:spPr>
-      </p:pic>
-      <p:sp>
-        <p:nvSpPr>
-          <p:cNvPr id="13" name="TextBox 12"/>
+        </p:spPr>
+        <p:txBody>
+          <a:bodyPr wrap="square" rtlCol="0">
+            <a:spAutoFit/>
+          </a:bodyPr>
+          <a:lstStyle/>
+          <a:p>
+            <a:pPr algn="ctr"/>
+            <a:r>
+              <a:rPr lang="uk-UA" dirty="0" smtClean="0"/>
+              <a:t>Знайти досліджувану сторінку </a:t>
+            </a:r>
+            <a:r>
+              <a:rPr lang="en-US" dirty="0" smtClean="0"/>
+              <a:t>a</a:t>
+            </a:r>
+            <a:r>
+              <a:rPr lang="uk-UA" dirty="0" smtClean="0"/>
+              <a:t>бо </a:t>
+            </a:r>
+            <a:r>
+              <a:rPr lang="en-US" dirty="0" smtClean="0"/>
+              <a:t>layout-</a:t>
+            </a:r>
+            <a:r>
+              <a:rPr lang="uk-UA" dirty="0" smtClean="0"/>
+              <a:t>сторінку  </a:t>
+            </a:r>
+            <a:endParaRPr lang="ru-RU" dirty="0"/>
+          </a:p>
+        </p:txBody>
+      </p:sp>
+      <p:sp>
+        <p:nvSpPr>
+          <p:cNvPr id="18" name="TextBox 17"/>
           <p:cNvSpPr txBox="1"/>
           <p:nvPr/>
         </p:nvSpPr>
         <p:spPr>
           <a:xfrm>
-            <a:off x="4860325" y="5189838"/>
-            <a:ext cx="2139560" cy="369332"/>
+            <a:off x="8782051" y="4591050"/>
+            <a:ext cx="2724150" cy="646331"/>
           </a:xfrm>
           <a:prstGeom prst="rect">
             <a:avLst/>
@@ -7100,20 +7923,34 @@
           <a:noFill/>
         </p:spPr>
         <p:txBody>
-          <a:bodyPr wrap="none" rtlCol="0">
+          <a:bodyPr wrap="square" rtlCol="0">
             <a:spAutoFit/>
           </a:bodyPr>
           <a:lstStyle/>
           <a:p>
+            <a:pPr algn="ctr"/>
             <a:r>
               <a:rPr lang="uk-UA" dirty="0" smtClean="0"/>
-              <a:t>Таблиця результатів</a:t>
+              <a:t>Вставити скопійований  раніше </a:t>
+            </a:r>
+            <a:r>
+              <a:rPr lang="uk-UA" dirty="0" err="1" smtClean="0"/>
+              <a:t>скрипт</a:t>
+            </a:r>
+            <a:r>
+              <a:rPr lang="uk-UA" dirty="0" smtClean="0"/>
+              <a:t> на сторінку </a:t>
             </a:r>
             <a:endParaRPr lang="ru-RU" dirty="0"/>
           </a:p>
         </p:txBody>
       </p:sp>
     </p:spTree>
+    <p:extLst>
+      <p:ext uri="{BB962C8B-B14F-4D97-AF65-F5344CB8AC3E}">
+        <p14:creationId xmlns="" xmlns:p14="http://schemas.microsoft.com/office/powerpoint/2010/main" val="4052386969"/>
+      </p:ext>
+    </p:extLst>
   </p:cSld>
   <p:clrMapOvr>
     <a:masterClrMapping/>
@@ -7417,7 +8254,7 @@
   <a:extraClrSchemeLst/>
   <a:extLst>
     <a:ext uri="{05A4C25C-085E-4340-85A3-A5531E510DB2}">
-      <thm15:themeFamily xmlns:thm15="http://schemas.microsoft.com/office/thememl/2012/main" xmlns="" name="Office Theme" id="{62F939B6-93AF-4DB8-9C6B-D6C7DFDC589F}" vid="{4A3C46E8-61CC-4603-A589-7422A47A8E4A}"/>
+      <thm15:themeFamily xmlns="" xmlns:thm15="http://schemas.microsoft.com/office/thememl/2012/main" name="Office Theme" id="{62F939B6-93AF-4DB8-9C6B-D6C7DFDC589F}" vid="{4A3C46E8-61CC-4603-A589-7422A47A8E4A}"/>
     </a:ext>
   </a:extLst>
 </a:theme>
@@ -7678,7 +8515,7 @@
   <a:extraClrSchemeLst/>
   <a:extLst>
     <a:ext uri="{05A4C25C-085E-4340-85A3-A5531E510DB2}">
-      <thm15:themeFamily xmlns:thm15="http://schemas.microsoft.com/office/thememl/2012/main" xmlns="" name="Office Theme" id="{62F939B6-93AF-4DB8-9C6B-D6C7DFDC589F}" vid="{4A3C46E8-61CC-4603-A589-7422A47A8E4A}"/>
+      <thm15:themeFamily xmlns="" xmlns:thm15="http://schemas.microsoft.com/office/thememl/2012/main" name="Office Theme" id="{62F939B6-93AF-4DB8-9C6B-D6C7DFDC589F}" vid="{4A3C46E8-61CC-4603-A589-7422A47A8E4A}"/>
     </a:ext>
   </a:extLst>
 </a:theme>
@@ -7939,7 +8776,7 @@
   <a:extraClrSchemeLst/>
   <a:extLst>
     <a:ext uri="{05A4C25C-085E-4340-85A3-A5531E510DB2}">
-      <thm15:themeFamily xmlns:thm15="http://schemas.microsoft.com/office/thememl/2012/main" xmlns="" name="Office Theme" id="{62F939B6-93AF-4DB8-9C6B-D6C7DFDC589F}" vid="{4A3C46E8-61CC-4603-A589-7422A47A8E4A}"/>
+      <thm15:themeFamily xmlns="" xmlns:thm15="http://schemas.microsoft.com/office/thememl/2012/main" name="Office Theme" id="{62F939B6-93AF-4DB8-9C6B-D6C7DFDC589F}" vid="{4A3C46E8-61CC-4603-A589-7422A47A8E4A}"/>
     </a:ext>
   </a:extLst>
 </a:theme>

--- a/Система AB тестування.pptx
+++ b/Система AB тестування.pptx
@@ -123,7 +123,7 @@
   </p:defaultTextStyle>
   <p:extLst>
     <p:ext uri="{521415D9-36F7-43E2-AB2F-B90AF26B5E84}">
-      <p14:sectionLst xmlns="" xmlns:p14="http://schemas.microsoft.com/office/powerpoint/2010/main">
+      <p14:sectionLst xmlns:p14="http://schemas.microsoft.com/office/powerpoint/2010/main" xmlns="">
         <p14:section name="Добро пожаловать!" id="{E75E278A-FF0E-49A4-B170-79828D63BBAD}">
           <p14:sldIdLst>
             <p14:sldId id="256"/>
@@ -150,7 +150,7 @@
       </p14:sectionLst>
     </p:ext>
     <p:ext uri="{EFAFB233-063F-42B5-8137-9DF3F51BA10A}">
-      <p15:sldGuideLst xmlns="" xmlns:p15="http://schemas.microsoft.com/office/powerpoint/2012/main">
+      <p15:sldGuideLst xmlns:p15="http://schemas.microsoft.com/office/powerpoint/2012/main" xmlns="">
         <p15:guide id="1" orient="horz" pos="2160" userDrawn="1">
           <p15:clr>
             <a:srgbClr val="A4A3A4"/>
@@ -164,7 +164,7 @@
       </p15:sldGuideLst>
     </p:ext>
     <p:ext uri="{2D200454-40CA-4A62-9FC3-DE9A4176ACB9}">
-      <p15:notesGuideLst xmlns="" xmlns:p15="http://schemas.microsoft.com/office/powerpoint/2012/main"/>
+      <p15:notesGuideLst xmlns:p15="http://schemas.microsoft.com/office/powerpoint/2012/main" xmlns=""/>
     </p:ext>
   </p:extLst>
 </p:presentation>
@@ -335,7 +335,7 @@
     </p:spTree>
     <p:extLst>
       <p:ext uri="{BB962C8B-B14F-4D97-AF65-F5344CB8AC3E}">
-        <p14:creationId xmlns="" xmlns:p14="http://schemas.microsoft.com/office/powerpoint/2010/main" val="2588760190"/>
+        <p14:creationId xmlns:p14="http://schemas.microsoft.com/office/powerpoint/2010/main" xmlns="" val="2588760190"/>
       </p:ext>
     </p:extLst>
   </p:cSld>
@@ -594,7 +594,7 @@
     </p:spTree>
     <p:extLst>
       <p:ext uri="{BB962C8B-B14F-4D97-AF65-F5344CB8AC3E}">
-        <p14:creationId xmlns="" xmlns:p14="http://schemas.microsoft.com/office/powerpoint/2010/main" val="3381910297"/>
+        <p14:creationId xmlns:p14="http://schemas.microsoft.com/office/powerpoint/2010/main" xmlns="" val="3381910297"/>
       </p:ext>
     </p:extLst>
   </p:cSld>
@@ -787,7 +787,7 @@
     </p:spTree>
     <p:extLst>
       <p:ext uri="{BB962C8B-B14F-4D97-AF65-F5344CB8AC3E}">
-        <p14:creationId xmlns="" xmlns:p14="http://schemas.microsoft.com/office/powerpoint/2010/main" val="1011769815"/>
+        <p14:creationId xmlns:p14="http://schemas.microsoft.com/office/powerpoint/2010/main" xmlns="" val="1011769815"/>
       </p:ext>
     </p:extLst>
   </p:cSld>
@@ -1025,7 +1025,7 @@
     </p:spTree>
     <p:extLst>
       <p:ext uri="{BB962C8B-B14F-4D97-AF65-F5344CB8AC3E}">
-        <p14:creationId xmlns="" xmlns:p14="http://schemas.microsoft.com/office/powerpoint/2010/main" val="388772796"/>
+        <p14:creationId xmlns:p14="http://schemas.microsoft.com/office/powerpoint/2010/main" xmlns="" val="388772796"/>
       </p:ext>
     </p:extLst>
   </p:cSld>
@@ -1241,7 +1241,7 @@
     </p:spTree>
     <p:extLst>
       <p:ext uri="{BB962C8B-B14F-4D97-AF65-F5344CB8AC3E}">
-        <p14:creationId xmlns="" xmlns:p14="http://schemas.microsoft.com/office/powerpoint/2010/main" val="2323281805"/>
+        <p14:creationId xmlns:p14="http://schemas.microsoft.com/office/powerpoint/2010/main" xmlns="" val="2323281805"/>
       </p:ext>
     </p:extLst>
   </p:cSld>
@@ -1467,7 +1467,7 @@
     </p:spTree>
     <p:extLst>
       <p:ext uri="{BB962C8B-B14F-4D97-AF65-F5344CB8AC3E}">
-        <p14:creationId xmlns="" xmlns:p14="http://schemas.microsoft.com/office/powerpoint/2010/main" val="1762298306"/>
+        <p14:creationId xmlns:p14="http://schemas.microsoft.com/office/powerpoint/2010/main" xmlns="" val="1762298306"/>
       </p:ext>
     </p:extLst>
   </p:cSld>
@@ -1683,7 +1683,7 @@
     </p:spTree>
     <p:extLst>
       <p:ext uri="{BB962C8B-B14F-4D97-AF65-F5344CB8AC3E}">
-        <p14:creationId xmlns="" xmlns:p14="http://schemas.microsoft.com/office/powerpoint/2010/main" val="1419191672"/>
+        <p14:creationId xmlns:p14="http://schemas.microsoft.com/office/powerpoint/2010/main" xmlns="" val="1419191672"/>
       </p:ext>
     </p:extLst>
   </p:cSld>
@@ -1976,7 +1976,7 @@
     </p:spTree>
     <p:extLst>
       <p:ext uri="{BB962C8B-B14F-4D97-AF65-F5344CB8AC3E}">
-        <p14:creationId xmlns="" xmlns:p14="http://schemas.microsoft.com/office/powerpoint/2010/main" val="826578174"/>
+        <p14:creationId xmlns:p14="http://schemas.microsoft.com/office/powerpoint/2010/main" xmlns="" val="826578174"/>
       </p:ext>
     </p:extLst>
   </p:cSld>
@@ -2253,7 +2253,7 @@
     </p:spTree>
     <p:extLst>
       <p:ext uri="{BB962C8B-B14F-4D97-AF65-F5344CB8AC3E}">
-        <p14:creationId xmlns="" xmlns:p14="http://schemas.microsoft.com/office/powerpoint/2010/main" val="708682369"/>
+        <p14:creationId xmlns:p14="http://schemas.microsoft.com/office/powerpoint/2010/main" xmlns="" val="708682369"/>
       </p:ext>
     </p:extLst>
   </p:cSld>
@@ -2665,7 +2665,7 @@
     </p:spTree>
     <p:extLst>
       <p:ext uri="{BB962C8B-B14F-4D97-AF65-F5344CB8AC3E}">
-        <p14:creationId xmlns="" xmlns:p14="http://schemas.microsoft.com/office/powerpoint/2010/main" val="1054969621"/>
+        <p14:creationId xmlns:p14="http://schemas.microsoft.com/office/powerpoint/2010/main" xmlns="" val="1054969621"/>
       </p:ext>
     </p:extLst>
   </p:cSld>
@@ -2830,7 +2830,7 @@
     </p:spTree>
     <p:extLst>
       <p:ext uri="{BB962C8B-B14F-4D97-AF65-F5344CB8AC3E}">
-        <p14:creationId xmlns="" xmlns:p14="http://schemas.microsoft.com/office/powerpoint/2010/main" val="1001349013"/>
+        <p14:creationId xmlns:p14="http://schemas.microsoft.com/office/powerpoint/2010/main" xmlns="" val="1001349013"/>
       </p:ext>
     </p:extLst>
   </p:cSld>
@@ -2927,7 +2927,7 @@
     </p:spTree>
     <p:extLst>
       <p:ext uri="{BB962C8B-B14F-4D97-AF65-F5344CB8AC3E}">
-        <p14:creationId xmlns="" xmlns:p14="http://schemas.microsoft.com/office/powerpoint/2010/main" val="1995261504"/>
+        <p14:creationId xmlns:p14="http://schemas.microsoft.com/office/powerpoint/2010/main" xmlns="" val="1995261504"/>
       </p:ext>
     </p:extLst>
   </p:cSld>
@@ -3204,7 +3204,7 @@
     </p:spTree>
     <p:extLst>
       <p:ext uri="{BB962C8B-B14F-4D97-AF65-F5344CB8AC3E}">
-        <p14:creationId xmlns="" xmlns:p14="http://schemas.microsoft.com/office/powerpoint/2010/main" val="3090150606"/>
+        <p14:creationId xmlns:p14="http://schemas.microsoft.com/office/powerpoint/2010/main" xmlns="" val="3090150606"/>
       </p:ext>
     </p:extLst>
   </p:cSld>
@@ -3458,7 +3458,7 @@
     </p:spTree>
     <p:extLst>
       <p:ext uri="{BB962C8B-B14F-4D97-AF65-F5344CB8AC3E}">
-        <p14:creationId xmlns="" xmlns:p14="http://schemas.microsoft.com/office/powerpoint/2010/main" val="1094681039"/>
+        <p14:creationId xmlns:p14="http://schemas.microsoft.com/office/powerpoint/2010/main" xmlns="" val="1094681039"/>
       </p:ext>
     </p:extLst>
   </p:cSld>
@@ -3707,7 +3707,7 @@
     </p:spTree>
     <p:extLst>
       <p:ext uri="{BB962C8B-B14F-4D97-AF65-F5344CB8AC3E}">
-        <p14:creationId xmlns="" xmlns:p14="http://schemas.microsoft.com/office/powerpoint/2010/main" val="2113765195"/>
+        <p14:creationId xmlns:p14="http://schemas.microsoft.com/office/powerpoint/2010/main" xmlns="" val="2113765195"/>
       </p:ext>
     </p:extLst>
   </p:cSld>
@@ -4198,7 +4198,7 @@
     </p:spTree>
     <p:extLst>
       <p:ext uri="{BB962C8B-B14F-4D97-AF65-F5344CB8AC3E}">
-        <p14:creationId xmlns="" xmlns:p14="http://schemas.microsoft.com/office/powerpoint/2010/main" val="2471807738"/>
+        <p14:creationId xmlns:p14="http://schemas.microsoft.com/office/powerpoint/2010/main" xmlns="" val="2471807738"/>
       </p:ext>
     </p:extLst>
   </p:cSld>
@@ -4588,19 +4588,7 @@
             </a:r>
             <a:r>
               <a:rPr lang="uk-UA" sz="2000" dirty="0" smtClean="0"/>
-              <a:t>визначити найпривабливіший вигляд сторінки для </a:t>
-            </a:r>
-            <a:r>
-              <a:rPr lang="uk-UA" sz="2000" dirty="0" smtClean="0"/>
-              <a:t>відвідувачів</a:t>
-            </a:r>
-            <a:r>
-              <a:rPr lang="uk-UA" sz="2000" dirty="0" smtClean="0"/>
-              <a:t> </a:t>
-            </a:r>
-            <a:r>
-              <a:rPr lang="uk-UA" sz="2000" dirty="0" smtClean="0"/>
-              <a:t>сайту</a:t>
+              <a:t>визначити найпривабливіший вигляд сторінки для відвідувачів сайту</a:t>
             </a:r>
             <a:endParaRPr lang="en-US" sz="2000" dirty="0" smtClean="0"/>
           </a:p>
@@ -4627,7 +4615,6 @@
               <a:rPr lang="uk-UA" sz="2000" dirty="0" smtClean="0"/>
               <a:t>тестування</a:t>
             </a:r>
-            <a:endParaRPr lang="uk-UA" sz="2000" dirty="0" smtClean="0"/>
           </a:p>
           <a:p>
             <a:pPr marL="342900" indent="-342900">
@@ -4642,25 +4629,8 @@
             </a:pPr>
             <a:r>
               <a:rPr lang="uk-UA" sz="2000" dirty="0" smtClean="0"/>
-              <a:t>Розроблено механізм створення </a:t>
-            </a:r>
-            <a:r>
-              <a:rPr lang="uk-UA" sz="2000" dirty="0" smtClean="0"/>
-              <a:t>задачі A/B </a:t>
-            </a:r>
-            <a:r>
-              <a:rPr lang="uk-UA" sz="2000" dirty="0" smtClean="0"/>
-              <a:t>тестування та розпізнавання </a:t>
-            </a:r>
-            <a:r>
-              <a:rPr lang="uk-UA" sz="2000" dirty="0" smtClean="0"/>
-              <a:t>елементів HTML </a:t>
-            </a:r>
-            <a:r>
-              <a:rPr lang="uk-UA" sz="2000" dirty="0" smtClean="0"/>
-              <a:t>сторінки</a:t>
-            </a:r>
-            <a:endParaRPr lang="uk-UA" sz="2000" dirty="0" smtClean="0"/>
+              <a:t>Розроблено механізм створення задачі A/B тестування та розпізнавання елементів HTML сторінки</a:t>
+            </a:r>
           </a:p>
           <a:p>
             <a:pPr marL="342900" indent="-342900">
@@ -4675,15 +4645,7 @@
             </a:pPr>
             <a:r>
               <a:rPr lang="uk-UA" sz="2000" dirty="0" smtClean="0"/>
-              <a:t>Реалізовано можливість динамічної підміни елементу </a:t>
-            </a:r>
-            <a:r>
-              <a:rPr lang="uk-UA" sz="2000" dirty="0" smtClean="0"/>
-              <a:t>на сайті </a:t>
-            </a:r>
-            <a:r>
-              <a:rPr lang="uk-UA" sz="2000" dirty="0" smtClean="0"/>
-              <a:t>користувача</a:t>
+              <a:t>Реалізовано можливість динамічної підміни елементу на сайті користувача</a:t>
             </a:r>
             <a:r>
               <a:rPr lang="en-US" sz="2000" dirty="0" smtClean="0"/>
@@ -4691,24 +4653,15 @@
             </a:r>
             <a:r>
               <a:rPr lang="uk-UA" sz="2000" dirty="0" smtClean="0"/>
-              <a:t>відстеження </a:t>
-            </a:r>
-            <a:r>
-              <a:rPr lang="uk-UA" sz="2000" dirty="0" smtClean="0"/>
-              <a:t>переглядів сторінки та натискань на вибраний </a:t>
-            </a:r>
-            <a:r>
-              <a:rPr lang="uk-UA" sz="2000" dirty="0" smtClean="0"/>
-              <a:t>елемент</a:t>
-            </a:r>
-            <a:endParaRPr lang="uk-UA" sz="2000" dirty="0" smtClean="0"/>
+              <a:t>відстеження переглядів сторінки та натискань на вибраний елемент</a:t>
+            </a:r>
           </a:p>
         </p:txBody>
       </p:sp>
     </p:spTree>
     <p:extLst>
       <p:ext uri="{BB962C8B-B14F-4D97-AF65-F5344CB8AC3E}">
-        <p14:creationId xmlns="" xmlns:p14="http://schemas.microsoft.com/office/powerpoint/2010/main" val="1278517873"/>
+        <p14:creationId xmlns:p14="http://schemas.microsoft.com/office/powerpoint/2010/main" xmlns="" val="1278517873"/>
       </p:ext>
     </p:extLst>
   </p:cSld>
@@ -4773,7 +4726,7 @@
     </p:spTree>
     <p:extLst>
       <p:ext uri="{BB962C8B-B14F-4D97-AF65-F5344CB8AC3E}">
-        <p14:creationId xmlns="" xmlns:p14="http://schemas.microsoft.com/office/powerpoint/2010/main" val="498439014"/>
+        <p14:creationId xmlns:p14="http://schemas.microsoft.com/office/powerpoint/2010/main" xmlns="" val="498439014"/>
       </p:ext>
     </p:extLst>
   </p:cSld>
@@ -5151,7 +5104,7 @@
     </p:spTree>
     <p:extLst>
       <p:ext uri="{BB962C8B-B14F-4D97-AF65-F5344CB8AC3E}">
-        <p14:creationId xmlns="" xmlns:p14="http://schemas.microsoft.com/office/powerpoint/2010/main" val="2090733893"/>
+        <p14:creationId xmlns:p14="http://schemas.microsoft.com/office/powerpoint/2010/main" xmlns="" val="2090733893"/>
       </p:ext>
     </p:extLst>
   </p:cSld>
@@ -5355,15 +5308,7 @@
             </a:pPr>
             <a:r>
               <a:rPr lang="uk-UA" sz="2000" dirty="0" smtClean="0"/>
-              <a:t>Динамічна підміна </a:t>
-            </a:r>
-            <a:r>
-              <a:rPr lang="uk-UA" sz="2000" dirty="0" smtClean="0"/>
-              <a:t>елементу </a:t>
-            </a:r>
-            <a:r>
-              <a:rPr lang="uk-UA" sz="2000" dirty="0" smtClean="0"/>
-              <a:t>на сайті користувача</a:t>
+              <a:t>Динамічна підміна елементу на сайті користувача</a:t>
             </a:r>
           </a:p>
           <a:p>
@@ -5376,11 +5321,7 @@
             </a:pPr>
             <a:r>
               <a:rPr lang="uk-UA" sz="2000" dirty="0" smtClean="0"/>
-              <a:t>Відстеження переглядів сторінки </a:t>
-            </a:r>
-            <a:r>
-              <a:rPr lang="uk-UA" sz="2000" dirty="0" smtClean="0"/>
-              <a:t>та натискань на вибраний елемент</a:t>
+              <a:t>Відстеження переглядів сторінки та натискань на вибраний елемент</a:t>
             </a:r>
           </a:p>
           <a:p>
@@ -5402,7 +5343,7 @@
     </p:spTree>
     <p:extLst>
       <p:ext uri="{BB962C8B-B14F-4D97-AF65-F5344CB8AC3E}">
-        <p14:creationId xmlns="" xmlns:p14="http://schemas.microsoft.com/office/powerpoint/2010/main" val="1499431874"/>
+        <p14:creationId xmlns:p14="http://schemas.microsoft.com/office/powerpoint/2010/main" xmlns="" val="1499431874"/>
       </p:ext>
     </p:extLst>
   </p:cSld>
@@ -5508,7 +5449,7 @@
           <a:blip r:embed="rId2" cstate="print">
             <a:extLst>
               <a:ext uri="{28A0092B-C50C-407E-A947-70E740481C1C}">
-                <a14:useLocalDpi xmlns="" xmlns:a14="http://schemas.microsoft.com/office/drawing/2010/main" val="0"/>
+                <a14:useLocalDpi xmlns:a14="http://schemas.microsoft.com/office/drawing/2010/main" xmlns="" val="0"/>
               </a:ext>
             </a:extLst>
           </a:blip>
@@ -5535,7 +5476,7 @@
           <p:nvPr>
             <p:extLst>
               <p:ext uri="{D42A27DB-BD31-4B8C-83A1-F6EECF244321}">
-                <p14:modId xmlns="" xmlns:p14="http://schemas.microsoft.com/office/powerpoint/2010/main" val="2171312508"/>
+                <p14:modId xmlns:p14="http://schemas.microsoft.com/office/powerpoint/2010/main" xmlns="" val="2171312508"/>
               </p:ext>
             </p:extLst>
           </p:nvPr>
@@ -5554,14 +5495,14 @@
                 <a:gridCol w="5664247">
                   <a:extLst>
                     <a:ext uri="{9D8B030D-6E8A-4147-A177-3AD203B41FA5}">
-                      <a16:colId xmlns="" xmlns:a16="http://schemas.microsoft.com/office/drawing/2014/main" val="20000"/>
+                      <a16:colId xmlns:a16="http://schemas.microsoft.com/office/drawing/2014/main" xmlns="" val="20000"/>
                     </a:ext>
                   </a:extLst>
                 </a:gridCol>
                 <a:gridCol w="5664247">
                   <a:extLst>
                     <a:ext uri="{9D8B030D-6E8A-4147-A177-3AD203B41FA5}">
-                      <a16:colId xmlns="" xmlns:a16="http://schemas.microsoft.com/office/drawing/2014/main" val="20001"/>
+                      <a16:colId xmlns:a16="http://schemas.microsoft.com/office/drawing/2014/main" xmlns="" val="20001"/>
                     </a:ext>
                   </a:extLst>
                 </a:gridCol>
@@ -5693,7 +5634,7 @@
                 </a:tc>
                 <a:extLst>
                   <a:ext uri="{0D108BD9-81ED-4DB2-BD59-A6C34878D82A}">
-                    <a16:rowId xmlns="" xmlns:a16="http://schemas.microsoft.com/office/drawing/2014/main" val="10000"/>
+                    <a16:rowId xmlns:a16="http://schemas.microsoft.com/office/drawing/2014/main" xmlns="" val="10000"/>
                   </a:ext>
                 </a:extLst>
               </a:tr>
@@ -5824,7 +5765,7 @@
                 </a:tc>
                 <a:extLst>
                   <a:ext uri="{0D108BD9-81ED-4DB2-BD59-A6C34878D82A}">
-                    <a16:rowId xmlns="" xmlns:a16="http://schemas.microsoft.com/office/drawing/2014/main" val="10001"/>
+                    <a16:rowId xmlns:a16="http://schemas.microsoft.com/office/drawing/2014/main" xmlns="" val="10001"/>
                   </a:ext>
                 </a:extLst>
               </a:tr>
@@ -5960,7 +5901,7 @@
                 </a:tc>
                 <a:extLst>
                   <a:ext uri="{0D108BD9-81ED-4DB2-BD59-A6C34878D82A}">
-                    <a16:rowId xmlns="" xmlns:a16="http://schemas.microsoft.com/office/drawing/2014/main" val="10002"/>
+                    <a16:rowId xmlns:a16="http://schemas.microsoft.com/office/drawing/2014/main" xmlns="" val="10002"/>
                   </a:ext>
                 </a:extLst>
               </a:tr>
@@ -6083,7 +6024,7 @@
                 </a:tc>
                 <a:extLst>
                   <a:ext uri="{0D108BD9-81ED-4DB2-BD59-A6C34878D82A}">
-                    <a16:rowId xmlns="" xmlns:a16="http://schemas.microsoft.com/office/drawing/2014/main" val="10003"/>
+                    <a16:rowId xmlns:a16="http://schemas.microsoft.com/office/drawing/2014/main" xmlns="" val="10003"/>
                   </a:ext>
                 </a:extLst>
               </a:tr>
@@ -6210,7 +6151,7 @@
                 </a:tc>
                 <a:extLst>
                   <a:ext uri="{0D108BD9-81ED-4DB2-BD59-A6C34878D82A}">
-                    <a16:rowId xmlns="" xmlns:a16="http://schemas.microsoft.com/office/drawing/2014/main" val="10005"/>
+                    <a16:rowId xmlns:a16="http://schemas.microsoft.com/office/drawing/2014/main" xmlns="" val="10005"/>
                   </a:ext>
                 </a:extLst>
               </a:tr>
@@ -6221,7 +6162,7 @@
     </p:spTree>
     <p:extLst>
       <p:ext uri="{BB962C8B-B14F-4D97-AF65-F5344CB8AC3E}">
-        <p14:creationId xmlns="" xmlns:p14="http://schemas.microsoft.com/office/powerpoint/2010/main" val="690457169"/>
+        <p14:creationId xmlns:p14="http://schemas.microsoft.com/office/powerpoint/2010/main" xmlns="" val="690457169"/>
       </p:ext>
     </p:extLst>
   </p:cSld>
@@ -6318,7 +6259,7 @@
     </p:spTree>
     <p:extLst>
       <p:ext uri="{BB962C8B-B14F-4D97-AF65-F5344CB8AC3E}">
-        <p14:creationId xmlns="" xmlns:p14="http://schemas.microsoft.com/office/powerpoint/2010/main" val="1093359983"/>
+        <p14:creationId xmlns:p14="http://schemas.microsoft.com/office/powerpoint/2010/main" xmlns="" val="1093359983"/>
       </p:ext>
     </p:extLst>
   </p:cSld>
@@ -6425,7 +6366,7 @@
     </p:spTree>
     <p:extLst>
       <p:ext uri="{BB962C8B-B14F-4D97-AF65-F5344CB8AC3E}">
-        <p14:creationId xmlns="" xmlns:p14="http://schemas.microsoft.com/office/powerpoint/2010/main" val="206256187"/>
+        <p14:creationId xmlns:p14="http://schemas.microsoft.com/office/powerpoint/2010/main" xmlns="" val="206256187"/>
       </p:ext>
     </p:extLst>
   </p:cSld>
@@ -6487,21 +6428,8 @@
                   <a:schemeClr val="bg1"/>
                 </a:solidFill>
               </a:rPr>
-              <a:t>Етапи </a:t>
-            </a:r>
-            <a:r>
-              <a:rPr lang="uk-UA" sz="4000" dirty="0" smtClean="0">
-                <a:solidFill>
-                  <a:schemeClr val="bg1"/>
-                </a:solidFill>
-              </a:rPr>
-              <a:t>роботи з системою</a:t>
-            </a:r>
-            <a:endParaRPr lang="uk-UA" sz="4000" dirty="0" smtClean="0">
-              <a:solidFill>
-                <a:schemeClr val="bg1"/>
-              </a:solidFill>
-            </a:endParaRPr>
+              <a:t>Етапи роботи з системою</a:t>
+            </a:r>
           </a:p>
         </p:txBody>
       </p:sp>
@@ -6635,11 +6563,7 @@
             <a:pPr algn="ctr"/>
             <a:r>
               <a:rPr lang="uk-UA" dirty="0" smtClean="0"/>
-              <a:t>3</a:t>
-            </a:r>
-            <a:r>
-              <a:rPr lang="uk-UA" dirty="0" smtClean="0"/>
-              <a:t>. Збір статистичної інформації</a:t>
+              <a:t>3. Збір статистичної інформації</a:t>
             </a:r>
             <a:endParaRPr lang="uk-UA" dirty="0"/>
           </a:p>
@@ -6720,11 +6644,7 @@
             </a:pPr>
             <a:r>
               <a:rPr lang="uk-UA" dirty="0" smtClean="0"/>
-              <a:t> </a:t>
-            </a:r>
-            <a:r>
-              <a:rPr lang="uk-UA" dirty="0" smtClean="0"/>
-              <a:t>Вибір досліджуваної сторінки</a:t>
+              <a:t> Вибір досліджуваної сторінки</a:t>
             </a:r>
           </a:p>
           <a:p>
@@ -6737,11 +6657,7 @@
             </a:pPr>
             <a:r>
               <a:rPr lang="uk-UA" dirty="0" smtClean="0"/>
-              <a:t> </a:t>
-            </a:r>
-            <a:r>
-              <a:rPr lang="uk-UA" dirty="0" smtClean="0"/>
-              <a:t>Вибір елементу</a:t>
+              <a:t> Вибір елементу</a:t>
             </a:r>
           </a:p>
           <a:p>
@@ -6754,11 +6670,7 @@
             </a:pPr>
             <a:r>
               <a:rPr lang="uk-UA" dirty="0" smtClean="0"/>
-              <a:t> </a:t>
-            </a:r>
-            <a:r>
-              <a:rPr lang="uk-UA" dirty="0" smtClean="0"/>
-              <a:t>Зміна оригінального елементу</a:t>
+              <a:t> Зміна оригінального елементу</a:t>
             </a:r>
           </a:p>
           <a:p>
@@ -6771,11 +6683,7 @@
             </a:pPr>
             <a:r>
               <a:rPr lang="uk-UA" dirty="0" smtClean="0"/>
-              <a:t> </a:t>
-            </a:r>
-            <a:r>
-              <a:rPr lang="uk-UA" dirty="0" smtClean="0"/>
-              <a:t>Збереження задачі</a:t>
+              <a:t> Збереження задачі</a:t>
             </a:r>
             <a:endParaRPr lang="uk-UA" dirty="0"/>
           </a:p>
@@ -6902,11 +6810,7 @@
             </a:pPr>
             <a:r>
               <a:rPr lang="uk-UA" dirty="0" smtClean="0"/>
-              <a:t> </a:t>
-            </a:r>
-            <a:r>
-              <a:rPr lang="uk-UA" dirty="0" smtClean="0"/>
-              <a:t>Копіювання </a:t>
+              <a:t> Копіювання </a:t>
             </a:r>
             <a:r>
               <a:rPr lang="uk-UA" dirty="0" err="1" smtClean="0"/>
@@ -6932,11 +6836,7 @@
             </a:pPr>
             <a:r>
               <a:rPr lang="uk-UA" dirty="0" smtClean="0"/>
-              <a:t> </a:t>
-            </a:r>
-            <a:r>
-              <a:rPr lang="uk-UA" dirty="0" smtClean="0"/>
-              <a:t>Вставка </a:t>
+              <a:t> Вставка </a:t>
             </a:r>
             <a:r>
               <a:rPr lang="uk-UA" dirty="0" err="1" smtClean="0"/>
@@ -6980,11 +6880,7 @@
             </a:pPr>
             <a:r>
               <a:rPr lang="uk-UA" dirty="0" smtClean="0"/>
-              <a:t> </a:t>
-            </a:r>
-            <a:r>
-              <a:rPr lang="uk-UA" dirty="0" smtClean="0"/>
-              <a:t>Завантаження </a:t>
+              <a:t> Завантаження </a:t>
             </a:r>
             <a:r>
               <a:rPr lang="uk-UA" dirty="0" err="1" smtClean="0"/>
@@ -7026,11 +6922,7 @@
             </a:pPr>
             <a:r>
               <a:rPr lang="uk-UA" dirty="0" smtClean="0"/>
-              <a:t> </a:t>
-            </a:r>
-            <a:r>
-              <a:rPr lang="uk-UA" dirty="0" smtClean="0"/>
-              <a:t>Відстеження та зберігання переглядів та натискань</a:t>
+              <a:t> Відстеження та зберігання переглядів та натискань</a:t>
             </a:r>
           </a:p>
         </p:txBody>
@@ -7066,11 +6958,7 @@
             </a:pPr>
             <a:r>
               <a:rPr lang="uk-UA" dirty="0" smtClean="0"/>
-              <a:t> </a:t>
-            </a:r>
-            <a:r>
-              <a:rPr lang="uk-UA" dirty="0" smtClean="0"/>
-              <a:t>Порівняння кількості натискань на досліджуванні </a:t>
+              <a:t> Порівняння кількості натискань на досліджуванні </a:t>
             </a:r>
             <a:r>
               <a:rPr lang="ru-RU" dirty="0" smtClean="0"/>
@@ -7091,11 +6979,7 @@
             </a:pPr>
             <a:r>
               <a:rPr lang="uk-UA" dirty="0" smtClean="0"/>
-              <a:t> </a:t>
-            </a:r>
-            <a:r>
-              <a:rPr lang="uk-UA" dirty="0" smtClean="0"/>
-              <a:t>Відображення результатів </a:t>
+              <a:t> Відображення результатів </a:t>
             </a:r>
             <a:r>
               <a:rPr lang="en-US" dirty="0" smtClean="0"/>
@@ -7662,7 +7546,7 @@
     </p:spTree>
     <p:extLst>
       <p:ext uri="{BB962C8B-B14F-4D97-AF65-F5344CB8AC3E}">
-        <p14:creationId xmlns="" xmlns:p14="http://schemas.microsoft.com/office/powerpoint/2010/main" val="2223158303"/>
+        <p14:creationId xmlns:p14="http://schemas.microsoft.com/office/powerpoint/2010/main" xmlns="" val="2223158303"/>
       </p:ext>
     </p:extLst>
   </p:cSld>
@@ -7789,11 +7673,7 @@
             <a:pPr algn="ctr"/>
             <a:r>
               <a:rPr lang="uk-UA" dirty="0" smtClean="0"/>
-              <a:t>С</a:t>
-            </a:r>
-            <a:r>
-              <a:rPr lang="uk-UA" dirty="0" smtClean="0"/>
-              <a:t>копіювати </a:t>
+              <a:t>Скопіювати </a:t>
             </a:r>
             <a:r>
               <a:rPr lang="uk-UA" dirty="0" err="1" smtClean="0"/>
@@ -7867,8 +7747,8 @@
         </p:nvSpPr>
         <p:spPr>
           <a:xfrm>
-            <a:off x="4810126" y="4581525"/>
-            <a:ext cx="2724150" cy="923330"/>
+            <a:off x="4495800" y="4581525"/>
+            <a:ext cx="3038476" cy="646331"/>
           </a:xfrm>
           <a:prstGeom prst="rect">
             <a:avLst/>
@@ -7948,7 +7828,7 @@
     </p:spTree>
     <p:extLst>
       <p:ext uri="{BB962C8B-B14F-4D97-AF65-F5344CB8AC3E}">
-        <p14:creationId xmlns="" xmlns:p14="http://schemas.microsoft.com/office/powerpoint/2010/main" val="4052386969"/>
+        <p14:creationId xmlns:p14="http://schemas.microsoft.com/office/powerpoint/2010/main" xmlns="" val="4052386969"/>
       </p:ext>
     </p:extLst>
   </p:cSld>
@@ -8254,7 +8134,7 @@
   <a:extraClrSchemeLst/>
   <a:extLst>
     <a:ext uri="{05A4C25C-085E-4340-85A3-A5531E510DB2}">
-      <thm15:themeFamily xmlns="" xmlns:thm15="http://schemas.microsoft.com/office/thememl/2012/main" name="Office Theme" id="{62F939B6-93AF-4DB8-9C6B-D6C7DFDC589F}" vid="{4A3C46E8-61CC-4603-A589-7422A47A8E4A}"/>
+      <thm15:themeFamily xmlns:thm15="http://schemas.microsoft.com/office/thememl/2012/main" xmlns="" name="Office Theme" id="{62F939B6-93AF-4DB8-9C6B-D6C7DFDC589F}" vid="{4A3C46E8-61CC-4603-A589-7422A47A8E4A}"/>
     </a:ext>
   </a:extLst>
 </a:theme>
@@ -8515,7 +8395,7 @@
   <a:extraClrSchemeLst/>
   <a:extLst>
     <a:ext uri="{05A4C25C-085E-4340-85A3-A5531E510DB2}">
-      <thm15:themeFamily xmlns="" xmlns:thm15="http://schemas.microsoft.com/office/thememl/2012/main" name="Office Theme" id="{62F939B6-93AF-4DB8-9C6B-D6C7DFDC589F}" vid="{4A3C46E8-61CC-4603-A589-7422A47A8E4A}"/>
+      <thm15:themeFamily xmlns:thm15="http://schemas.microsoft.com/office/thememl/2012/main" xmlns="" name="Office Theme" id="{62F939B6-93AF-4DB8-9C6B-D6C7DFDC589F}" vid="{4A3C46E8-61CC-4603-A589-7422A47A8E4A}"/>
     </a:ext>
   </a:extLst>
 </a:theme>
@@ -8776,7 +8656,7 @@
   <a:extraClrSchemeLst/>
   <a:extLst>
     <a:ext uri="{05A4C25C-085E-4340-85A3-A5531E510DB2}">
-      <thm15:themeFamily xmlns="" xmlns:thm15="http://schemas.microsoft.com/office/thememl/2012/main" name="Office Theme" id="{62F939B6-93AF-4DB8-9C6B-D6C7DFDC589F}" vid="{4A3C46E8-61CC-4603-A589-7422A47A8E4A}"/>
+      <thm15:themeFamily xmlns:thm15="http://schemas.microsoft.com/office/thememl/2012/main" xmlns="" name="Office Theme" id="{62F939B6-93AF-4DB8-9C6B-D6C7DFDC589F}" vid="{4A3C46E8-61CC-4603-A589-7422A47A8E4A}"/>
     </a:ext>
   </a:extLst>
 </a:theme>
